--- a/cse111project1.pptx
+++ b/cse111project1.pptx
@@ -924,7 +924,7 @@
       </p:grpSpPr>
       <p:sp>
         <p:nvSpPr>
-          <p:cNvPr id="95" name="Google Shape;95;gcb4f6a3082_0_5:notes"/>
+          <p:cNvPr id="95" name="Google Shape;95;g1066085a457_0_1:notes"/>
           <p:cNvSpPr/>
           <p:nvPr>
             <p:ph idx="2" type="sldImg"/>
@@ -959,7 +959,7 @@
       </p:sp>
       <p:sp>
         <p:nvSpPr>
-          <p:cNvPr id="96" name="Google Shape;96;gcb4f6a3082_0_5:notes"/>
+          <p:cNvPr id="96" name="Google Shape;96;g1066085a457_0_1:notes"/>
           <p:cNvSpPr txBox="1"/>
           <p:nvPr>
             <p:ph idx="1" type="body"/>
@@ -1009,7 +1009,7 @@
   <p:cSld>
     <p:spTree>
       <p:nvGrpSpPr>
-        <p:cNvPr id="115" name="Shape 115"/>
+        <p:cNvPr id="100" name="Shape 100"/>
         <p:cNvGrpSpPr/>
         <p:nvPr/>
       </p:nvGrpSpPr>
@@ -1023,7 +1023,7 @@
       </p:grpSpPr>
       <p:sp>
         <p:nvSpPr>
-          <p:cNvPr id="116" name="Google Shape;116;gcb4f6a3082_0_15:notes"/>
+          <p:cNvPr id="101" name="Google Shape;101;gcb4f6a3082_3_46:notes"/>
           <p:cNvSpPr/>
           <p:nvPr>
             <p:ph idx="2" type="sldImg"/>
@@ -1058,7 +1058,7 @@
       </p:sp>
       <p:sp>
         <p:nvSpPr>
-          <p:cNvPr id="117" name="Google Shape;117;gcb4f6a3082_0_15:notes"/>
+          <p:cNvPr id="102" name="Google Shape;102;gcb4f6a3082_3_46:notes"/>
           <p:cNvSpPr txBox="1"/>
           <p:nvPr>
             <p:ph idx="1" type="body"/>
@@ -1108,7 +1108,7 @@
   <p:cSld>
     <p:spTree>
       <p:nvGrpSpPr>
-        <p:cNvPr id="194" name="Shape 194"/>
+        <p:cNvPr id="126" name="Shape 126"/>
         <p:cNvGrpSpPr/>
         <p:nvPr/>
       </p:nvGrpSpPr>
@@ -1122,7 +1122,7 @@
       </p:grpSpPr>
       <p:sp>
         <p:nvSpPr>
-          <p:cNvPr id="195" name="Google Shape;195;gcb4f6a3082_3_46:notes"/>
+          <p:cNvPr id="127" name="Google Shape;127;gf63ba4b52c_0_0:notes"/>
           <p:cNvSpPr/>
           <p:nvPr>
             <p:ph idx="2" type="sldImg"/>
@@ -1157,7 +1157,7 @@
       </p:sp>
       <p:sp>
         <p:nvSpPr>
-          <p:cNvPr id="196" name="Google Shape;196;gcb4f6a3082_3_46:notes"/>
+          <p:cNvPr id="128" name="Google Shape;128;gf63ba4b52c_0_0:notes"/>
           <p:cNvSpPr txBox="1"/>
           <p:nvPr>
             <p:ph idx="1" type="body"/>
@@ -1207,7 +1207,7 @@
   <p:cSld>
     <p:spTree>
       <p:nvGrpSpPr>
-        <p:cNvPr id="237" name="Shape 237"/>
+        <p:cNvPr id="132" name="Shape 132"/>
         <p:cNvGrpSpPr/>
         <p:nvPr/>
       </p:nvGrpSpPr>
@@ -1221,7 +1221,7 @@
       </p:grpSpPr>
       <p:sp>
         <p:nvSpPr>
-          <p:cNvPr id="238" name="Google Shape;238;gf63ba4b52c_0_0:notes"/>
+          <p:cNvPr id="133" name="Google Shape;133;g1066085a457_0_23:notes"/>
           <p:cNvSpPr/>
           <p:nvPr>
             <p:ph idx="2" type="sldImg"/>
@@ -1256,7 +1256,7 @@
       </p:sp>
       <p:sp>
         <p:nvSpPr>
-          <p:cNvPr id="239" name="Google Shape;239;gf63ba4b52c_0_0:notes"/>
+          <p:cNvPr id="134" name="Google Shape;134;g1066085a457_0_23:notes"/>
           <p:cNvSpPr txBox="1"/>
           <p:nvPr>
             <p:ph idx="1" type="body"/>
@@ -7792,7 +7792,7 @@
         <p:spPr>
           <a:xfrm>
             <a:off x="729450" y="2078875"/>
-            <a:ext cx="7688700" cy="2261100"/>
+            <a:ext cx="7688700" cy="2758200"/>
           </a:xfrm>
           <a:prstGeom prst="rect">
             <a:avLst/>
@@ -7816,7 +7816,7 @@
             </a:pPr>
             <a:r>
               <a:rPr lang="en"/>
-              <a:t>Create a team building program</a:t>
+              <a:t>User is able to view champions with the order they want.</a:t>
             </a:r>
             <a:endParaRPr/>
           </a:p>
@@ -7833,41 +7833,15 @@
             </a:pPr>
             <a:r>
               <a:rPr lang="en"/>
-              <a:t>Users can create teams based on</a:t>
+              <a:t>User is able to view all traits and short traits </a:t>
             </a:r>
-            <a:endParaRPr/>
-          </a:p>
-          <a:p>
-            <a:pPr indent="-298450" lvl="1" marL="914400" rtl="0" algn="l">
-              <a:spcBef>
-                <a:spcPts val="0"/>
-              </a:spcBef>
-              <a:spcAft>
-                <a:spcPts val="0"/>
-              </a:spcAft>
-              <a:buSzPts val="1100"/>
-              <a:buChar char="○"/>
-            </a:pPr>
             <a:r>
               <a:rPr lang="en"/>
-              <a:t>Characters</a:t>
+              <a:t>description</a:t>
             </a:r>
-            <a:endParaRPr/>
-          </a:p>
-          <a:p>
-            <a:pPr indent="-298450" lvl="1" marL="914400" rtl="0" algn="l">
-              <a:spcBef>
-                <a:spcPts val="0"/>
-              </a:spcBef>
-              <a:spcAft>
-                <a:spcPts val="0"/>
-              </a:spcAft>
-              <a:buSzPts val="1100"/>
-              <a:buChar char="○"/>
-            </a:pPr>
             <a:r>
               <a:rPr lang="en"/>
-              <a:t>Traits</a:t>
+              <a:t>. </a:t>
             </a:r>
             <a:endParaRPr/>
           </a:p>
@@ -7884,7 +7858,7 @@
             </a:pPr>
             <a:r>
               <a:rPr lang="en"/>
-              <a:t>Users can save previous created teams</a:t>
+              <a:t>User is able to create teams.</a:t>
             </a:r>
             <a:endParaRPr/>
           </a:p>
@@ -7901,22 +7875,32 @@
             </a:pPr>
             <a:r>
               <a:rPr lang="en"/>
-              <a:t>User can view all team created</a:t>
+              <a:t>User is able to view teams.</a:t>
             </a:r>
             <a:endParaRPr/>
           </a:p>
           <a:p>
-            <a:pPr indent="0" lvl="0" marL="0" rtl="0" algn="l">
-              <a:spcBef>
-                <a:spcPts val="1200"/>
-              </a:spcBef>
-              <a:spcAft>
-                <a:spcPts val="1200"/>
-              </a:spcAft>
-              <a:buNone/>
+            <a:pPr indent="-311150" lvl="0" marL="457200" rtl="0" algn="l">
+              <a:spcBef>
+                <a:spcPts val="0"/>
+              </a:spcBef>
+              <a:spcAft>
+                <a:spcPts val="0"/>
+              </a:spcAft>
+              <a:buSzPts val="1300"/>
+              <a:buChar char="●"/>
             </a:pPr>
             <a:r>
-              <a:t/>
+              <a:rPr lang="en"/>
+              <a:t>User is able to see </a:t>
+            </a:r>
+            <a:r>
+              <a:rPr lang="en"/>
+              <a:t>recommend</a:t>
+            </a:r>
+            <a:r>
+              <a:rPr lang="en"/>
+              <a:t> item on each champions when they view teams.</a:t>
             </a:r>
             <a:endParaRPr/>
           </a:p>
@@ -7947,793 +7931,9 @@
           <a:chExt cx="0" cy="0"/>
         </a:xfrm>
       </p:grpSpPr>
-      <p:pic>
-        <p:nvPicPr>
-          <p:cNvPr id="98" name="Google Shape;98;p15"/>
-          <p:cNvPicPr preferRelativeResize="0"/>
-          <p:nvPr/>
-        </p:nvPicPr>
-        <p:blipFill>
-          <a:blip r:embed="rId3">
-            <a:alphaModFix/>
-          </a:blip>
-          <a:stretch>
-            <a:fillRect/>
-          </a:stretch>
-        </p:blipFill>
-        <p:spPr>
-          <a:xfrm>
-            <a:off x="697500" y="2439767"/>
-            <a:ext cx="1311675" cy="1894950"/>
-          </a:xfrm>
-          <a:prstGeom prst="rect">
-            <a:avLst/>
-          </a:prstGeom>
-          <a:noFill/>
-          <a:ln>
-            <a:noFill/>
-          </a:ln>
-        </p:spPr>
-      </p:pic>
       <p:sp>
         <p:nvSpPr>
-          <p:cNvPr id="99" name="Google Shape;99;p15"/>
-          <p:cNvSpPr txBox="1"/>
-          <p:nvPr/>
-        </p:nvSpPr>
-        <p:spPr>
-          <a:xfrm>
-            <a:off x="991688" y="4100250"/>
-            <a:ext cx="723300" cy="400200"/>
-          </a:xfrm>
-          <a:prstGeom prst="rect">
-            <a:avLst/>
-          </a:prstGeom>
-          <a:noFill/>
-          <a:ln>
-            <a:noFill/>
-          </a:ln>
-        </p:spPr>
-        <p:txBody>
-          <a:bodyPr anchorCtr="0" anchor="t" bIns="91425" lIns="91425" spcFirstLastPara="1" rIns="91425" wrap="square" tIns="91425">
-            <a:spAutoFit/>
-          </a:bodyPr>
-          <a:lstStyle/>
-          <a:p>
-            <a:pPr indent="0" lvl="0" marL="0" rtl="0" algn="l">
-              <a:spcBef>
-                <a:spcPts val="0"/>
-              </a:spcBef>
-              <a:spcAft>
-                <a:spcPts val="0"/>
-              </a:spcAft>
-              <a:buNone/>
-            </a:pPr>
-            <a:r>
-              <a:rPr lang="en">
-                <a:latin typeface="Lato"/>
-                <a:ea typeface="Lato"/>
-                <a:cs typeface="Lato"/>
-                <a:sym typeface="Lato"/>
-              </a:rPr>
-              <a:t>User</a:t>
-            </a:r>
-            <a:endParaRPr>
-              <a:latin typeface="Lato"/>
-              <a:ea typeface="Lato"/>
-              <a:cs typeface="Lato"/>
-              <a:sym typeface="Lato"/>
-            </a:endParaRPr>
-          </a:p>
-        </p:txBody>
-      </p:sp>
-      <p:sp>
-        <p:nvSpPr>
-          <p:cNvPr id="100" name="Google Shape;100;p15"/>
-          <p:cNvSpPr/>
-          <p:nvPr/>
-        </p:nvSpPr>
-        <p:spPr>
-          <a:xfrm>
-            <a:off x="4925500" y="2785525"/>
-            <a:ext cx="1617300" cy="535200"/>
-          </a:xfrm>
-          <a:prstGeom prst="ellipse">
-            <a:avLst/>
-          </a:prstGeom>
-          <a:solidFill>
-            <a:schemeClr val="lt2"/>
-          </a:solidFill>
-          <a:ln cap="flat" cmpd="sng" w="9525">
-            <a:solidFill>
-              <a:schemeClr val="dk2"/>
-            </a:solidFill>
-            <a:prstDash val="solid"/>
-            <a:round/>
-            <a:headEnd len="sm" w="sm" type="none"/>
-            <a:tailEnd len="sm" w="sm" type="none"/>
-          </a:ln>
-        </p:spPr>
-        <p:txBody>
-          <a:bodyPr anchorCtr="0" anchor="ctr" bIns="91425" lIns="91425" spcFirstLastPara="1" rIns="91425" wrap="square" tIns="91425">
-            <a:noAutofit/>
-          </a:bodyPr>
-          <a:lstStyle/>
-          <a:p>
-            <a:pPr indent="0" lvl="0" marL="0" rtl="0" algn="l">
-              <a:spcBef>
-                <a:spcPts val="0"/>
-              </a:spcBef>
-              <a:spcAft>
-                <a:spcPts val="0"/>
-              </a:spcAft>
-              <a:buNone/>
-            </a:pPr>
-            <a:r>
-              <a:rPr lang="en"/>
-              <a:t>Choose Character</a:t>
-            </a:r>
-            <a:endParaRPr/>
-          </a:p>
-        </p:txBody>
-      </p:sp>
-      <p:sp>
-        <p:nvSpPr>
-          <p:cNvPr id="101" name="Google Shape;101;p15"/>
-          <p:cNvSpPr/>
-          <p:nvPr/>
-        </p:nvSpPr>
-        <p:spPr>
-          <a:xfrm>
-            <a:off x="2531663" y="2499788"/>
-            <a:ext cx="1617300" cy="535200"/>
-          </a:xfrm>
-          <a:prstGeom prst="ellipse">
-            <a:avLst/>
-          </a:prstGeom>
-          <a:solidFill>
-            <a:schemeClr val="lt2"/>
-          </a:solidFill>
-          <a:ln cap="flat" cmpd="sng" w="9525">
-            <a:solidFill>
-              <a:schemeClr val="dk2"/>
-            </a:solidFill>
-            <a:prstDash val="solid"/>
-            <a:round/>
-            <a:headEnd len="sm" w="sm" type="none"/>
-            <a:tailEnd len="sm" w="sm" type="none"/>
-          </a:ln>
-        </p:spPr>
-        <p:txBody>
-          <a:bodyPr anchorCtr="0" anchor="ctr" bIns="91425" lIns="91425" spcFirstLastPara="1" rIns="91425" wrap="square" tIns="91425">
-            <a:noAutofit/>
-          </a:bodyPr>
-          <a:lstStyle/>
-          <a:p>
-            <a:pPr indent="0" lvl="0" marL="0" rtl="0" algn="l">
-              <a:spcBef>
-                <a:spcPts val="0"/>
-              </a:spcBef>
-              <a:spcAft>
-                <a:spcPts val="0"/>
-              </a:spcAft>
-              <a:buNone/>
-            </a:pPr>
-            <a:r>
-              <a:rPr lang="en"/>
-              <a:t>Build Team</a:t>
-            </a:r>
-            <a:endParaRPr/>
-          </a:p>
-        </p:txBody>
-      </p:sp>
-      <p:sp>
-        <p:nvSpPr>
-          <p:cNvPr id="102" name="Google Shape;102;p15"/>
-          <p:cNvSpPr/>
-          <p:nvPr/>
-        </p:nvSpPr>
-        <p:spPr>
-          <a:xfrm>
-            <a:off x="2531663" y="3232513"/>
-            <a:ext cx="1617300" cy="535200"/>
-          </a:xfrm>
-          <a:prstGeom prst="ellipse">
-            <a:avLst/>
-          </a:prstGeom>
-          <a:solidFill>
-            <a:schemeClr val="lt2"/>
-          </a:solidFill>
-          <a:ln cap="flat" cmpd="sng" w="9525">
-            <a:solidFill>
-              <a:schemeClr val="dk2"/>
-            </a:solidFill>
-            <a:prstDash val="solid"/>
-            <a:round/>
-            <a:headEnd len="sm" w="sm" type="none"/>
-            <a:tailEnd len="sm" w="sm" type="none"/>
-          </a:ln>
-        </p:spPr>
-        <p:txBody>
-          <a:bodyPr anchorCtr="0" anchor="ctr" bIns="91425" lIns="91425" spcFirstLastPara="1" rIns="91425" wrap="square" tIns="91425">
-            <a:noAutofit/>
-          </a:bodyPr>
-          <a:lstStyle/>
-          <a:p>
-            <a:pPr indent="0" lvl="0" marL="0" rtl="0" algn="l">
-              <a:spcBef>
-                <a:spcPts val="0"/>
-              </a:spcBef>
-              <a:spcAft>
-                <a:spcPts val="0"/>
-              </a:spcAft>
-              <a:buNone/>
-            </a:pPr>
-            <a:r>
-              <a:rPr lang="en" sz="1300"/>
-              <a:t>View Default Team</a:t>
-            </a:r>
-            <a:endParaRPr sz="1300"/>
-          </a:p>
-        </p:txBody>
-      </p:sp>
-      <p:sp>
-        <p:nvSpPr>
-          <p:cNvPr id="103" name="Google Shape;103;p15"/>
-          <p:cNvSpPr/>
-          <p:nvPr/>
-        </p:nvSpPr>
-        <p:spPr>
-          <a:xfrm>
-            <a:off x="2531663" y="3965238"/>
-            <a:ext cx="1617300" cy="535200"/>
-          </a:xfrm>
-          <a:prstGeom prst="ellipse">
-            <a:avLst/>
-          </a:prstGeom>
-          <a:solidFill>
-            <a:schemeClr val="lt2"/>
-          </a:solidFill>
-          <a:ln cap="flat" cmpd="sng" w="9525">
-            <a:solidFill>
-              <a:schemeClr val="dk2"/>
-            </a:solidFill>
-            <a:prstDash val="solid"/>
-            <a:round/>
-            <a:headEnd len="sm" w="sm" type="none"/>
-            <a:tailEnd len="sm" w="sm" type="none"/>
-          </a:ln>
-        </p:spPr>
-        <p:txBody>
-          <a:bodyPr anchorCtr="0" anchor="ctr" bIns="91425" lIns="91425" spcFirstLastPara="1" rIns="91425" wrap="square" tIns="91425">
-            <a:noAutofit/>
-          </a:bodyPr>
-          <a:lstStyle/>
-          <a:p>
-            <a:pPr indent="0" lvl="0" marL="0" rtl="0" algn="l">
-              <a:spcBef>
-                <a:spcPts val="0"/>
-              </a:spcBef>
-              <a:spcAft>
-                <a:spcPts val="0"/>
-              </a:spcAft>
-              <a:buNone/>
-            </a:pPr>
-            <a:r>
-              <a:rPr lang="en" sz="1300"/>
-              <a:t>View Saved </a:t>
-            </a:r>
-            <a:endParaRPr sz="1300"/>
-          </a:p>
-          <a:p>
-            <a:pPr indent="0" lvl="0" marL="0" rtl="0" algn="l">
-              <a:spcBef>
-                <a:spcPts val="0"/>
-              </a:spcBef>
-              <a:spcAft>
-                <a:spcPts val="0"/>
-              </a:spcAft>
-              <a:buNone/>
-            </a:pPr>
-            <a:r>
-              <a:rPr lang="en" sz="1300"/>
-              <a:t>Team</a:t>
-            </a:r>
-            <a:endParaRPr sz="1300"/>
-          </a:p>
-        </p:txBody>
-      </p:sp>
-      <p:sp>
-        <p:nvSpPr>
-          <p:cNvPr id="104" name="Google Shape;104;p15"/>
-          <p:cNvSpPr/>
-          <p:nvPr/>
-        </p:nvSpPr>
-        <p:spPr>
-          <a:xfrm>
-            <a:off x="7344663" y="3320713"/>
-            <a:ext cx="1617300" cy="535200"/>
-          </a:xfrm>
-          <a:prstGeom prst="ellipse">
-            <a:avLst/>
-          </a:prstGeom>
-          <a:solidFill>
-            <a:schemeClr val="lt2"/>
-          </a:solidFill>
-          <a:ln cap="flat" cmpd="sng" w="9525">
-            <a:solidFill>
-              <a:schemeClr val="dk2"/>
-            </a:solidFill>
-            <a:prstDash val="solid"/>
-            <a:round/>
-            <a:headEnd len="sm" w="sm" type="none"/>
-            <a:tailEnd len="sm" w="sm" type="none"/>
-          </a:ln>
-        </p:spPr>
-        <p:txBody>
-          <a:bodyPr anchorCtr="0" anchor="ctr" bIns="91425" lIns="91425" spcFirstLastPara="1" rIns="91425" wrap="square" tIns="91425">
-            <a:noAutofit/>
-          </a:bodyPr>
-          <a:lstStyle/>
-          <a:p>
-            <a:pPr indent="0" lvl="0" marL="0" rtl="0" algn="l">
-              <a:spcBef>
-                <a:spcPts val="0"/>
-              </a:spcBef>
-              <a:spcAft>
-                <a:spcPts val="0"/>
-              </a:spcAft>
-              <a:buNone/>
-            </a:pPr>
-            <a:r>
-              <a:rPr lang="en" sz="1300"/>
-              <a:t>Team Database</a:t>
-            </a:r>
-            <a:endParaRPr sz="1300"/>
-          </a:p>
-        </p:txBody>
-      </p:sp>
-      <p:sp>
-        <p:nvSpPr>
-          <p:cNvPr id="105" name="Google Shape;105;p15"/>
-          <p:cNvSpPr txBox="1"/>
-          <p:nvPr/>
-        </p:nvSpPr>
-        <p:spPr>
-          <a:xfrm>
-            <a:off x="4207650" y="2385325"/>
-            <a:ext cx="783600" cy="400200"/>
-          </a:xfrm>
-          <a:prstGeom prst="rect">
-            <a:avLst/>
-          </a:prstGeom>
-          <a:noFill/>
-          <a:ln>
-            <a:noFill/>
-          </a:ln>
-        </p:spPr>
-        <p:txBody>
-          <a:bodyPr anchorCtr="0" anchor="t" bIns="91425" lIns="91425" spcFirstLastPara="1" rIns="91425" wrap="square" tIns="91425">
-            <a:spAutoFit/>
-          </a:bodyPr>
-          <a:lstStyle/>
-          <a:p>
-            <a:pPr indent="0" lvl="0" marL="0" rtl="0" algn="l">
-              <a:spcBef>
-                <a:spcPts val="0"/>
-              </a:spcBef>
-              <a:spcAft>
-                <a:spcPts val="0"/>
-              </a:spcAft>
-              <a:buNone/>
-            </a:pPr>
-            <a:r>
-              <a:rPr lang="en">
-                <a:latin typeface="Lato"/>
-                <a:ea typeface="Lato"/>
-                <a:cs typeface="Lato"/>
-                <a:sym typeface="Lato"/>
-              </a:rPr>
-              <a:t>Uses</a:t>
-            </a:r>
-            <a:endParaRPr>
-              <a:latin typeface="Lato"/>
-              <a:ea typeface="Lato"/>
-              <a:cs typeface="Lato"/>
-              <a:sym typeface="Lato"/>
-            </a:endParaRPr>
-          </a:p>
-        </p:txBody>
-      </p:sp>
-      <p:sp>
-        <p:nvSpPr>
-          <p:cNvPr id="106" name="Google Shape;106;p15"/>
-          <p:cNvSpPr/>
-          <p:nvPr/>
-        </p:nvSpPr>
-        <p:spPr>
-          <a:xfrm>
-            <a:off x="4938163" y="3565038"/>
-            <a:ext cx="1617300" cy="535200"/>
-          </a:xfrm>
-          <a:prstGeom prst="ellipse">
-            <a:avLst/>
-          </a:prstGeom>
-          <a:solidFill>
-            <a:schemeClr val="lt2"/>
-          </a:solidFill>
-          <a:ln cap="flat" cmpd="sng" w="9525">
-            <a:solidFill>
-              <a:schemeClr val="dk2"/>
-            </a:solidFill>
-            <a:prstDash val="solid"/>
-            <a:round/>
-            <a:headEnd len="sm" w="sm" type="none"/>
-            <a:tailEnd len="sm" w="sm" type="none"/>
-          </a:ln>
-        </p:spPr>
-        <p:txBody>
-          <a:bodyPr anchorCtr="0" anchor="ctr" bIns="91425" lIns="91425" spcFirstLastPara="1" rIns="91425" wrap="square" tIns="91425">
-            <a:noAutofit/>
-          </a:bodyPr>
-          <a:lstStyle/>
-          <a:p>
-            <a:pPr indent="0" lvl="0" marL="0" rtl="0" algn="l">
-              <a:spcBef>
-                <a:spcPts val="0"/>
-              </a:spcBef>
-              <a:spcAft>
-                <a:spcPts val="0"/>
-              </a:spcAft>
-              <a:buNone/>
-            </a:pPr>
-            <a:r>
-              <a:rPr lang="en" sz="1300"/>
-              <a:t>Save Team</a:t>
-            </a:r>
-            <a:endParaRPr sz="1300"/>
-          </a:p>
-        </p:txBody>
-      </p:sp>
-      <p:sp>
-        <p:nvSpPr>
-          <p:cNvPr id="107" name="Google Shape;107;p15"/>
-          <p:cNvSpPr txBox="1"/>
-          <p:nvPr/>
-        </p:nvSpPr>
-        <p:spPr>
-          <a:xfrm>
-            <a:off x="637225" y="663050"/>
-            <a:ext cx="6972000" cy="538800"/>
-          </a:xfrm>
-          <a:prstGeom prst="rect">
-            <a:avLst/>
-          </a:prstGeom>
-          <a:noFill/>
-          <a:ln>
-            <a:noFill/>
-          </a:ln>
-        </p:spPr>
-        <p:txBody>
-          <a:bodyPr anchorCtr="0" anchor="t" bIns="91425" lIns="91425" spcFirstLastPara="1" rIns="91425" wrap="square" tIns="91425">
-            <a:spAutoFit/>
-          </a:bodyPr>
-          <a:lstStyle/>
-          <a:p>
-            <a:pPr indent="0" lvl="0" marL="0" rtl="0" algn="l">
-              <a:spcBef>
-                <a:spcPts val="0"/>
-              </a:spcBef>
-              <a:spcAft>
-                <a:spcPts val="0"/>
-              </a:spcAft>
-              <a:buNone/>
-            </a:pPr>
-            <a:r>
-              <a:rPr b="1" lang="en" sz="2300">
-                <a:latin typeface="Lato"/>
-                <a:ea typeface="Lato"/>
-                <a:cs typeface="Lato"/>
-                <a:sym typeface="Lato"/>
-              </a:rPr>
-              <a:t>Uses Case Diagram</a:t>
-            </a:r>
-            <a:endParaRPr b="1" sz="2300">
-              <a:latin typeface="Lato"/>
-              <a:ea typeface="Lato"/>
-              <a:cs typeface="Lato"/>
-              <a:sym typeface="Lato"/>
-            </a:endParaRPr>
-          </a:p>
-        </p:txBody>
-      </p:sp>
-      <p:cxnSp>
-        <p:nvCxnSpPr>
-          <p:cNvPr id="108" name="Google Shape;108;p15"/>
-          <p:cNvCxnSpPr>
-            <a:stCxn id="101" idx="6"/>
-            <a:endCxn id="100" idx="2"/>
-          </p:cNvCxnSpPr>
-          <p:nvPr/>
-        </p:nvCxnSpPr>
-        <p:spPr>
-          <a:xfrm>
-            <a:off x="4148963" y="2767388"/>
-            <a:ext cx="776400" cy="285600"/>
-          </a:xfrm>
-          <a:prstGeom prst="bentConnector3">
-            <a:avLst>
-              <a:gd fmla="val 50009" name="adj1"/>
-            </a:avLst>
-          </a:prstGeom>
-          <a:noFill/>
-          <a:ln cap="flat" cmpd="sng" w="9525">
-            <a:solidFill>
-              <a:schemeClr val="dk2"/>
-            </a:solidFill>
-            <a:prstDash val="solid"/>
-            <a:round/>
-            <a:headEnd len="med" w="med" type="none"/>
-            <a:tailEnd len="med" w="med" type="none"/>
-          </a:ln>
-        </p:spPr>
-      </p:cxnSp>
-      <p:cxnSp>
-        <p:nvCxnSpPr>
-          <p:cNvPr id="109" name="Google Shape;109;p15"/>
-          <p:cNvCxnSpPr>
-            <a:stCxn id="102" idx="6"/>
-            <a:endCxn id="106" idx="2"/>
-          </p:cNvCxnSpPr>
-          <p:nvPr/>
-        </p:nvCxnSpPr>
-        <p:spPr>
-          <a:xfrm>
-            <a:off x="4148963" y="3500113"/>
-            <a:ext cx="789300" cy="332400"/>
-          </a:xfrm>
-          <a:prstGeom prst="bentConnector3">
-            <a:avLst>
-              <a:gd fmla="val 49994" name="adj1"/>
-            </a:avLst>
-          </a:prstGeom>
-          <a:noFill/>
-          <a:ln cap="flat" cmpd="sng" w="9525">
-            <a:solidFill>
-              <a:schemeClr val="dk2"/>
-            </a:solidFill>
-            <a:prstDash val="solid"/>
-            <a:round/>
-            <a:headEnd len="med" w="med" type="none"/>
-            <a:tailEnd len="med" w="med" type="none"/>
-          </a:ln>
-        </p:spPr>
-      </p:cxnSp>
-      <p:cxnSp>
-        <p:nvCxnSpPr>
-          <p:cNvPr id="110" name="Google Shape;110;p15"/>
-          <p:cNvCxnSpPr>
-            <a:stCxn id="103" idx="6"/>
-            <a:endCxn id="106" idx="2"/>
-          </p:cNvCxnSpPr>
-          <p:nvPr/>
-        </p:nvCxnSpPr>
-        <p:spPr>
-          <a:xfrm flipH="1" rot="10800000">
-            <a:off x="4148963" y="3832638"/>
-            <a:ext cx="789300" cy="400200"/>
-          </a:xfrm>
-          <a:prstGeom prst="bentConnector3">
-            <a:avLst>
-              <a:gd fmla="val 49994" name="adj1"/>
-            </a:avLst>
-          </a:prstGeom>
-          <a:noFill/>
-          <a:ln cap="flat" cmpd="sng" w="9525">
-            <a:solidFill>
-              <a:schemeClr val="dk2"/>
-            </a:solidFill>
-            <a:prstDash val="solid"/>
-            <a:round/>
-            <a:headEnd len="med" w="med" type="none"/>
-            <a:tailEnd len="med" w="med" type="none"/>
-          </a:ln>
-        </p:spPr>
-      </p:cxnSp>
-      <p:cxnSp>
-        <p:nvCxnSpPr>
-          <p:cNvPr id="111" name="Google Shape;111;p15"/>
-          <p:cNvCxnSpPr>
-            <a:stCxn id="100" idx="6"/>
-            <a:endCxn id="104" idx="2"/>
-          </p:cNvCxnSpPr>
-          <p:nvPr/>
-        </p:nvCxnSpPr>
-        <p:spPr>
-          <a:xfrm>
-            <a:off x="6542800" y="3053125"/>
-            <a:ext cx="801900" cy="535200"/>
-          </a:xfrm>
-          <a:prstGeom prst="bentConnector3">
-            <a:avLst>
-              <a:gd fmla="val 49998" name="adj1"/>
-            </a:avLst>
-          </a:prstGeom>
-          <a:noFill/>
-          <a:ln cap="flat" cmpd="sng" w="9525">
-            <a:solidFill>
-              <a:schemeClr val="dk2"/>
-            </a:solidFill>
-            <a:prstDash val="solid"/>
-            <a:round/>
-            <a:headEnd len="med" w="med" type="none"/>
-            <a:tailEnd len="med" w="med" type="none"/>
-          </a:ln>
-        </p:spPr>
-      </p:cxnSp>
-      <p:cxnSp>
-        <p:nvCxnSpPr>
-          <p:cNvPr id="112" name="Google Shape;112;p15"/>
-          <p:cNvCxnSpPr>
-            <a:stCxn id="106" idx="6"/>
-            <a:endCxn id="104" idx="2"/>
-          </p:cNvCxnSpPr>
-          <p:nvPr/>
-        </p:nvCxnSpPr>
-        <p:spPr>
-          <a:xfrm flipH="1" rot="10800000">
-            <a:off x="6555463" y="3588438"/>
-            <a:ext cx="789300" cy="244200"/>
-          </a:xfrm>
-          <a:prstGeom prst="bentConnector3">
-            <a:avLst>
-              <a:gd fmla="val 49994" name="adj1"/>
-            </a:avLst>
-          </a:prstGeom>
-          <a:noFill/>
-          <a:ln cap="flat" cmpd="sng" w="9525">
-            <a:solidFill>
-              <a:schemeClr val="dk2"/>
-            </a:solidFill>
-            <a:prstDash val="solid"/>
-            <a:round/>
-            <a:headEnd len="med" w="med" type="none"/>
-            <a:tailEnd len="med" w="med" type="none"/>
-          </a:ln>
-        </p:spPr>
-      </p:cxnSp>
-      <p:sp>
-        <p:nvSpPr>
-          <p:cNvPr id="113" name="Google Shape;113;p15"/>
-          <p:cNvSpPr txBox="1"/>
-          <p:nvPr/>
-        </p:nvSpPr>
-        <p:spPr>
-          <a:xfrm>
-            <a:off x="4483075" y="3466213"/>
-            <a:ext cx="783600" cy="400200"/>
-          </a:xfrm>
-          <a:prstGeom prst="rect">
-            <a:avLst/>
-          </a:prstGeom>
-          <a:noFill/>
-          <a:ln>
-            <a:noFill/>
-          </a:ln>
-        </p:spPr>
-        <p:txBody>
-          <a:bodyPr anchorCtr="0" anchor="t" bIns="91425" lIns="91425" spcFirstLastPara="1" rIns="91425" wrap="square" tIns="91425">
-            <a:spAutoFit/>
-          </a:bodyPr>
-          <a:lstStyle/>
-          <a:p>
-            <a:pPr indent="0" lvl="0" marL="0" rtl="0" algn="l">
-              <a:spcBef>
-                <a:spcPts val="0"/>
-              </a:spcBef>
-              <a:spcAft>
-                <a:spcPts val="0"/>
-              </a:spcAft>
-              <a:buNone/>
-            </a:pPr>
-            <a:r>
-              <a:rPr lang="en">
-                <a:latin typeface="Lato"/>
-                <a:ea typeface="Lato"/>
-                <a:cs typeface="Lato"/>
-                <a:sym typeface="Lato"/>
-              </a:rPr>
-              <a:t>Uses</a:t>
-            </a:r>
-            <a:endParaRPr>
-              <a:latin typeface="Lato"/>
-              <a:ea typeface="Lato"/>
-              <a:cs typeface="Lato"/>
-              <a:sym typeface="Lato"/>
-            </a:endParaRPr>
-          </a:p>
-        </p:txBody>
-      </p:sp>
-      <p:sp>
-        <p:nvSpPr>
-          <p:cNvPr id="114" name="Google Shape;114;p15"/>
-          <p:cNvSpPr txBox="1"/>
-          <p:nvPr/>
-        </p:nvSpPr>
-        <p:spPr>
-          <a:xfrm>
-            <a:off x="6877675" y="3164850"/>
-            <a:ext cx="783600" cy="400200"/>
-          </a:xfrm>
-          <a:prstGeom prst="rect">
-            <a:avLst/>
-          </a:prstGeom>
-          <a:noFill/>
-          <a:ln>
-            <a:noFill/>
-          </a:ln>
-        </p:spPr>
-        <p:txBody>
-          <a:bodyPr anchorCtr="0" anchor="t" bIns="91425" lIns="91425" spcFirstLastPara="1" rIns="91425" wrap="square" tIns="91425">
-            <a:spAutoFit/>
-          </a:bodyPr>
-          <a:lstStyle/>
-          <a:p>
-            <a:pPr indent="0" lvl="0" marL="0" rtl="0" algn="l">
-              <a:spcBef>
-                <a:spcPts val="0"/>
-              </a:spcBef>
-              <a:spcAft>
-                <a:spcPts val="0"/>
-              </a:spcAft>
-              <a:buNone/>
-            </a:pPr>
-            <a:r>
-              <a:rPr lang="en">
-                <a:latin typeface="Lato"/>
-                <a:ea typeface="Lato"/>
-                <a:cs typeface="Lato"/>
-                <a:sym typeface="Lato"/>
-              </a:rPr>
-              <a:t>Uses</a:t>
-            </a:r>
-            <a:endParaRPr>
-              <a:latin typeface="Lato"/>
-              <a:ea typeface="Lato"/>
-              <a:cs typeface="Lato"/>
-              <a:sym typeface="Lato"/>
-            </a:endParaRPr>
-          </a:p>
-        </p:txBody>
-      </p:sp>
-    </p:spTree>
-  </p:cSld>
-  <p:clrMapOvr>
-    <a:masterClrMapping/>
-  </p:clrMapOvr>
-</p:sld>
-</file>
-
-<file path=ppt/slides/slide4.xml><?xml version="1.0" encoding="utf-8"?>
-<p:sld xmlns:a="http://schemas.openxmlformats.org/drawingml/2006/main" xmlns:r="http://schemas.openxmlformats.org/officeDocument/2006/relationships" xmlns:mc="http://schemas.openxmlformats.org/markup-compatibility/2006" xmlns:mv="urn:schemas-microsoft-com:mac:vml" xmlns:p="http://schemas.openxmlformats.org/presentationml/2006/main" xmlns:c="http://schemas.openxmlformats.org/drawingml/2006/chart" xmlns:dgm="http://schemas.openxmlformats.org/drawingml/2006/diagram" xmlns:o="urn:schemas-microsoft-com:office:office" xmlns:v="urn:schemas-microsoft-com:vml" xmlns:pvml="urn:schemas-microsoft-com:office:powerpoint" xmlns:com="http://schemas.openxmlformats.org/drawingml/2006/compatibility" xmlns:p14="http://schemas.microsoft.com/office/powerpoint/2010/main" xmlns:p15="http://schemas.microsoft.com/office/powerpoint/2012/main" xmlns:ahyp="http://schemas.microsoft.com/office/drawing/2018/hyperlinkcolor">
-  <p:cSld>
-    <p:spTree>
-      <p:nvGrpSpPr>
-        <p:cNvPr id="118" name="Shape 118"/>
-        <p:cNvGrpSpPr/>
-        <p:nvPr/>
-      </p:nvGrpSpPr>
-      <p:grpSpPr>
-        <a:xfrm>
-          <a:off x="0" y="0"/>
-          <a:ext cx="0" cy="0"/>
-          <a:chOff x="0" y="0"/>
-          <a:chExt cx="0" cy="0"/>
-        </a:xfrm>
-      </p:grpSpPr>
-      <p:sp>
-        <p:nvSpPr>
-          <p:cNvPr id="119" name="Google Shape;119;p16"/>
+          <p:cNvPr id="98" name="Google Shape;98;p15"/>
           <p:cNvSpPr txBox="1"/>
           <p:nvPr>
             <p:ph type="title"/>
@@ -8771,324 +7971,109 @@
           </a:p>
         </p:txBody>
       </p:sp>
+      <p:pic>
+        <p:nvPicPr>
+          <p:cNvPr id="99" name="Google Shape;99;p15"/>
+          <p:cNvPicPr preferRelativeResize="0"/>
+          <p:nvPr/>
+        </p:nvPicPr>
+        <p:blipFill>
+          <a:blip r:embed="rId3">
+            <a:alphaModFix/>
+          </a:blip>
+          <a:stretch>
+            <a:fillRect/>
+          </a:stretch>
+        </p:blipFill>
+        <p:spPr>
+          <a:xfrm>
+            <a:off x="2588350" y="304800"/>
+            <a:ext cx="6261847" cy="4838700"/>
+          </a:xfrm>
+          <a:prstGeom prst="rect">
+            <a:avLst/>
+          </a:prstGeom>
+          <a:noFill/>
+          <a:ln>
+            <a:noFill/>
+          </a:ln>
+        </p:spPr>
+      </p:pic>
+    </p:spTree>
+  </p:cSld>
+  <p:clrMapOvr>
+    <a:masterClrMapping/>
+  </p:clrMapOvr>
+</p:sld>
+</file>
+
+<file path=ppt/slides/slide4.xml><?xml version="1.0" encoding="utf-8"?>
+<p:sld xmlns:a="http://schemas.openxmlformats.org/drawingml/2006/main" xmlns:r="http://schemas.openxmlformats.org/officeDocument/2006/relationships" xmlns:mc="http://schemas.openxmlformats.org/markup-compatibility/2006" xmlns:mv="urn:schemas-microsoft-com:mac:vml" xmlns:p="http://schemas.openxmlformats.org/presentationml/2006/main" xmlns:c="http://schemas.openxmlformats.org/drawingml/2006/chart" xmlns:dgm="http://schemas.openxmlformats.org/drawingml/2006/diagram" xmlns:o="urn:schemas-microsoft-com:office:office" xmlns:v="urn:schemas-microsoft-com:vml" xmlns:pvml="urn:schemas-microsoft-com:office:powerpoint" xmlns:com="http://schemas.openxmlformats.org/drawingml/2006/compatibility" xmlns:p14="http://schemas.microsoft.com/office/powerpoint/2010/main" xmlns:p15="http://schemas.microsoft.com/office/powerpoint/2012/main" xmlns:ahyp="http://schemas.microsoft.com/office/drawing/2018/hyperlinkcolor">
+  <p:cSld>
+    <p:spTree>
+      <p:nvGrpSpPr>
+        <p:cNvPr id="103" name="Shape 103"/>
+        <p:cNvGrpSpPr/>
+        <p:nvPr/>
+      </p:nvGrpSpPr>
+      <p:grpSpPr>
+        <a:xfrm>
+          <a:off x="0" y="0"/>
+          <a:ext cx="0" cy="0"/>
+          <a:chOff x="0" y="0"/>
+          <a:chExt cx="0" cy="0"/>
+        </a:xfrm>
+      </p:grpSpPr>
       <p:sp>
         <p:nvSpPr>
-          <p:cNvPr id="120" name="Google Shape;120;p16"/>
+          <p:cNvPr id="104" name="Google Shape;104;p16"/>
+          <p:cNvSpPr txBox="1"/>
+          <p:nvPr>
+            <p:ph type="title"/>
+          </p:nvPr>
+        </p:nvSpPr>
+        <p:spPr>
+          <a:xfrm>
+            <a:off x="441650" y="738675"/>
+            <a:ext cx="3477600" cy="535200"/>
+          </a:xfrm>
+          <a:prstGeom prst="rect">
+            <a:avLst/>
+          </a:prstGeom>
+        </p:spPr>
+        <p:txBody>
+          <a:bodyPr anchorCtr="0" anchor="t" bIns="91425" lIns="91425" spcFirstLastPara="1" rIns="91425" wrap="square" tIns="91425">
+            <a:normAutofit fontScale="90000"/>
+          </a:bodyPr>
+          <a:lstStyle/>
+          <a:p>
+            <a:pPr indent="0" lvl="0" marL="0" rtl="0" algn="l">
+              <a:spcBef>
+                <a:spcPts val="0"/>
+              </a:spcBef>
+              <a:spcAft>
+                <a:spcPts val="0"/>
+              </a:spcAft>
+              <a:buNone/>
+            </a:pPr>
+            <a:r>
+              <a:rPr lang="en"/>
+              <a:t>Relation Schema</a:t>
+            </a:r>
+            <a:endParaRPr/>
+          </a:p>
+        </p:txBody>
+      </p:sp>
+      <p:sp>
+        <p:nvSpPr>
+          <p:cNvPr id="105" name="Google Shape;105;p16"/>
           <p:cNvSpPr/>
           <p:nvPr/>
         </p:nvSpPr>
         <p:spPr>
           <a:xfrm>
-            <a:off x="5433675" y="4664151"/>
-            <a:ext cx="817200" cy="372900"/>
-          </a:xfrm>
-          <a:prstGeom prst="ellipse">
-            <a:avLst/>
-          </a:prstGeom>
-          <a:solidFill>
-            <a:schemeClr val="lt2"/>
-          </a:solidFill>
-          <a:ln cap="flat" cmpd="sng" w="9525">
-            <a:solidFill>
-              <a:schemeClr val="dk2"/>
-            </a:solidFill>
-            <a:prstDash val="solid"/>
-            <a:round/>
-            <a:headEnd len="sm" w="sm" type="none"/>
-            <a:tailEnd len="sm" w="sm" type="none"/>
-          </a:ln>
-        </p:spPr>
-        <p:txBody>
-          <a:bodyPr anchorCtr="0" anchor="ctr" bIns="91425" lIns="91425" spcFirstLastPara="1" rIns="91425" wrap="square" tIns="91425">
-            <a:noAutofit/>
-          </a:bodyPr>
-          <a:lstStyle/>
-          <a:p>
-            <a:pPr indent="0" lvl="0" marL="0" rtl="0" algn="l">
-              <a:spcBef>
-                <a:spcPts val="0"/>
-              </a:spcBef>
-              <a:spcAft>
-                <a:spcPts val="0"/>
-              </a:spcAft>
-              <a:buNone/>
-            </a:pPr>
-            <a:r>
-              <a:rPr lang="en" sz="700"/>
-              <a:t>championID</a:t>
-            </a:r>
-            <a:endParaRPr sz="700"/>
-          </a:p>
-        </p:txBody>
-      </p:sp>
-      <p:sp>
-        <p:nvSpPr>
-          <p:cNvPr id="121" name="Google Shape;121;p16"/>
-          <p:cNvSpPr/>
-          <p:nvPr/>
-        </p:nvSpPr>
-        <p:spPr>
-          <a:xfrm>
-            <a:off x="4335421" y="4664142"/>
-            <a:ext cx="817200" cy="372900"/>
-          </a:xfrm>
-          <a:prstGeom prst="ellipse">
-            <a:avLst/>
-          </a:prstGeom>
-          <a:solidFill>
-            <a:schemeClr val="lt2"/>
-          </a:solidFill>
-          <a:ln cap="flat" cmpd="sng" w="9525">
-            <a:solidFill>
-              <a:schemeClr val="dk2"/>
-            </a:solidFill>
-            <a:prstDash val="solid"/>
-            <a:round/>
-            <a:headEnd len="sm" w="sm" type="none"/>
-            <a:tailEnd len="sm" w="sm" type="none"/>
-          </a:ln>
-        </p:spPr>
-        <p:txBody>
-          <a:bodyPr anchorCtr="0" anchor="ctr" bIns="91425" lIns="91425" spcFirstLastPara="1" rIns="91425" wrap="square" tIns="91425">
-            <a:noAutofit/>
-          </a:bodyPr>
-          <a:lstStyle/>
-          <a:p>
-            <a:pPr indent="0" lvl="0" marL="0" rtl="0" algn="l">
-              <a:spcBef>
-                <a:spcPts val="0"/>
-              </a:spcBef>
-              <a:spcAft>
-                <a:spcPts val="0"/>
-              </a:spcAft>
-              <a:buNone/>
-            </a:pPr>
-            <a:r>
-              <a:rPr lang="en" sz="700"/>
-              <a:t>names</a:t>
-            </a:r>
-            <a:endParaRPr sz="700"/>
-          </a:p>
-        </p:txBody>
-      </p:sp>
-      <p:sp>
-        <p:nvSpPr>
-          <p:cNvPr id="122" name="Google Shape;122;p16"/>
-          <p:cNvSpPr/>
-          <p:nvPr/>
-        </p:nvSpPr>
-        <p:spPr>
-          <a:xfrm>
-            <a:off x="8195954" y="1558857"/>
-            <a:ext cx="817200" cy="372900"/>
-          </a:xfrm>
-          <a:prstGeom prst="ellipse">
-            <a:avLst/>
-          </a:prstGeom>
-          <a:solidFill>
-            <a:schemeClr val="lt2"/>
-          </a:solidFill>
-          <a:ln cap="flat" cmpd="sng" w="9525">
-            <a:solidFill>
-              <a:schemeClr val="dk2"/>
-            </a:solidFill>
-            <a:prstDash val="solid"/>
-            <a:round/>
-            <a:headEnd len="sm" w="sm" type="none"/>
-            <a:tailEnd len="sm" w="sm" type="none"/>
-          </a:ln>
-        </p:spPr>
-        <p:txBody>
-          <a:bodyPr anchorCtr="0" anchor="ctr" bIns="91425" lIns="91425" spcFirstLastPara="1" rIns="91425" wrap="square" tIns="91425">
-            <a:noAutofit/>
-          </a:bodyPr>
-          <a:lstStyle/>
-          <a:p>
-            <a:pPr indent="0" lvl="0" marL="0" rtl="0" algn="l">
-              <a:spcBef>
-                <a:spcPts val="0"/>
-              </a:spcBef>
-              <a:spcAft>
-                <a:spcPts val="0"/>
-              </a:spcAft>
-              <a:buNone/>
-            </a:pPr>
-            <a:r>
-              <a:rPr lang="en" sz="700"/>
-              <a:t>l_c</a:t>
-            </a:r>
-            <a:r>
-              <a:rPr lang="en" sz="700"/>
-              <a:t>o</a:t>
-            </a:r>
-            <a:r>
-              <a:rPr lang="en" sz="700"/>
-              <a:t>mpid</a:t>
-            </a:r>
-            <a:endParaRPr sz="700"/>
-          </a:p>
-        </p:txBody>
-      </p:sp>
-      <p:sp>
-        <p:nvSpPr>
-          <p:cNvPr id="123" name="Google Shape;123;p16"/>
-          <p:cNvSpPr/>
-          <p:nvPr/>
-        </p:nvSpPr>
-        <p:spPr>
-          <a:xfrm>
-            <a:off x="80386" y="2045243"/>
-            <a:ext cx="817200" cy="372900"/>
-          </a:xfrm>
-          <a:prstGeom prst="ellipse">
-            <a:avLst/>
-          </a:prstGeom>
-          <a:solidFill>
-            <a:schemeClr val="lt2"/>
-          </a:solidFill>
-          <a:ln cap="flat" cmpd="sng" w="9525">
-            <a:solidFill>
-              <a:schemeClr val="dk2"/>
-            </a:solidFill>
-            <a:prstDash val="solid"/>
-            <a:round/>
-            <a:headEnd len="sm" w="sm" type="none"/>
-            <a:tailEnd len="sm" w="sm" type="none"/>
-          </a:ln>
-        </p:spPr>
-        <p:txBody>
-          <a:bodyPr anchorCtr="0" anchor="ctr" bIns="91425" lIns="91425" spcFirstLastPara="1" rIns="91425" wrap="square" tIns="91425">
-            <a:noAutofit/>
-          </a:bodyPr>
-          <a:lstStyle/>
-          <a:p>
-            <a:pPr indent="0" lvl="0" marL="0" rtl="0" algn="l">
-              <a:spcBef>
-                <a:spcPts val="0"/>
-              </a:spcBef>
-              <a:spcAft>
-                <a:spcPts val="0"/>
-              </a:spcAft>
-              <a:buNone/>
-            </a:pPr>
-            <a:r>
-              <a:rPr lang="en" sz="700"/>
-              <a:t>teamID</a:t>
-            </a:r>
-            <a:endParaRPr sz="700"/>
-          </a:p>
-        </p:txBody>
-      </p:sp>
-      <p:sp>
-        <p:nvSpPr>
-          <p:cNvPr id="124" name="Google Shape;124;p16"/>
-          <p:cNvSpPr/>
-          <p:nvPr/>
-        </p:nvSpPr>
-        <p:spPr>
-          <a:xfrm>
-            <a:off x="8082929" y="1068153"/>
-            <a:ext cx="905700" cy="372900"/>
-          </a:xfrm>
-          <a:prstGeom prst="ellipse">
-            <a:avLst/>
-          </a:prstGeom>
-          <a:solidFill>
-            <a:schemeClr val="lt2"/>
-          </a:solidFill>
-          <a:ln cap="flat" cmpd="sng" w="9525">
-            <a:solidFill>
-              <a:schemeClr val="dk2"/>
-            </a:solidFill>
-            <a:prstDash val="solid"/>
-            <a:round/>
-            <a:headEnd len="sm" w="sm" type="none"/>
-            <a:tailEnd len="sm" w="sm" type="none"/>
-          </a:ln>
-        </p:spPr>
-        <p:txBody>
-          <a:bodyPr anchorCtr="0" anchor="ctr" bIns="91425" lIns="91425" spcFirstLastPara="1" rIns="91425" wrap="square" tIns="91425">
-            <a:noAutofit/>
-          </a:bodyPr>
-          <a:lstStyle/>
-          <a:p>
-            <a:pPr indent="0" lvl="0" marL="0" rtl="0" algn="l">
-              <a:spcBef>
-                <a:spcPts val="0"/>
-              </a:spcBef>
-              <a:spcAft>
-                <a:spcPts val="0"/>
-              </a:spcAft>
-              <a:buNone/>
-            </a:pPr>
-            <a:r>
-              <a:rPr lang="en" sz="700"/>
-              <a:t>I_itemID</a:t>
-            </a:r>
-            <a:endParaRPr sz="700"/>
-          </a:p>
-        </p:txBody>
-      </p:sp>
-      <p:sp>
-        <p:nvSpPr>
-          <p:cNvPr id="125" name="Google Shape;125;p16"/>
-          <p:cNvSpPr/>
-          <p:nvPr/>
-        </p:nvSpPr>
-        <p:spPr>
-          <a:xfrm>
-            <a:off x="7905412" y="660500"/>
-            <a:ext cx="817200" cy="372900"/>
-          </a:xfrm>
-          <a:prstGeom prst="ellipse">
-            <a:avLst/>
-          </a:prstGeom>
-          <a:solidFill>
-            <a:schemeClr val="lt2"/>
-          </a:solidFill>
-          <a:ln cap="flat" cmpd="sng" w="9525">
-            <a:solidFill>
-              <a:schemeClr val="dk2"/>
-            </a:solidFill>
-            <a:prstDash val="solid"/>
-            <a:round/>
-            <a:headEnd len="sm" w="sm" type="none"/>
-            <a:tailEnd len="sm" w="sm" type="none"/>
-          </a:ln>
-        </p:spPr>
-        <p:txBody>
-          <a:bodyPr anchorCtr="0" anchor="ctr" bIns="91425" lIns="91425" spcFirstLastPara="1" rIns="91425" wrap="square" tIns="91425">
-            <a:noAutofit/>
-          </a:bodyPr>
-          <a:lstStyle/>
-          <a:p>
-            <a:pPr indent="0" lvl="0" marL="0" rtl="0" algn="l">
-              <a:spcBef>
-                <a:spcPts val="0"/>
-              </a:spcBef>
-              <a:spcAft>
-                <a:spcPts val="0"/>
-              </a:spcAft>
-              <a:buNone/>
-            </a:pPr>
-            <a:r>
-              <a:rPr lang="en" sz="700"/>
-              <a:t>l_name</a:t>
-            </a:r>
-            <a:endParaRPr sz="700"/>
-          </a:p>
-        </p:txBody>
-      </p:sp>
-      <p:sp>
-        <p:nvSpPr>
-          <p:cNvPr id="126" name="Google Shape;126;p16"/>
-          <p:cNvSpPr/>
-          <p:nvPr/>
-        </p:nvSpPr>
-        <p:spPr>
-          <a:xfrm>
-            <a:off x="504005" y="2760154"/>
-            <a:ext cx="610500" cy="416400"/>
+            <a:off x="5007150" y="2159725"/>
+            <a:ext cx="1311000" cy="2538300"/>
           </a:xfrm>
           <a:prstGeom prst="rect">
             <a:avLst/>
@@ -9122,23 +8107,288 @@
               <a:buNone/>
             </a:pPr>
             <a:r>
-              <a:rPr lang="en" sz="700"/>
-              <a:t>Team</a:t>
+              <a:rPr lang="en" u="sng"/>
+              <a:t>Champions </a:t>
             </a:r>
-            <a:endParaRPr sz="700"/>
+            <a:endParaRPr sz="1100"/>
+          </a:p>
+          <a:p>
+            <a:pPr indent="0" lvl="0" marL="0" rtl="0" algn="l">
+              <a:lnSpc>
+                <a:spcPct val="115000"/>
+              </a:lnSpc>
+              <a:spcBef>
+                <a:spcPts val="0"/>
+              </a:spcBef>
+              <a:spcAft>
+                <a:spcPts val="0"/>
+              </a:spcAft>
+              <a:buNone/>
+            </a:pPr>
+            <a:r>
+              <a:rPr lang="en" sz="1100"/>
+              <a:t>C_champID | int </a:t>
+            </a:r>
+            <a:endParaRPr sz="1100"/>
+          </a:p>
+          <a:p>
+            <a:pPr indent="0" lvl="0" marL="0" rtl="0" algn="l">
+              <a:lnSpc>
+                <a:spcPct val="115000"/>
+              </a:lnSpc>
+              <a:spcBef>
+                <a:spcPts val="0"/>
+              </a:spcBef>
+              <a:spcAft>
+                <a:spcPts val="0"/>
+              </a:spcAft>
+              <a:buNone/>
+            </a:pPr>
+            <a:r>
+              <a:rPr lang="en" sz="1100"/>
+              <a:t>C_name | string</a:t>
+            </a:r>
+            <a:endParaRPr sz="1100"/>
+          </a:p>
+          <a:p>
+            <a:pPr indent="0" lvl="0" marL="0" rtl="0" algn="l">
+              <a:lnSpc>
+                <a:spcPct val="115000"/>
+              </a:lnSpc>
+              <a:spcBef>
+                <a:spcPts val="0"/>
+              </a:spcBef>
+              <a:spcAft>
+                <a:spcPts val="0"/>
+              </a:spcAft>
+              <a:buNone/>
+            </a:pPr>
+            <a:r>
+              <a:rPr lang="en" sz="1100"/>
+              <a:t>C_skin | string</a:t>
+            </a:r>
+            <a:endParaRPr sz="1100"/>
+          </a:p>
+          <a:p>
+            <a:pPr indent="0" lvl="0" marL="0" rtl="0" algn="l">
+              <a:lnSpc>
+                <a:spcPct val="115000"/>
+              </a:lnSpc>
+              <a:spcBef>
+                <a:spcPts val="0"/>
+              </a:spcBef>
+              <a:spcAft>
+                <a:spcPts val="0"/>
+              </a:spcAft>
+              <a:buNone/>
+            </a:pPr>
+            <a:r>
+              <a:rPr lang="en" sz="1100"/>
+              <a:t>C_range | int</a:t>
+            </a:r>
+            <a:endParaRPr sz="1100"/>
+          </a:p>
+          <a:p>
+            <a:pPr indent="0" lvl="0" marL="0" rtl="0" algn="l">
+              <a:lnSpc>
+                <a:spcPct val="115000"/>
+              </a:lnSpc>
+              <a:spcBef>
+                <a:spcPts val="0"/>
+              </a:spcBef>
+              <a:spcAft>
+                <a:spcPts val="0"/>
+              </a:spcAft>
+              <a:buNone/>
+            </a:pPr>
+            <a:r>
+              <a:rPr lang="en" sz="1100">
+                <a:solidFill>
+                  <a:srgbClr val="FF0000"/>
+                </a:solidFill>
+              </a:rPr>
+              <a:t>C_Origin1ID | int </a:t>
+            </a:r>
+            <a:endParaRPr sz="1100">
+              <a:solidFill>
+                <a:srgbClr val="FF0000"/>
+              </a:solidFill>
+            </a:endParaRPr>
+          </a:p>
+          <a:p>
+            <a:pPr indent="0" lvl="0" marL="0" rtl="0" algn="l">
+              <a:lnSpc>
+                <a:spcPct val="115000"/>
+              </a:lnSpc>
+              <a:spcBef>
+                <a:spcPts val="0"/>
+              </a:spcBef>
+              <a:spcAft>
+                <a:spcPts val="0"/>
+              </a:spcAft>
+              <a:buNone/>
+            </a:pPr>
+            <a:r>
+              <a:rPr lang="en" sz="1100">
+                <a:solidFill>
+                  <a:srgbClr val="FF0000"/>
+                </a:solidFill>
+              </a:rPr>
+              <a:t>C_Origin2ID | int </a:t>
+            </a:r>
+            <a:endParaRPr sz="1100">
+              <a:solidFill>
+                <a:srgbClr val="FF0000"/>
+              </a:solidFill>
+            </a:endParaRPr>
+          </a:p>
+          <a:p>
+            <a:pPr indent="0" lvl="0" marL="0" rtl="0" algn="l">
+              <a:lnSpc>
+                <a:spcPct val="115000"/>
+              </a:lnSpc>
+              <a:spcBef>
+                <a:spcPts val="0"/>
+              </a:spcBef>
+              <a:spcAft>
+                <a:spcPts val="0"/>
+              </a:spcAft>
+              <a:buNone/>
+            </a:pPr>
+            <a:r>
+              <a:rPr lang="en" sz="1100">
+                <a:solidFill>
+                  <a:srgbClr val="FF0000"/>
+                </a:solidFill>
+              </a:rPr>
+              <a:t>C_classID | int </a:t>
+            </a:r>
+            <a:endParaRPr sz="1100">
+              <a:solidFill>
+                <a:srgbClr val="FF0000"/>
+              </a:solidFill>
+            </a:endParaRPr>
+          </a:p>
+          <a:p>
+            <a:pPr indent="0" lvl="0" marL="0" rtl="0" algn="l">
+              <a:lnSpc>
+                <a:spcPct val="115000"/>
+              </a:lnSpc>
+              <a:spcBef>
+                <a:spcPts val="0"/>
+              </a:spcBef>
+              <a:spcAft>
+                <a:spcPts val="0"/>
+              </a:spcAft>
+              <a:buNone/>
+            </a:pPr>
+            <a:r>
+              <a:rPr lang="en" sz="1100">
+                <a:solidFill>
+                  <a:srgbClr val="FF0000"/>
+                </a:solidFill>
+              </a:rPr>
+              <a:t>C_class2ID | int </a:t>
+            </a:r>
+            <a:endParaRPr sz="1100">
+              <a:solidFill>
+                <a:srgbClr val="FF0000"/>
+              </a:solidFill>
+            </a:endParaRPr>
+          </a:p>
+          <a:p>
+            <a:pPr indent="0" lvl="0" marL="0" rtl="0" algn="l">
+              <a:lnSpc>
+                <a:spcPct val="115000"/>
+              </a:lnSpc>
+              <a:spcBef>
+                <a:spcPts val="0"/>
+              </a:spcBef>
+              <a:spcAft>
+                <a:spcPts val="0"/>
+              </a:spcAft>
+              <a:buNone/>
+            </a:pPr>
+            <a:r>
+              <a:rPr lang="en" sz="1100">
+                <a:solidFill>
+                  <a:srgbClr val="FF0000"/>
+                </a:solidFill>
+              </a:rPr>
+              <a:t>C_regionID | int </a:t>
+            </a:r>
+            <a:endParaRPr sz="1100">
+              <a:solidFill>
+                <a:srgbClr val="FF0000"/>
+              </a:solidFill>
+            </a:endParaRPr>
+          </a:p>
+          <a:p>
+            <a:pPr indent="0" lvl="0" marL="0" rtl="0" algn="l">
+              <a:lnSpc>
+                <a:spcPct val="115000"/>
+              </a:lnSpc>
+              <a:spcBef>
+                <a:spcPts val="0"/>
+              </a:spcBef>
+              <a:spcAft>
+                <a:spcPts val="0"/>
+              </a:spcAft>
+              <a:buNone/>
+            </a:pPr>
+            <a:r>
+              <a:rPr lang="en" sz="1100">
+                <a:solidFill>
+                  <a:srgbClr val="FF0000"/>
+                </a:solidFill>
+              </a:rPr>
+              <a:t>C_positionID | int </a:t>
+            </a:r>
+            <a:endParaRPr sz="1100">
+              <a:solidFill>
+                <a:srgbClr val="FF0000"/>
+              </a:solidFill>
+            </a:endParaRPr>
+          </a:p>
+          <a:p>
+            <a:pPr indent="0" lvl="0" marL="0" rtl="0" algn="l">
+              <a:lnSpc>
+                <a:spcPct val="115000"/>
+              </a:lnSpc>
+              <a:spcBef>
+                <a:spcPts val="0"/>
+              </a:spcBef>
+              <a:spcAft>
+                <a:spcPts val="0"/>
+              </a:spcAft>
+              <a:buNone/>
+            </a:pPr>
+            <a:r>
+              <a:rPr lang="en" sz="1100">
+                <a:solidFill>
+                  <a:srgbClr val="FF0000"/>
+                </a:solidFill>
+              </a:rPr>
+              <a:t>C_PriceID | int </a:t>
+            </a:r>
+            <a:endParaRPr sz="1100">
+              <a:solidFill>
+                <a:srgbClr val="FF0000"/>
+              </a:solidFill>
+            </a:endParaRPr>
           </a:p>
         </p:txBody>
       </p:sp>
       <p:sp>
         <p:nvSpPr>
-          <p:cNvPr id="127" name="Google Shape;127;p16"/>
+          <p:cNvPr id="106" name="Google Shape;106;p16"/>
           <p:cNvSpPr/>
           <p:nvPr/>
         </p:nvSpPr>
         <p:spPr>
           <a:xfrm>
-            <a:off x="5866601" y="4035750"/>
-            <a:ext cx="539400" cy="294600"/>
+            <a:off x="6998075" y="1662775"/>
+            <a:ext cx="1534200" cy="1088700"/>
           </a:xfrm>
           <a:prstGeom prst="rect">
             <a:avLst/>
@@ -9172,23 +8422,96 @@
               <a:buNone/>
             </a:pPr>
             <a:r>
-              <a:rPr lang="en" sz="700"/>
-              <a:t>position</a:t>
+              <a:rPr lang="en" u="sng"/>
+              <a:t>Origin</a:t>
             </a:r>
-            <a:endParaRPr sz="700"/>
+            <a:endParaRPr u="sng"/>
+          </a:p>
+          <a:p>
+            <a:pPr indent="0" lvl="0" marL="0" rtl="0" algn="l">
+              <a:lnSpc>
+                <a:spcPct val="115000"/>
+              </a:lnSpc>
+              <a:spcBef>
+                <a:spcPts val="0"/>
+              </a:spcBef>
+              <a:spcAft>
+                <a:spcPts val="0"/>
+              </a:spcAft>
+              <a:buNone/>
+            </a:pPr>
+            <a:r>
+              <a:rPr lang="en" sz="1100">
+                <a:solidFill>
+                  <a:srgbClr val="FF0000"/>
+                </a:solidFill>
+              </a:rPr>
+              <a:t>O_originI</a:t>
+            </a:r>
+            <a:r>
+              <a:rPr lang="en" sz="1100">
+                <a:solidFill>
+                  <a:srgbClr val="FF0000"/>
+                </a:solidFill>
+              </a:rPr>
+              <a:t>D</a:t>
+            </a:r>
+            <a:r>
+              <a:rPr lang="en" sz="1100"/>
+              <a:t> | int </a:t>
+            </a:r>
+            <a:endParaRPr sz="1100"/>
+          </a:p>
+          <a:p>
+            <a:pPr indent="0" lvl="0" marL="0" rtl="0" algn="l">
+              <a:lnSpc>
+                <a:spcPct val="115000"/>
+              </a:lnSpc>
+              <a:spcBef>
+                <a:spcPts val="0"/>
+              </a:spcBef>
+              <a:spcAft>
+                <a:spcPts val="0"/>
+              </a:spcAft>
+              <a:buNone/>
+            </a:pPr>
+            <a:r>
+              <a:rPr lang="en" sz="1100"/>
+              <a:t>O_name | string </a:t>
+            </a:r>
+            <a:endParaRPr sz="1100"/>
+          </a:p>
+          <a:p>
+            <a:pPr indent="0" lvl="0" marL="0" rtl="0" algn="l">
+              <a:lnSpc>
+                <a:spcPct val="115000"/>
+              </a:lnSpc>
+              <a:spcBef>
+                <a:spcPts val="0"/>
+              </a:spcBef>
+              <a:spcAft>
+                <a:spcPts val="0"/>
+              </a:spcAft>
+              <a:buNone/>
+            </a:pPr>
+            <a:r>
+              <a:rPr lang="en" sz="1100"/>
+              <a:t>O_comment | string</a:t>
+            </a:r>
+            <a:endParaRPr u="sng"/>
           </a:p>
         </p:txBody>
       </p:sp>
       <p:sp>
         <p:nvSpPr>
-          <p:cNvPr id="128" name="Google Shape;128;p16"/>
+          <p:cNvPr id="107" name="Google Shape;107;p16"/>
           <p:cNvSpPr/>
           <p:nvPr/>
         </p:nvSpPr>
         <p:spPr>
           <a:xfrm>
-            <a:off x="3355959" y="2673494"/>
-            <a:ext cx="817200" cy="416400"/>
+            <a:off x="3081925" y="1792075"/>
+            <a:ext cx="1245300" cy="959400"/>
           </a:xfrm>
           <a:prstGeom prst="rect">
             <a:avLst/>
@@ -9222,23 +8545,73 @@
               <a:buNone/>
             </a:pPr>
             <a:r>
-              <a:rPr lang="en" sz="700"/>
-              <a:t>Champions</a:t>
+              <a:rPr lang="en" u="sng"/>
+              <a:t>Position</a:t>
             </a:r>
-            <a:endParaRPr sz="700"/>
+            <a:endParaRPr u="sng"/>
+          </a:p>
+          <a:p>
+            <a:pPr indent="0" lvl="0" marL="0" rtl="0" algn="l">
+              <a:lnSpc>
+                <a:spcPct val="115000"/>
+              </a:lnSpc>
+              <a:spcBef>
+                <a:spcPts val="0"/>
+              </a:spcBef>
+              <a:spcAft>
+                <a:spcPts val="0"/>
+              </a:spcAft>
+              <a:buNone/>
+            </a:pPr>
+            <a:r>
+              <a:rPr lang="en" sz="1100">
+                <a:solidFill>
+                  <a:srgbClr val="FF0000"/>
+                </a:solidFill>
+              </a:rPr>
+              <a:t>P</a:t>
+            </a:r>
+            <a:r>
+              <a:rPr lang="en" sz="1100">
+                <a:solidFill>
+                  <a:srgbClr val="FF0000"/>
+                </a:solidFill>
+              </a:rPr>
+              <a:t>_positionID | int</a:t>
+            </a:r>
+            <a:endParaRPr sz="1100"/>
+          </a:p>
+          <a:p>
+            <a:pPr indent="0" lvl="0" marL="0" rtl="0" algn="l">
+              <a:lnSpc>
+                <a:spcPct val="115000"/>
+              </a:lnSpc>
+              <a:spcBef>
+                <a:spcPts val="0"/>
+              </a:spcBef>
+              <a:spcAft>
+                <a:spcPts val="0"/>
+              </a:spcAft>
+              <a:buNone/>
+            </a:pPr>
+            <a:r>
+              <a:rPr lang="en" sz="1100"/>
+              <a:t>P_name | string</a:t>
+            </a:r>
+            <a:endParaRPr u="sng"/>
           </a:p>
         </p:txBody>
       </p:sp>
       <p:sp>
         <p:nvSpPr>
-          <p:cNvPr id="129" name="Google Shape;129;p16"/>
+          <p:cNvPr id="108" name="Google Shape;108;p16"/>
           <p:cNvSpPr/>
           <p:nvPr/>
         </p:nvSpPr>
         <p:spPr>
           <a:xfrm>
-            <a:off x="5846599" y="1256136"/>
-            <a:ext cx="539400" cy="294600"/>
+            <a:off x="997750" y="3061525"/>
+            <a:ext cx="1311000" cy="734700"/>
           </a:xfrm>
           <a:prstGeom prst="rect">
             <a:avLst/>
@@ -9272,23 +8645,69 @@
               <a:buNone/>
             </a:pPr>
             <a:r>
-              <a:rPr lang="en" sz="700"/>
-              <a:t>traits</a:t>
+              <a:rPr lang="en" u="sng"/>
+              <a:t>Item</a:t>
             </a:r>
-            <a:endParaRPr sz="700"/>
+            <a:endParaRPr u="sng"/>
+          </a:p>
+          <a:p>
+            <a:pPr indent="0" lvl="0" marL="0" rtl="0" algn="l">
+              <a:lnSpc>
+                <a:spcPct val="115000"/>
+              </a:lnSpc>
+              <a:spcBef>
+                <a:spcPts val="0"/>
+              </a:spcBef>
+              <a:spcAft>
+                <a:spcPts val="0"/>
+              </a:spcAft>
+              <a:buNone/>
+            </a:pPr>
+            <a:r>
+              <a:rPr lang="en" sz="1100"/>
+              <a:t>I_name | string</a:t>
+            </a:r>
+            <a:endParaRPr sz="1100"/>
+          </a:p>
+          <a:p>
+            <a:pPr indent="0" lvl="0" marL="0" rtl="0" algn="l">
+              <a:lnSpc>
+                <a:spcPct val="115000"/>
+              </a:lnSpc>
+              <a:spcBef>
+                <a:spcPts val="0"/>
+              </a:spcBef>
+              <a:spcAft>
+                <a:spcPts val="0"/>
+              </a:spcAft>
+              <a:buNone/>
+            </a:pPr>
+            <a:r>
+              <a:rPr lang="en" sz="1100">
+                <a:solidFill>
+                  <a:schemeClr val="dk2"/>
+                </a:solidFill>
+              </a:rPr>
+              <a:t>I_itemID | int</a:t>
+            </a:r>
+            <a:r>
+              <a:rPr lang="en" sz="1100"/>
+              <a:t> </a:t>
+            </a:r>
+            <a:endParaRPr sz="1100"/>
           </a:p>
         </p:txBody>
       </p:sp>
       <p:sp>
         <p:nvSpPr>
-          <p:cNvPr id="130" name="Google Shape;130;p16"/>
+          <p:cNvPr id="109" name="Google Shape;109;p16"/>
           <p:cNvSpPr/>
           <p:nvPr/>
         </p:nvSpPr>
         <p:spPr>
           <a:xfrm>
-            <a:off x="7566679" y="4035761"/>
-            <a:ext cx="463200" cy="196200"/>
+            <a:off x="7101575" y="4106275"/>
+            <a:ext cx="1430700" cy="734700"/>
           </a:xfrm>
           <a:prstGeom prst="rect">
             <a:avLst/>
@@ -9322,23 +8741,69 @@
               <a:buNone/>
             </a:pPr>
             <a:r>
-              <a:rPr lang="en" sz="700"/>
-              <a:t>price</a:t>
+              <a:rPr lang="en" u="sng"/>
+              <a:t>Region</a:t>
             </a:r>
-            <a:endParaRPr sz="700"/>
+            <a:endParaRPr sz="1100"/>
+          </a:p>
+          <a:p>
+            <a:pPr indent="0" lvl="0" marL="0" rtl="0" algn="l">
+              <a:lnSpc>
+                <a:spcPct val="115000"/>
+              </a:lnSpc>
+              <a:spcBef>
+                <a:spcPts val="0"/>
+              </a:spcBef>
+              <a:spcAft>
+                <a:spcPts val="0"/>
+              </a:spcAft>
+              <a:buNone/>
+            </a:pPr>
+            <a:r>
+              <a:rPr lang="en" sz="1100">
+                <a:solidFill>
+                  <a:srgbClr val="FF0000"/>
+                </a:solidFill>
+              </a:rPr>
+              <a:t>R_regionID</a:t>
+            </a:r>
+            <a:r>
+              <a:rPr lang="en" sz="1100"/>
+              <a:t> | int </a:t>
+            </a:r>
+            <a:endParaRPr sz="1100"/>
+          </a:p>
+          <a:p>
+            <a:pPr indent="0" lvl="0" marL="0" rtl="0" algn="l">
+              <a:lnSpc>
+                <a:spcPct val="115000"/>
+              </a:lnSpc>
+              <a:spcBef>
+                <a:spcPts val="0"/>
+              </a:spcBef>
+              <a:spcAft>
+                <a:spcPts val="0"/>
+              </a:spcAft>
+              <a:buNone/>
+            </a:pPr>
+            <a:r>
+              <a:rPr lang="en" sz="1100"/>
+              <a:t>R_name | string</a:t>
+            </a:r>
+            <a:endParaRPr u="sng"/>
           </a:p>
         </p:txBody>
       </p:sp>
       <p:sp>
         <p:nvSpPr>
-          <p:cNvPr id="131" name="Google Shape;131;p16"/>
+          <p:cNvPr id="110" name="Google Shape;110;p16"/>
           <p:cNvSpPr/>
           <p:nvPr/>
         </p:nvSpPr>
         <p:spPr>
           <a:xfrm>
-            <a:off x="7528579" y="2555757"/>
-            <a:ext cx="539400" cy="235500"/>
+            <a:off x="5072550" y="825450"/>
+            <a:ext cx="1180200" cy="786900"/>
           </a:xfrm>
           <a:prstGeom prst="rect">
             <a:avLst/>
@@ -9372,23 +8837,69 @@
               <a:buNone/>
             </a:pPr>
             <a:r>
-              <a:rPr lang="en" sz="700"/>
-              <a:t>Region</a:t>
+              <a:rPr lang="en" u="sng"/>
+              <a:t>Price</a:t>
             </a:r>
-            <a:endParaRPr sz="700"/>
+            <a:endParaRPr u="sng"/>
+          </a:p>
+          <a:p>
+            <a:pPr indent="0" lvl="0" marL="0" rtl="0" algn="l">
+              <a:lnSpc>
+                <a:spcPct val="115000"/>
+              </a:lnSpc>
+              <a:spcBef>
+                <a:spcPts val="0"/>
+              </a:spcBef>
+              <a:spcAft>
+                <a:spcPts val="0"/>
+              </a:spcAft>
+              <a:buNone/>
+            </a:pPr>
+            <a:r>
+              <a:rPr lang="en" sz="1100">
+                <a:solidFill>
+                  <a:srgbClr val="FF0000"/>
+                </a:solidFill>
+              </a:rPr>
+              <a:t>pr_PriceID | int </a:t>
+            </a:r>
+            <a:endParaRPr sz="1100">
+              <a:solidFill>
+                <a:srgbClr val="FF0000"/>
+              </a:solidFill>
+            </a:endParaRPr>
+          </a:p>
+          <a:p>
+            <a:pPr indent="0" lvl="0" marL="0" rtl="0" algn="l">
+              <a:lnSpc>
+                <a:spcPct val="115000"/>
+              </a:lnSpc>
+              <a:spcBef>
+                <a:spcPts val="0"/>
+              </a:spcBef>
+              <a:spcAft>
+                <a:spcPts val="0"/>
+              </a:spcAft>
+              <a:buNone/>
+            </a:pPr>
+            <a:r>
+              <a:rPr lang="en" sz="1100"/>
+              <a:t>Pr_Price | int </a:t>
+            </a:r>
+            <a:endParaRPr u="sng"/>
           </a:p>
         </p:txBody>
       </p:sp>
       <p:sp>
         <p:nvSpPr>
-          <p:cNvPr id="132" name="Google Shape;132;p16"/>
+          <p:cNvPr id="111" name="Google Shape;111;p16"/>
           <p:cNvSpPr/>
           <p:nvPr/>
         </p:nvSpPr>
         <p:spPr>
           <a:xfrm>
-            <a:off x="7394142" y="1181212"/>
-            <a:ext cx="372300" cy="294600"/>
+            <a:off x="2915300" y="4106275"/>
+            <a:ext cx="1485300" cy="891300"/>
           </a:xfrm>
           <a:prstGeom prst="rect">
             <a:avLst/>
@@ -9422,245 +8933,11 @@
               <a:buNone/>
             </a:pPr>
             <a:r>
-              <a:rPr lang="en" sz="700"/>
-              <a:t>item</a:t>
+              <a:rPr lang="en" u="sng"/>
+              <a:t>Team</a:t>
             </a:r>
-            <a:endParaRPr sz="700"/>
+            <a:endParaRPr u="sng"/>
           </a:p>
-        </p:txBody>
-      </p:sp>
-      <p:sp>
-        <p:nvSpPr>
-          <p:cNvPr id="133" name="Google Shape;133;p16"/>
-          <p:cNvSpPr/>
-          <p:nvPr/>
-        </p:nvSpPr>
-        <p:spPr>
-          <a:xfrm>
-            <a:off x="6406000" y="4664150"/>
-            <a:ext cx="887700" cy="372900"/>
-          </a:xfrm>
-          <a:prstGeom prst="ellipse">
-            <a:avLst/>
-          </a:prstGeom>
-          <a:solidFill>
-            <a:schemeClr val="lt2"/>
-          </a:solidFill>
-          <a:ln cap="flat" cmpd="sng" w="9525">
-            <a:solidFill>
-              <a:schemeClr val="dk2"/>
-            </a:solidFill>
-            <a:prstDash val="solid"/>
-            <a:round/>
-            <a:headEnd len="sm" w="sm" type="none"/>
-            <a:tailEnd len="sm" w="sm" type="none"/>
-          </a:ln>
-        </p:spPr>
-        <p:txBody>
-          <a:bodyPr anchorCtr="0" anchor="ctr" bIns="91425" lIns="91425" spcFirstLastPara="1" rIns="91425" wrap="square" tIns="91425">
-            <a:noAutofit/>
-          </a:bodyPr>
-          <a:lstStyle/>
-          <a:p>
-            <a:pPr indent="0" lvl="0" marL="0" rtl="0" algn="l">
-              <a:spcBef>
-                <a:spcPts val="0"/>
-              </a:spcBef>
-              <a:spcAft>
-                <a:spcPts val="0"/>
-              </a:spcAft>
-              <a:buNone/>
-            </a:pPr>
-            <a:r>
-              <a:rPr lang="en" sz="700"/>
-              <a:t>positionID</a:t>
-            </a:r>
-            <a:endParaRPr sz="700"/>
-          </a:p>
-        </p:txBody>
-      </p:sp>
-      <p:sp>
-        <p:nvSpPr>
-          <p:cNvPr id="134" name="Google Shape;134;p16"/>
-          <p:cNvSpPr/>
-          <p:nvPr/>
-        </p:nvSpPr>
-        <p:spPr>
-          <a:xfrm>
-            <a:off x="7566685" y="4664161"/>
-            <a:ext cx="817200" cy="372900"/>
-          </a:xfrm>
-          <a:prstGeom prst="ellipse">
-            <a:avLst/>
-          </a:prstGeom>
-          <a:solidFill>
-            <a:schemeClr val="lt2"/>
-          </a:solidFill>
-          <a:ln cap="flat" cmpd="sng" w="9525">
-            <a:solidFill>
-              <a:schemeClr val="dk2"/>
-            </a:solidFill>
-            <a:prstDash val="solid"/>
-            <a:round/>
-            <a:headEnd len="sm" w="sm" type="none"/>
-            <a:tailEnd len="sm" w="sm" type="none"/>
-          </a:ln>
-        </p:spPr>
-        <p:txBody>
-          <a:bodyPr anchorCtr="0" anchor="ctr" bIns="91425" lIns="91425" spcFirstLastPara="1" rIns="91425" wrap="square" tIns="91425">
-            <a:noAutofit/>
-          </a:bodyPr>
-          <a:lstStyle/>
-          <a:p>
-            <a:pPr indent="0" lvl="0" marL="0" rtl="0" algn="l">
-              <a:spcBef>
-                <a:spcPts val="0"/>
-              </a:spcBef>
-              <a:spcAft>
-                <a:spcPts val="0"/>
-              </a:spcAft>
-              <a:buNone/>
-            </a:pPr>
-            <a:r>
-              <a:rPr lang="en" sz="700"/>
-              <a:t>champID</a:t>
-            </a:r>
-            <a:endParaRPr sz="700"/>
-          </a:p>
-        </p:txBody>
-      </p:sp>
-      <p:sp>
-        <p:nvSpPr>
-          <p:cNvPr id="135" name="Google Shape;135;p16"/>
-          <p:cNvSpPr/>
-          <p:nvPr/>
-        </p:nvSpPr>
-        <p:spPr>
-          <a:xfrm>
-            <a:off x="8383879" y="4291244"/>
-            <a:ext cx="817200" cy="372900"/>
-          </a:xfrm>
-          <a:prstGeom prst="ellipse">
-            <a:avLst/>
-          </a:prstGeom>
-          <a:solidFill>
-            <a:schemeClr val="lt2"/>
-          </a:solidFill>
-          <a:ln cap="flat" cmpd="sng" w="9525">
-            <a:solidFill>
-              <a:schemeClr val="dk2"/>
-            </a:solidFill>
-            <a:prstDash val="solid"/>
-            <a:round/>
-            <a:headEnd len="sm" w="sm" type="none"/>
-            <a:tailEnd len="sm" w="sm" type="none"/>
-          </a:ln>
-        </p:spPr>
-        <p:txBody>
-          <a:bodyPr anchorCtr="0" anchor="ctr" bIns="91425" lIns="91425" spcFirstLastPara="1" rIns="91425" wrap="square" tIns="91425">
-            <a:noAutofit/>
-          </a:bodyPr>
-          <a:lstStyle/>
-          <a:p>
-            <a:pPr indent="0" lvl="0" marL="0" rtl="0" algn="l">
-              <a:spcBef>
-                <a:spcPts val="0"/>
-              </a:spcBef>
-              <a:spcAft>
-                <a:spcPts val="0"/>
-              </a:spcAft>
-              <a:buNone/>
-            </a:pPr>
-            <a:r>
-              <a:rPr lang="en" sz="700"/>
-              <a:t>sellPrice</a:t>
-            </a:r>
-            <a:endParaRPr sz="700"/>
-          </a:p>
-        </p:txBody>
-      </p:sp>
-      <p:sp>
-        <p:nvSpPr>
-          <p:cNvPr id="136" name="Google Shape;136;p16"/>
-          <p:cNvSpPr/>
-          <p:nvPr/>
-        </p:nvSpPr>
-        <p:spPr>
-          <a:xfrm>
-            <a:off x="8195941" y="3442753"/>
-            <a:ext cx="817200" cy="372900"/>
-          </a:xfrm>
-          <a:prstGeom prst="ellipse">
-            <a:avLst/>
-          </a:prstGeom>
-          <a:solidFill>
-            <a:schemeClr val="lt2"/>
-          </a:solidFill>
-          <a:ln cap="flat" cmpd="sng" w="9525">
-            <a:solidFill>
-              <a:schemeClr val="dk2"/>
-            </a:solidFill>
-            <a:prstDash val="solid"/>
-            <a:round/>
-            <a:headEnd len="sm" w="sm" type="none"/>
-            <a:tailEnd len="sm" w="sm" type="none"/>
-          </a:ln>
-        </p:spPr>
-        <p:txBody>
-          <a:bodyPr anchorCtr="0" anchor="ctr" bIns="91425" lIns="91425" spcFirstLastPara="1" rIns="91425" wrap="square" tIns="91425">
-            <a:noAutofit/>
-          </a:bodyPr>
-          <a:lstStyle/>
-          <a:p>
-            <a:pPr indent="0" lvl="0" marL="0" rtl="0" algn="l">
-              <a:spcBef>
-                <a:spcPts val="0"/>
-              </a:spcBef>
-              <a:spcAft>
-                <a:spcPts val="0"/>
-              </a:spcAft>
-              <a:buNone/>
-            </a:pPr>
-            <a:r>
-              <a:rPr lang="en" sz="700"/>
-              <a:t>price</a:t>
-            </a:r>
-            <a:endParaRPr sz="700"/>
-          </a:p>
-        </p:txBody>
-      </p:sp>
-      <p:sp>
-        <p:nvSpPr>
-          <p:cNvPr id="137" name="Google Shape;137;p16"/>
-          <p:cNvSpPr/>
-          <p:nvPr/>
-        </p:nvSpPr>
-        <p:spPr>
-          <a:xfrm>
-            <a:off x="8195938" y="2846343"/>
-            <a:ext cx="905700" cy="372900"/>
-          </a:xfrm>
-          <a:prstGeom prst="ellipse">
-            <a:avLst/>
-          </a:prstGeom>
-          <a:solidFill>
-            <a:schemeClr val="lt2"/>
-          </a:solidFill>
-          <a:ln cap="flat" cmpd="sng" w="9525">
-            <a:solidFill>
-              <a:schemeClr val="dk2"/>
-            </a:solidFill>
-            <a:prstDash val="solid"/>
-            <a:round/>
-            <a:headEnd len="sm" w="sm" type="none"/>
-            <a:tailEnd len="sm" w="sm" type="none"/>
-          </a:ln>
-        </p:spPr>
-        <p:txBody>
-          <a:bodyPr anchorCtr="0" anchor="ctr" bIns="91425" lIns="91425" spcFirstLastPara="1" rIns="91425" wrap="square" tIns="91425">
-            <a:noAutofit/>
-          </a:bodyPr>
-          <a:lstStyle/>
           <a:p>
             <a:pPr indent="0" lvl="0" marL="0" rtl="0" algn="l">
               <a:lnSpc>
@@ -9675,45 +8952,11 @@
               <a:buNone/>
             </a:pPr>
             <a:r>
-              <a:rPr lang="en" sz="700"/>
-              <a:t>R_regionID </a:t>
+              <a:rPr lang="en" sz="1100"/>
+              <a:t>T_ID | int </a:t>
             </a:r>
-            <a:endParaRPr sz="700"/>
+            <a:endParaRPr u="sng"/>
           </a:p>
-        </p:txBody>
-      </p:sp>
-      <p:sp>
-        <p:nvSpPr>
-          <p:cNvPr id="138" name="Google Shape;138;p16"/>
-          <p:cNvSpPr/>
-          <p:nvPr/>
-        </p:nvSpPr>
-        <p:spPr>
-          <a:xfrm>
-            <a:off x="8326790" y="2418141"/>
-            <a:ext cx="817200" cy="372900"/>
-          </a:xfrm>
-          <a:prstGeom prst="ellipse">
-            <a:avLst/>
-          </a:prstGeom>
-          <a:solidFill>
-            <a:schemeClr val="lt2"/>
-          </a:solidFill>
-          <a:ln cap="flat" cmpd="sng" w="9525">
-            <a:solidFill>
-              <a:schemeClr val="dk2"/>
-            </a:solidFill>
-            <a:prstDash val="solid"/>
-            <a:round/>
-            <a:headEnd len="sm" w="sm" type="none"/>
-            <a:tailEnd len="sm" w="sm" type="none"/>
-          </a:ln>
-        </p:spPr>
-        <p:txBody>
-          <a:bodyPr anchorCtr="0" anchor="ctr" bIns="91425" lIns="91425" spcFirstLastPara="1" rIns="91425" wrap="square" tIns="91425">
-            <a:noAutofit/>
-          </a:bodyPr>
-          <a:lstStyle/>
           <a:p>
             <a:pPr indent="0" lvl="0" marL="0" rtl="0" algn="l">
               <a:lnSpc>
@@ -9728,45 +8971,27 @@
               <a:buNone/>
             </a:pPr>
             <a:r>
-              <a:rPr lang="en" sz="700"/>
-              <a:t>R_name</a:t>
+              <a:rPr lang="en" sz="1100">
+                <a:solidFill>
+                  <a:srgbClr val="FF0000"/>
+                </a:solidFill>
+              </a:rPr>
+              <a:t>T_champID </a:t>
             </a:r>
-            <a:endParaRPr sz="700"/>
+            <a:r>
+              <a:rPr lang="en" sz="1100">
+                <a:solidFill>
+                  <a:srgbClr val="FF0000"/>
+                </a:solidFill>
+              </a:rPr>
+              <a:t>| string </a:t>
+            </a:r>
+            <a:endParaRPr sz="1100">
+              <a:solidFill>
+                <a:srgbClr val="FF0000"/>
+              </a:solidFill>
+            </a:endParaRPr>
           </a:p>
-        </p:txBody>
-      </p:sp>
-      <p:sp>
-        <p:nvSpPr>
-          <p:cNvPr id="139" name="Google Shape;139;p16"/>
-          <p:cNvSpPr/>
-          <p:nvPr/>
-        </p:nvSpPr>
-        <p:spPr>
-          <a:xfrm>
-            <a:off x="8195945" y="1957246"/>
-            <a:ext cx="817200" cy="372900"/>
-          </a:xfrm>
-          <a:prstGeom prst="ellipse">
-            <a:avLst/>
-          </a:prstGeom>
-          <a:solidFill>
-            <a:schemeClr val="lt2"/>
-          </a:solidFill>
-          <a:ln cap="flat" cmpd="sng" w="9525">
-            <a:solidFill>
-              <a:schemeClr val="dk2"/>
-            </a:solidFill>
-            <a:prstDash val="solid"/>
-            <a:round/>
-            <a:headEnd len="sm" w="sm" type="none"/>
-            <a:tailEnd len="sm" w="sm" type="none"/>
-          </a:ln>
-        </p:spPr>
-        <p:txBody>
-          <a:bodyPr anchorCtr="0" anchor="ctr" bIns="91425" lIns="91425" spcFirstLastPara="1" rIns="91425" wrap="square" tIns="91425">
-            <a:noAutofit/>
-          </a:bodyPr>
-          <a:lstStyle/>
           <a:p>
             <a:pPr indent="0" lvl="0" marL="0" rtl="0" algn="l">
               <a:lnSpc>
@@ -9781,802 +9006,32 @@
               <a:buNone/>
             </a:pPr>
             <a:r>
-              <a:rPr lang="en" sz="700"/>
-              <a:t>R_champID</a:t>
+              <a:rPr lang="en" sz="1100">
+                <a:solidFill>
+                  <a:srgbClr val="FF0000"/>
+                </a:solidFill>
+              </a:rPr>
+              <a:t>T_teamID | int</a:t>
             </a:r>
-            <a:endParaRPr sz="700"/>
-          </a:p>
-        </p:txBody>
-      </p:sp>
-      <p:sp>
-        <p:nvSpPr>
-          <p:cNvPr id="140" name="Google Shape;140;p16"/>
-          <p:cNvSpPr/>
-          <p:nvPr/>
-        </p:nvSpPr>
-        <p:spPr>
-          <a:xfrm>
-            <a:off x="1603950" y="1451888"/>
-            <a:ext cx="817200" cy="372900"/>
-          </a:xfrm>
-          <a:prstGeom prst="ellipse">
-            <a:avLst/>
-          </a:prstGeom>
-          <a:solidFill>
-            <a:schemeClr val="lt2"/>
-          </a:solidFill>
-          <a:ln cap="flat" cmpd="sng" w="9525">
-            <a:solidFill>
-              <a:schemeClr val="dk2"/>
-            </a:solidFill>
-            <a:prstDash val="solid"/>
-            <a:round/>
-            <a:headEnd len="sm" w="sm" type="none"/>
-            <a:tailEnd len="sm" w="sm" type="none"/>
-          </a:ln>
-        </p:spPr>
-        <p:txBody>
-          <a:bodyPr anchorCtr="0" anchor="ctr" bIns="91425" lIns="91425" spcFirstLastPara="1" rIns="91425" wrap="square" tIns="91425">
-            <a:noAutofit/>
-          </a:bodyPr>
-          <a:lstStyle/>
-          <a:p>
-            <a:pPr indent="0" lvl="0" marL="0" rtl="0" algn="l">
-              <a:spcBef>
-                <a:spcPts val="0"/>
-              </a:spcBef>
-              <a:spcAft>
-                <a:spcPts val="0"/>
-              </a:spcAft>
-              <a:buNone/>
-            </a:pPr>
-            <a:r>
-              <a:rPr lang="en" sz="700"/>
-              <a:t>range</a:t>
-            </a:r>
-            <a:endParaRPr sz="700"/>
-          </a:p>
-        </p:txBody>
-      </p:sp>
-      <p:sp>
-        <p:nvSpPr>
-          <p:cNvPr id="141" name="Google Shape;141;p16"/>
-          <p:cNvSpPr/>
-          <p:nvPr/>
-        </p:nvSpPr>
-        <p:spPr>
-          <a:xfrm>
-            <a:off x="2130758" y="2014354"/>
-            <a:ext cx="817200" cy="372900"/>
-          </a:xfrm>
-          <a:prstGeom prst="ellipse">
-            <a:avLst/>
-          </a:prstGeom>
-          <a:solidFill>
-            <a:schemeClr val="lt2"/>
-          </a:solidFill>
-          <a:ln cap="flat" cmpd="sng" w="9525">
-            <a:solidFill>
-              <a:schemeClr val="dk2"/>
-            </a:solidFill>
-            <a:prstDash val="solid"/>
-            <a:round/>
-            <a:headEnd len="sm" w="sm" type="none"/>
-            <a:tailEnd len="sm" w="sm" type="none"/>
-          </a:ln>
-        </p:spPr>
-        <p:txBody>
-          <a:bodyPr anchorCtr="0" anchor="ctr" bIns="91425" lIns="91425" spcFirstLastPara="1" rIns="91425" wrap="square" tIns="91425">
-            <a:noAutofit/>
-          </a:bodyPr>
-          <a:lstStyle/>
-          <a:p>
-            <a:pPr indent="0" lvl="0" marL="0" rtl="0" algn="l">
-              <a:spcBef>
-                <a:spcPts val="0"/>
-              </a:spcBef>
-              <a:spcAft>
-                <a:spcPts val="0"/>
-              </a:spcAft>
-              <a:buNone/>
-            </a:pPr>
-            <a:r>
-              <a:rPr lang="en" sz="700"/>
-              <a:t>skin</a:t>
-            </a:r>
-            <a:endParaRPr sz="700"/>
-          </a:p>
-        </p:txBody>
-      </p:sp>
-      <p:sp>
-        <p:nvSpPr>
-          <p:cNvPr id="142" name="Google Shape;142;p16"/>
-          <p:cNvSpPr/>
-          <p:nvPr/>
-        </p:nvSpPr>
-        <p:spPr>
-          <a:xfrm>
-            <a:off x="3888725" y="1430663"/>
-            <a:ext cx="817200" cy="372900"/>
-          </a:xfrm>
-          <a:prstGeom prst="ellipse">
-            <a:avLst/>
-          </a:prstGeom>
-          <a:solidFill>
-            <a:schemeClr val="lt2"/>
-          </a:solidFill>
-          <a:ln cap="flat" cmpd="sng" w="9525">
-            <a:solidFill>
-              <a:schemeClr val="dk2"/>
-            </a:solidFill>
-            <a:prstDash val="solid"/>
-            <a:round/>
-            <a:headEnd len="sm" w="sm" type="none"/>
-            <a:tailEnd len="sm" w="sm" type="none"/>
-          </a:ln>
-        </p:spPr>
-        <p:txBody>
-          <a:bodyPr anchorCtr="0" anchor="ctr" bIns="91425" lIns="91425" spcFirstLastPara="1" rIns="91425" wrap="square" tIns="91425">
-            <a:noAutofit/>
-          </a:bodyPr>
-          <a:lstStyle/>
-          <a:p>
-            <a:pPr indent="0" lvl="0" marL="0" rtl="0" algn="l">
-              <a:spcBef>
-                <a:spcPts val="0"/>
-              </a:spcBef>
-              <a:spcAft>
-                <a:spcPts val="0"/>
-              </a:spcAft>
-              <a:buNone/>
-            </a:pPr>
-            <a:r>
-              <a:rPr lang="en" sz="700"/>
-              <a:t>region</a:t>
-            </a:r>
-            <a:endParaRPr sz="700"/>
-          </a:p>
-        </p:txBody>
-      </p:sp>
-      <p:sp>
-        <p:nvSpPr>
-          <p:cNvPr id="143" name="Google Shape;143;p16"/>
-          <p:cNvSpPr/>
-          <p:nvPr/>
-        </p:nvSpPr>
-        <p:spPr>
-          <a:xfrm>
-            <a:off x="3698983" y="4159617"/>
-            <a:ext cx="817200" cy="372900"/>
-          </a:xfrm>
-          <a:prstGeom prst="ellipse">
-            <a:avLst/>
-          </a:prstGeom>
-          <a:solidFill>
-            <a:schemeClr val="lt2"/>
-          </a:solidFill>
-          <a:ln cap="flat" cmpd="sng" w="9525">
-            <a:solidFill>
-              <a:schemeClr val="dk2"/>
-            </a:solidFill>
-            <a:prstDash val="solid"/>
-            <a:round/>
-            <a:headEnd len="sm" w="sm" type="none"/>
-            <a:tailEnd len="sm" w="sm" type="none"/>
-          </a:ln>
-        </p:spPr>
-        <p:txBody>
-          <a:bodyPr anchorCtr="0" anchor="ctr" bIns="91425" lIns="91425" spcFirstLastPara="1" rIns="91425" wrap="square" tIns="91425">
-            <a:noAutofit/>
-          </a:bodyPr>
-          <a:lstStyle/>
-          <a:p>
-            <a:pPr indent="0" lvl="0" marL="0" rtl="0" algn="l">
-              <a:spcBef>
-                <a:spcPts val="0"/>
-              </a:spcBef>
-              <a:spcAft>
-                <a:spcPts val="0"/>
-              </a:spcAft>
-              <a:buNone/>
-            </a:pPr>
-            <a:r>
-              <a:rPr lang="en" sz="700"/>
-              <a:t>Ability</a:t>
-            </a:r>
-            <a:endParaRPr sz="700"/>
-          </a:p>
-        </p:txBody>
-      </p:sp>
-      <p:sp>
-        <p:nvSpPr>
-          <p:cNvPr id="144" name="Google Shape;144;p16"/>
-          <p:cNvSpPr/>
-          <p:nvPr/>
-        </p:nvSpPr>
-        <p:spPr>
-          <a:xfrm>
-            <a:off x="2673483" y="4310842"/>
-            <a:ext cx="817200" cy="372900"/>
-          </a:xfrm>
-          <a:prstGeom prst="ellipse">
-            <a:avLst/>
-          </a:prstGeom>
-          <a:solidFill>
-            <a:schemeClr val="lt2"/>
-          </a:solidFill>
-          <a:ln cap="flat" cmpd="sng" w="9525">
-            <a:solidFill>
-              <a:schemeClr val="dk2"/>
-            </a:solidFill>
-            <a:prstDash val="solid"/>
-            <a:round/>
-            <a:headEnd len="sm" w="sm" type="none"/>
-            <a:tailEnd len="sm" w="sm" type="none"/>
-          </a:ln>
-        </p:spPr>
-        <p:txBody>
-          <a:bodyPr anchorCtr="0" anchor="ctr" bIns="91425" lIns="91425" spcFirstLastPara="1" rIns="91425" wrap="square" tIns="91425">
-            <a:noAutofit/>
-          </a:bodyPr>
-          <a:lstStyle/>
-          <a:p>
-            <a:pPr indent="0" lvl="0" marL="0" rtl="0" algn="l">
-              <a:spcBef>
-                <a:spcPts val="0"/>
-              </a:spcBef>
-              <a:spcAft>
-                <a:spcPts val="0"/>
-              </a:spcAft>
-              <a:buNone/>
-            </a:pPr>
-            <a:r>
-              <a:rPr lang="en" sz="700"/>
-              <a:t>Names</a:t>
-            </a:r>
-            <a:endParaRPr sz="700"/>
-          </a:p>
-        </p:txBody>
-      </p:sp>
-      <p:sp>
-        <p:nvSpPr>
-          <p:cNvPr id="145" name="Google Shape;145;p16"/>
-          <p:cNvSpPr/>
-          <p:nvPr/>
-        </p:nvSpPr>
-        <p:spPr>
-          <a:xfrm>
-            <a:off x="5286688" y="624776"/>
-            <a:ext cx="817200" cy="372900"/>
-          </a:xfrm>
-          <a:prstGeom prst="ellipse">
-            <a:avLst/>
-          </a:prstGeom>
-          <a:solidFill>
-            <a:schemeClr val="lt2"/>
-          </a:solidFill>
-          <a:ln cap="flat" cmpd="sng" w="9525">
-            <a:solidFill>
-              <a:schemeClr val="dk2"/>
-            </a:solidFill>
-            <a:prstDash val="solid"/>
-            <a:round/>
-            <a:headEnd len="sm" w="sm" type="none"/>
-            <a:tailEnd len="sm" w="sm" type="none"/>
-          </a:ln>
-        </p:spPr>
-        <p:txBody>
-          <a:bodyPr anchorCtr="0" anchor="ctr" bIns="91425" lIns="91425" spcFirstLastPara="1" rIns="91425" wrap="square" tIns="91425">
-            <a:noAutofit/>
-          </a:bodyPr>
-          <a:lstStyle/>
-          <a:p>
-            <a:pPr indent="0" lvl="0" marL="0" rtl="0" algn="l">
-              <a:spcBef>
-                <a:spcPts val="0"/>
-              </a:spcBef>
-              <a:spcAft>
-                <a:spcPts val="0"/>
-              </a:spcAft>
-              <a:buNone/>
-            </a:pPr>
-            <a:r>
-              <a:rPr lang="en" sz="700"/>
-              <a:t>champID</a:t>
-            </a:r>
-            <a:endParaRPr sz="700"/>
-          </a:p>
-        </p:txBody>
-      </p:sp>
-      <p:sp>
-        <p:nvSpPr>
-          <p:cNvPr id="146" name="Google Shape;146;p16"/>
-          <p:cNvSpPr/>
-          <p:nvPr/>
-        </p:nvSpPr>
-        <p:spPr>
-          <a:xfrm>
-            <a:off x="4228133" y="775192"/>
-            <a:ext cx="817200" cy="372900"/>
-          </a:xfrm>
-          <a:prstGeom prst="ellipse">
-            <a:avLst/>
-          </a:prstGeom>
-          <a:solidFill>
-            <a:schemeClr val="lt2"/>
-          </a:solidFill>
-          <a:ln cap="flat" cmpd="sng" w="9525">
-            <a:solidFill>
-              <a:schemeClr val="dk2"/>
-            </a:solidFill>
-            <a:prstDash val="solid"/>
-            <a:round/>
-            <a:headEnd len="sm" w="sm" type="none"/>
-            <a:tailEnd len="sm" w="sm" type="none"/>
-          </a:ln>
-        </p:spPr>
-        <p:txBody>
-          <a:bodyPr anchorCtr="0" anchor="ctr" bIns="91425" lIns="91425" spcFirstLastPara="1" rIns="91425" wrap="square" tIns="91425">
-            <a:noAutofit/>
-          </a:bodyPr>
-          <a:lstStyle/>
-          <a:p>
-            <a:pPr indent="0" lvl="0" marL="0" rtl="0" algn="l">
-              <a:spcBef>
-                <a:spcPts val="0"/>
-              </a:spcBef>
-              <a:spcAft>
-                <a:spcPts val="0"/>
-              </a:spcAft>
-              <a:buNone/>
-            </a:pPr>
-            <a:r>
-              <a:rPr lang="en" sz="700"/>
-              <a:t>traitsID</a:t>
-            </a:r>
-            <a:endParaRPr sz="700"/>
-          </a:p>
-        </p:txBody>
-      </p:sp>
-      <p:sp>
-        <p:nvSpPr>
-          <p:cNvPr id="147" name="Google Shape;147;p16"/>
-          <p:cNvSpPr/>
-          <p:nvPr/>
-        </p:nvSpPr>
-        <p:spPr>
-          <a:xfrm>
-            <a:off x="6228808" y="624778"/>
-            <a:ext cx="817200" cy="372900"/>
-          </a:xfrm>
-          <a:prstGeom prst="ellipse">
-            <a:avLst/>
-          </a:prstGeom>
-          <a:solidFill>
-            <a:schemeClr val="lt2"/>
-          </a:solidFill>
-          <a:ln cap="flat" cmpd="sng" w="9525">
-            <a:solidFill>
-              <a:schemeClr val="dk2"/>
-            </a:solidFill>
-            <a:prstDash val="solid"/>
-            <a:round/>
-            <a:headEnd len="sm" w="sm" type="none"/>
-            <a:tailEnd len="sm" w="sm" type="none"/>
-          </a:ln>
-        </p:spPr>
-        <p:txBody>
-          <a:bodyPr anchorCtr="0" anchor="ctr" bIns="91425" lIns="91425" spcFirstLastPara="1" rIns="91425" wrap="square" tIns="91425">
-            <a:noAutofit/>
-          </a:bodyPr>
-          <a:lstStyle/>
-          <a:p>
-            <a:pPr indent="0" lvl="0" marL="0" rtl="0" algn="l">
-              <a:spcBef>
-                <a:spcPts val="0"/>
-              </a:spcBef>
-              <a:spcAft>
-                <a:spcPts val="0"/>
-              </a:spcAft>
-              <a:buNone/>
-            </a:pPr>
-            <a:r>
-              <a:rPr lang="en" sz="700"/>
-              <a:t>name</a:t>
-            </a:r>
-            <a:endParaRPr sz="700"/>
+            <a:endParaRPr sz="1100">
+              <a:solidFill>
+                <a:srgbClr val="FF0000"/>
+              </a:solidFill>
+            </a:endParaRPr>
           </a:p>
         </p:txBody>
       </p:sp>
       <p:cxnSp>
         <p:nvCxnSpPr>
-          <p:cNvPr id="148" name="Google Shape;148;p16"/>
+          <p:cNvPr id="112" name="Google Shape;112;p16"/>
           <p:cNvCxnSpPr>
-            <a:stCxn id="141" idx="4"/>
-            <a:endCxn id="128" idx="0"/>
+            <a:stCxn id="109" idx="1"/>
           </p:cNvCxnSpPr>
           <p:nvPr/>
         </p:nvCxnSpPr>
         <p:spPr>
           <a:xfrm>
-            <a:off x="2539358" y="2387254"/>
-            <a:ext cx="1225200" cy="286200"/>
-          </a:xfrm>
-          <a:prstGeom prst="straightConnector1">
-            <a:avLst/>
-          </a:prstGeom>
-          <a:noFill/>
-          <a:ln cap="flat" cmpd="sng" w="9525">
-            <a:solidFill>
-              <a:schemeClr val="dk2"/>
-            </a:solidFill>
-            <a:prstDash val="solid"/>
-            <a:round/>
-            <a:headEnd len="med" w="med" type="none"/>
-            <a:tailEnd len="med" w="med" type="none"/>
-          </a:ln>
-        </p:spPr>
-      </p:cxnSp>
-      <p:cxnSp>
-        <p:nvCxnSpPr>
-          <p:cNvPr id="149" name="Google Shape;149;p16"/>
-          <p:cNvCxnSpPr>
-            <a:stCxn id="146" idx="6"/>
-            <a:endCxn id="129" idx="0"/>
-          </p:cNvCxnSpPr>
-          <p:nvPr/>
-        </p:nvCxnSpPr>
-        <p:spPr>
-          <a:xfrm>
-            <a:off x="5045333" y="961642"/>
-            <a:ext cx="1071000" cy="294600"/>
-          </a:xfrm>
-          <a:prstGeom prst="straightConnector1">
-            <a:avLst/>
-          </a:prstGeom>
-          <a:noFill/>
-          <a:ln cap="flat" cmpd="sng" w="9525">
-            <a:solidFill>
-              <a:schemeClr val="dk2"/>
-            </a:solidFill>
-            <a:prstDash val="solid"/>
-            <a:round/>
-            <a:headEnd len="med" w="med" type="none"/>
-            <a:tailEnd len="med" w="med" type="none"/>
-          </a:ln>
-        </p:spPr>
-      </p:cxnSp>
-      <p:cxnSp>
-        <p:nvCxnSpPr>
-          <p:cNvPr id="150" name="Google Shape;150;p16"/>
-          <p:cNvCxnSpPr>
-            <a:stCxn id="147" idx="4"/>
-            <a:endCxn id="129" idx="0"/>
-          </p:cNvCxnSpPr>
-          <p:nvPr/>
-        </p:nvCxnSpPr>
-        <p:spPr>
-          <a:xfrm flipH="1">
-            <a:off x="6116308" y="997678"/>
-            <a:ext cx="521100" cy="258600"/>
-          </a:xfrm>
-          <a:prstGeom prst="straightConnector1">
-            <a:avLst/>
-          </a:prstGeom>
-          <a:noFill/>
-          <a:ln cap="flat" cmpd="sng" w="9525">
-            <a:solidFill>
-              <a:schemeClr val="dk2"/>
-            </a:solidFill>
-            <a:prstDash val="solid"/>
-            <a:round/>
-            <a:headEnd len="med" w="med" type="none"/>
-            <a:tailEnd len="med" w="med" type="none"/>
-          </a:ln>
-        </p:spPr>
-      </p:cxnSp>
-      <p:cxnSp>
-        <p:nvCxnSpPr>
-          <p:cNvPr id="151" name="Google Shape;151;p16"/>
-          <p:cNvCxnSpPr>
-            <a:stCxn id="145" idx="4"/>
-            <a:endCxn id="129" idx="0"/>
-          </p:cNvCxnSpPr>
-          <p:nvPr/>
-        </p:nvCxnSpPr>
-        <p:spPr>
-          <a:xfrm>
-            <a:off x="5695288" y="997676"/>
-            <a:ext cx="420900" cy="258600"/>
-          </a:xfrm>
-          <a:prstGeom prst="straightConnector1">
-            <a:avLst/>
-          </a:prstGeom>
-          <a:noFill/>
-          <a:ln cap="flat" cmpd="sng" w="9525">
-            <a:solidFill>
-              <a:schemeClr val="dk2"/>
-            </a:solidFill>
-            <a:prstDash val="solid"/>
-            <a:round/>
-            <a:headEnd len="med" w="med" type="none"/>
-            <a:tailEnd len="med" w="med" type="none"/>
-          </a:ln>
-        </p:spPr>
-      </p:cxnSp>
-      <p:cxnSp>
-        <p:nvCxnSpPr>
-          <p:cNvPr id="152" name="Google Shape;152;p16"/>
-          <p:cNvCxnSpPr>
-            <a:stCxn id="132" idx="3"/>
-            <a:endCxn id="125" idx="2"/>
-          </p:cNvCxnSpPr>
-          <p:nvPr/>
-        </p:nvCxnSpPr>
-        <p:spPr>
-          <a:xfrm flipH="1" rot="10800000">
-            <a:off x="7766442" y="847012"/>
-            <a:ext cx="138900" cy="481500"/>
-          </a:xfrm>
-          <a:prstGeom prst="straightConnector1">
-            <a:avLst/>
-          </a:prstGeom>
-          <a:noFill/>
-          <a:ln cap="flat" cmpd="sng" w="9525">
-            <a:solidFill>
-              <a:schemeClr val="dk2"/>
-            </a:solidFill>
-            <a:prstDash val="solid"/>
-            <a:round/>
-            <a:headEnd len="med" w="med" type="none"/>
-            <a:tailEnd len="med" w="med" type="none"/>
-          </a:ln>
-        </p:spPr>
-      </p:cxnSp>
-      <p:cxnSp>
-        <p:nvCxnSpPr>
-          <p:cNvPr id="153" name="Google Shape;153;p16"/>
-          <p:cNvCxnSpPr>
-            <a:stCxn id="132" idx="3"/>
-            <a:endCxn id="124" idx="2"/>
-          </p:cNvCxnSpPr>
-          <p:nvPr/>
-        </p:nvCxnSpPr>
-        <p:spPr>
-          <a:xfrm flipH="1" rot="10800000">
-            <a:off x="7766442" y="1254712"/>
-            <a:ext cx="316500" cy="73800"/>
-          </a:xfrm>
-          <a:prstGeom prst="straightConnector1">
-            <a:avLst/>
-          </a:prstGeom>
-          <a:noFill/>
-          <a:ln cap="flat" cmpd="sng" w="9525">
-            <a:solidFill>
-              <a:schemeClr val="dk2"/>
-            </a:solidFill>
-            <a:prstDash val="solid"/>
-            <a:round/>
-            <a:headEnd len="med" w="med" type="none"/>
-            <a:tailEnd len="med" w="med" type="none"/>
-          </a:ln>
-        </p:spPr>
-      </p:cxnSp>
-      <p:cxnSp>
-        <p:nvCxnSpPr>
-          <p:cNvPr id="154" name="Google Shape;154;p16"/>
-          <p:cNvCxnSpPr>
-            <a:stCxn id="121" idx="6"/>
-            <a:endCxn id="127" idx="2"/>
-          </p:cNvCxnSpPr>
-          <p:nvPr/>
-        </p:nvCxnSpPr>
-        <p:spPr>
-          <a:xfrm flipH="1" rot="10800000">
-            <a:off x="5152621" y="4330392"/>
-            <a:ext cx="983700" cy="520200"/>
-          </a:xfrm>
-          <a:prstGeom prst="straightConnector1">
-            <a:avLst/>
-          </a:prstGeom>
-          <a:noFill/>
-          <a:ln cap="flat" cmpd="sng" w="9525">
-            <a:solidFill>
-              <a:schemeClr val="dk2"/>
-            </a:solidFill>
-            <a:prstDash val="solid"/>
-            <a:round/>
-            <a:headEnd len="med" w="med" type="none"/>
-            <a:tailEnd len="med" w="med" type="none"/>
-          </a:ln>
-        </p:spPr>
-      </p:cxnSp>
-      <p:cxnSp>
-        <p:nvCxnSpPr>
-          <p:cNvPr id="155" name="Google Shape;155;p16"/>
-          <p:cNvCxnSpPr>
-            <a:stCxn id="127" idx="2"/>
-            <a:endCxn id="120" idx="0"/>
-          </p:cNvCxnSpPr>
-          <p:nvPr/>
-        </p:nvCxnSpPr>
-        <p:spPr>
-          <a:xfrm flipH="1">
-            <a:off x="5842301" y="4330350"/>
-            <a:ext cx="294000" cy="333900"/>
-          </a:xfrm>
-          <a:prstGeom prst="straightConnector1">
-            <a:avLst/>
-          </a:prstGeom>
-          <a:noFill/>
-          <a:ln cap="flat" cmpd="sng" w="9525">
-            <a:solidFill>
-              <a:schemeClr val="dk2"/>
-            </a:solidFill>
-            <a:prstDash val="solid"/>
-            <a:round/>
-            <a:headEnd len="med" w="med" type="none"/>
-            <a:tailEnd len="med" w="med" type="none"/>
-          </a:ln>
-        </p:spPr>
-      </p:cxnSp>
-      <p:cxnSp>
-        <p:nvCxnSpPr>
-          <p:cNvPr id="156" name="Google Shape;156;p16"/>
-          <p:cNvCxnSpPr>
-            <a:stCxn id="127" idx="2"/>
-            <a:endCxn id="133" idx="0"/>
-          </p:cNvCxnSpPr>
-          <p:nvPr/>
-        </p:nvCxnSpPr>
-        <p:spPr>
-          <a:xfrm>
-            <a:off x="6136301" y="4330350"/>
-            <a:ext cx="713400" cy="333900"/>
-          </a:xfrm>
-          <a:prstGeom prst="straightConnector1">
-            <a:avLst/>
-          </a:prstGeom>
-          <a:noFill/>
-          <a:ln cap="flat" cmpd="sng" w="9525">
-            <a:solidFill>
-              <a:schemeClr val="dk2"/>
-            </a:solidFill>
-            <a:prstDash val="solid"/>
-            <a:round/>
-            <a:headEnd len="med" w="med" type="none"/>
-            <a:tailEnd len="med" w="med" type="none"/>
-          </a:ln>
-        </p:spPr>
-      </p:cxnSp>
-      <p:cxnSp>
-        <p:nvCxnSpPr>
-          <p:cNvPr id="157" name="Google Shape;157;p16"/>
-          <p:cNvCxnSpPr>
-            <a:stCxn id="130" idx="2"/>
-            <a:endCxn id="134" idx="0"/>
-          </p:cNvCxnSpPr>
-          <p:nvPr/>
-        </p:nvCxnSpPr>
-        <p:spPr>
-          <a:xfrm>
-            <a:off x="7798279" y="4231961"/>
-            <a:ext cx="177000" cy="432300"/>
-          </a:xfrm>
-          <a:prstGeom prst="straightConnector1">
-            <a:avLst/>
-          </a:prstGeom>
-          <a:noFill/>
-          <a:ln cap="flat" cmpd="sng" w="9525">
-            <a:solidFill>
-              <a:schemeClr val="dk2"/>
-            </a:solidFill>
-            <a:prstDash val="solid"/>
-            <a:round/>
-            <a:headEnd len="med" w="med" type="none"/>
-            <a:tailEnd len="med" w="med" type="none"/>
-          </a:ln>
-        </p:spPr>
-      </p:cxnSp>
-      <p:cxnSp>
-        <p:nvCxnSpPr>
-          <p:cNvPr id="158" name="Google Shape;158;p16"/>
-          <p:cNvCxnSpPr>
-            <a:stCxn id="130" idx="3"/>
-            <a:endCxn id="135" idx="1"/>
-          </p:cNvCxnSpPr>
-          <p:nvPr/>
-        </p:nvCxnSpPr>
-        <p:spPr>
-          <a:xfrm>
-            <a:off x="8029879" y="4133861"/>
-            <a:ext cx="473700" cy="212100"/>
-          </a:xfrm>
-          <a:prstGeom prst="straightConnector1">
-            <a:avLst/>
-          </a:prstGeom>
-          <a:noFill/>
-          <a:ln cap="flat" cmpd="sng" w="9525">
-            <a:solidFill>
-              <a:schemeClr val="dk2"/>
-            </a:solidFill>
-            <a:prstDash val="solid"/>
-            <a:round/>
-            <a:headEnd len="med" w="med" type="none"/>
-            <a:tailEnd len="med" w="med" type="none"/>
-          </a:ln>
-        </p:spPr>
-      </p:cxnSp>
-      <p:cxnSp>
-        <p:nvCxnSpPr>
-          <p:cNvPr id="159" name="Google Shape;159;p16"/>
-          <p:cNvCxnSpPr>
-            <a:stCxn id="128" idx="2"/>
-            <a:endCxn id="144" idx="0"/>
-          </p:cNvCxnSpPr>
-          <p:nvPr/>
-        </p:nvCxnSpPr>
-        <p:spPr>
-          <a:xfrm flipH="1">
-            <a:off x="3082059" y="3089894"/>
-            <a:ext cx="682500" cy="1221000"/>
-          </a:xfrm>
-          <a:prstGeom prst="straightConnector1">
-            <a:avLst/>
-          </a:prstGeom>
-          <a:noFill/>
-          <a:ln cap="flat" cmpd="sng" w="9525">
-            <a:solidFill>
-              <a:schemeClr val="dk2"/>
-            </a:solidFill>
-            <a:prstDash val="solid"/>
-            <a:round/>
-            <a:headEnd len="med" w="med" type="none"/>
-            <a:tailEnd len="med" w="med" type="none"/>
-          </a:ln>
-        </p:spPr>
-      </p:cxnSp>
-      <p:cxnSp>
-        <p:nvCxnSpPr>
-          <p:cNvPr id="160" name="Google Shape;160;p16"/>
-          <p:cNvCxnSpPr>
-            <a:stCxn id="128" idx="2"/>
-            <a:endCxn id="161" idx="6"/>
-          </p:cNvCxnSpPr>
-          <p:nvPr/>
-        </p:nvCxnSpPr>
-        <p:spPr>
-          <a:xfrm flipH="1">
-            <a:off x="2554659" y="3089894"/>
-            <a:ext cx="1209900" cy="645900"/>
-          </a:xfrm>
-          <a:prstGeom prst="straightConnector1">
-            <a:avLst/>
-          </a:prstGeom>
-          <a:noFill/>
-          <a:ln cap="flat" cmpd="sng" w="9525">
-            <a:solidFill>
-              <a:schemeClr val="dk2"/>
-            </a:solidFill>
-            <a:prstDash val="solid"/>
-            <a:round/>
-            <a:headEnd len="med" w="med" type="none"/>
-            <a:tailEnd len="med" w="med" type="none"/>
-          </a:ln>
-        </p:spPr>
-      </p:cxnSp>
-      <p:cxnSp>
-        <p:nvCxnSpPr>
-          <p:cNvPr id="162" name="Google Shape;162;p16"/>
-          <p:cNvCxnSpPr>
-            <a:stCxn id="128" idx="1"/>
-            <a:endCxn id="128" idx="1"/>
-          </p:cNvCxnSpPr>
-          <p:nvPr/>
-        </p:nvCxnSpPr>
-        <p:spPr>
-          <a:xfrm>
-            <a:off x="3355959" y="2881694"/>
+            <a:off x="7101575" y="4473625"/>
             <a:ext cx="0" cy="0"/>
           </a:xfrm>
           <a:prstGeom prst="straightConnector1">
@@ -10596,34 +9051,26 @@
       </p:cxnSp>
       <p:sp>
         <p:nvSpPr>
-          <p:cNvPr id="163" name="Google Shape;163;p16"/>
-          <p:cNvSpPr/>
+          <p:cNvPr id="113" name="Google Shape;113;p16"/>
+          <p:cNvSpPr txBox="1"/>
           <p:nvPr/>
         </p:nvSpPr>
         <p:spPr>
           <a:xfrm>
-            <a:off x="1460338" y="2841213"/>
-            <a:ext cx="1007850" cy="294600"/>
+            <a:off x="0" y="0"/>
+            <a:ext cx="3000000" cy="400200"/>
           </a:xfrm>
-          <a:prstGeom prst="flowChartDecision">
+          <a:prstGeom prst="rect">
             <a:avLst/>
           </a:prstGeom>
-          <a:solidFill>
-            <a:schemeClr val="lt2"/>
-          </a:solidFill>
-          <a:ln cap="flat" cmpd="sng" w="9525">
-            <a:solidFill>
-              <a:schemeClr val="dk2"/>
-            </a:solidFill>
-            <a:prstDash val="solid"/>
-            <a:round/>
-            <a:headEnd len="sm" w="sm" type="none"/>
-            <a:tailEnd len="sm" w="sm" type="none"/>
+          <a:noFill/>
+          <a:ln>
+            <a:noFill/>
           </a:ln>
         </p:spPr>
         <p:txBody>
-          <a:bodyPr anchorCtr="0" anchor="ctr" bIns="91425" lIns="91425" spcFirstLastPara="1" rIns="91425" wrap="square" tIns="91425">
-            <a:noAutofit/>
+          <a:bodyPr anchorCtr="0" anchor="t" bIns="91425" lIns="91425" spcFirstLastPara="1" rIns="91425" wrap="square" tIns="91425">
+            <a:spAutoFit/>
           </a:bodyPr>
           <a:lstStyle/>
           <a:p>
@@ -10637,424 +9084,7 @@
               <a:buNone/>
             </a:pPr>
             <a:r>
-              <a:rPr lang="en" sz="700"/>
-              <a:t>Include</a:t>
-            </a:r>
-            <a:endParaRPr/>
-          </a:p>
-        </p:txBody>
-      </p:sp>
-      <p:cxnSp>
-        <p:nvCxnSpPr>
-          <p:cNvPr id="164" name="Google Shape;164;p16"/>
-          <p:cNvCxnSpPr>
-            <a:stCxn id="128" idx="1"/>
-            <a:endCxn id="163" idx="3"/>
-          </p:cNvCxnSpPr>
-          <p:nvPr/>
-        </p:nvCxnSpPr>
-        <p:spPr>
-          <a:xfrm flipH="1">
-            <a:off x="2468259" y="2881694"/>
-            <a:ext cx="887700" cy="106800"/>
-          </a:xfrm>
-          <a:prstGeom prst="straightConnector1">
-            <a:avLst/>
-          </a:prstGeom>
-          <a:noFill/>
-          <a:ln cap="flat" cmpd="sng" w="9525">
-            <a:solidFill>
-              <a:schemeClr val="dk2"/>
-            </a:solidFill>
-            <a:prstDash val="solid"/>
-            <a:round/>
-            <a:headEnd len="med" w="med" type="none"/>
-            <a:tailEnd len="med" w="med" type="none"/>
-          </a:ln>
-        </p:spPr>
-      </p:cxnSp>
-      <p:cxnSp>
-        <p:nvCxnSpPr>
-          <p:cNvPr id="165" name="Google Shape;165;p16"/>
-          <p:cNvCxnSpPr>
-            <a:stCxn id="163" idx="1"/>
-            <a:endCxn id="126" idx="3"/>
-          </p:cNvCxnSpPr>
-          <p:nvPr/>
-        </p:nvCxnSpPr>
-        <p:spPr>
-          <a:xfrm rot="10800000">
-            <a:off x="1114438" y="2968413"/>
-            <a:ext cx="345900" cy="20100"/>
-          </a:xfrm>
-          <a:prstGeom prst="straightConnector1">
-            <a:avLst/>
-          </a:prstGeom>
-          <a:noFill/>
-          <a:ln cap="flat" cmpd="sng" w="9525">
-            <a:solidFill>
-              <a:schemeClr val="dk2"/>
-            </a:solidFill>
-            <a:prstDash val="solid"/>
-            <a:round/>
-            <a:headEnd len="med" w="med" type="none"/>
-            <a:tailEnd len="med" w="med" type="none"/>
-          </a:ln>
-        </p:spPr>
-      </p:cxnSp>
-      <p:sp>
-        <p:nvSpPr>
-          <p:cNvPr id="166" name="Google Shape;166;p16"/>
-          <p:cNvSpPr/>
-          <p:nvPr/>
-        </p:nvSpPr>
-        <p:spPr>
-          <a:xfrm>
-            <a:off x="3088888" y="847001"/>
-            <a:ext cx="817200" cy="372900"/>
-          </a:xfrm>
-          <a:prstGeom prst="ellipse">
-            <a:avLst/>
-          </a:prstGeom>
-          <a:solidFill>
-            <a:schemeClr val="lt2"/>
-          </a:solidFill>
-          <a:ln cap="flat" cmpd="sng" w="9525">
-            <a:solidFill>
-              <a:schemeClr val="dk2"/>
-            </a:solidFill>
-            <a:prstDash val="solid"/>
-            <a:round/>
-            <a:headEnd len="sm" w="sm" type="none"/>
-            <a:tailEnd len="sm" w="sm" type="none"/>
-          </a:ln>
-        </p:spPr>
-        <p:txBody>
-          <a:bodyPr anchorCtr="0" anchor="ctr" bIns="91425" lIns="91425" spcFirstLastPara="1" rIns="91425" wrap="square" tIns="91425">
-            <a:noAutofit/>
-          </a:bodyPr>
-          <a:lstStyle/>
-          <a:p>
-            <a:pPr indent="0" lvl="0" marL="0" rtl="0" algn="l">
-              <a:spcBef>
-                <a:spcPts val="0"/>
-              </a:spcBef>
-              <a:spcAft>
-                <a:spcPts val="0"/>
-              </a:spcAft>
-              <a:buNone/>
-            </a:pPr>
-            <a:r>
-              <a:rPr lang="en" sz="700"/>
-              <a:t>traits</a:t>
-            </a:r>
-            <a:endParaRPr sz="700"/>
-          </a:p>
-        </p:txBody>
-      </p:sp>
-      <p:sp>
-        <p:nvSpPr>
-          <p:cNvPr id="167" name="Google Shape;167;p16"/>
-          <p:cNvSpPr/>
-          <p:nvPr/>
-        </p:nvSpPr>
-        <p:spPr>
-          <a:xfrm>
-            <a:off x="4540838" y="3644072"/>
-            <a:ext cx="817200" cy="294600"/>
-          </a:xfrm>
-          <a:prstGeom prst="ellipse">
-            <a:avLst/>
-          </a:prstGeom>
-          <a:solidFill>
-            <a:schemeClr val="lt2"/>
-          </a:solidFill>
-          <a:ln cap="flat" cmpd="sng" w="9525">
-            <a:solidFill>
-              <a:schemeClr val="dk2"/>
-            </a:solidFill>
-            <a:prstDash val="solid"/>
-            <a:round/>
-            <a:headEnd len="sm" w="sm" type="none"/>
-            <a:tailEnd len="sm" w="sm" type="none"/>
-          </a:ln>
-        </p:spPr>
-        <p:txBody>
-          <a:bodyPr anchorCtr="0" anchor="ctr" bIns="91425" lIns="91425" spcFirstLastPara="1" rIns="91425" wrap="square" tIns="91425">
-            <a:noAutofit/>
-          </a:bodyPr>
-          <a:lstStyle/>
-          <a:p>
-            <a:pPr indent="0" lvl="0" marL="0" rtl="0" algn="l">
-              <a:spcBef>
-                <a:spcPts val="0"/>
-              </a:spcBef>
-              <a:spcAft>
-                <a:spcPts val="0"/>
-              </a:spcAft>
-              <a:buNone/>
-            </a:pPr>
-            <a:r>
-              <a:rPr lang="en" sz="700"/>
-              <a:t>position</a:t>
-            </a:r>
-            <a:endParaRPr sz="700"/>
-          </a:p>
-        </p:txBody>
-      </p:sp>
-      <p:sp>
-        <p:nvSpPr>
-          <p:cNvPr id="168" name="Google Shape;168;p16"/>
-          <p:cNvSpPr/>
-          <p:nvPr/>
-        </p:nvSpPr>
-        <p:spPr>
-          <a:xfrm>
-            <a:off x="1812850" y="4152238"/>
-            <a:ext cx="817200" cy="372900"/>
-          </a:xfrm>
-          <a:prstGeom prst="ellipse">
-            <a:avLst/>
-          </a:prstGeom>
-          <a:solidFill>
-            <a:schemeClr val="lt2"/>
-          </a:solidFill>
-          <a:ln cap="flat" cmpd="sng" w="9525">
-            <a:solidFill>
-              <a:schemeClr val="dk2"/>
-            </a:solidFill>
-            <a:prstDash val="solid"/>
-            <a:round/>
-            <a:headEnd len="sm" w="sm" type="none"/>
-            <a:tailEnd len="sm" w="sm" type="none"/>
-          </a:ln>
-        </p:spPr>
-        <p:txBody>
-          <a:bodyPr anchorCtr="0" anchor="ctr" bIns="91425" lIns="91425" spcFirstLastPara="1" rIns="91425" wrap="square" tIns="91425">
-            <a:noAutofit/>
-          </a:bodyPr>
-          <a:lstStyle/>
-          <a:p>
-            <a:pPr indent="0" lvl="0" marL="0" rtl="0" algn="l">
-              <a:spcBef>
-                <a:spcPts val="0"/>
-              </a:spcBef>
-              <a:spcAft>
-                <a:spcPts val="0"/>
-              </a:spcAft>
-              <a:buNone/>
-            </a:pPr>
-            <a:r>
-              <a:rPr lang="en" sz="700"/>
-              <a:t>item</a:t>
-            </a:r>
-            <a:endParaRPr sz="700"/>
-          </a:p>
-        </p:txBody>
-      </p:sp>
-      <p:sp>
-        <p:nvSpPr>
-          <p:cNvPr id="161" name="Google Shape;161;p16"/>
-          <p:cNvSpPr/>
-          <p:nvPr/>
-        </p:nvSpPr>
-        <p:spPr>
-          <a:xfrm>
-            <a:off x="1737513" y="3549476"/>
-            <a:ext cx="817200" cy="372900"/>
-          </a:xfrm>
-          <a:prstGeom prst="ellipse">
-            <a:avLst/>
-          </a:prstGeom>
-          <a:solidFill>
-            <a:schemeClr val="lt2"/>
-          </a:solidFill>
-          <a:ln cap="flat" cmpd="sng" w="9525">
-            <a:solidFill>
-              <a:schemeClr val="dk2"/>
-            </a:solidFill>
-            <a:prstDash val="solid"/>
-            <a:round/>
-            <a:headEnd len="sm" w="sm" type="none"/>
-            <a:tailEnd len="sm" w="sm" type="none"/>
-          </a:ln>
-        </p:spPr>
-        <p:txBody>
-          <a:bodyPr anchorCtr="0" anchor="ctr" bIns="91425" lIns="91425" spcFirstLastPara="1" rIns="91425" wrap="square" tIns="91425">
-            <a:noAutofit/>
-          </a:bodyPr>
-          <a:lstStyle/>
-          <a:p>
-            <a:pPr indent="0" lvl="0" marL="0" rtl="0" algn="l">
-              <a:spcBef>
-                <a:spcPts val="0"/>
-              </a:spcBef>
-              <a:spcAft>
-                <a:spcPts val="0"/>
-              </a:spcAft>
-              <a:buNone/>
-            </a:pPr>
-            <a:r>
-              <a:rPr lang="en" sz="700"/>
-              <a:t>champID</a:t>
-            </a:r>
-            <a:endParaRPr sz="700"/>
-          </a:p>
-        </p:txBody>
-      </p:sp>
-      <p:sp>
-        <p:nvSpPr>
-          <p:cNvPr id="169" name="Google Shape;169;p16"/>
-          <p:cNvSpPr/>
-          <p:nvPr/>
-        </p:nvSpPr>
-        <p:spPr>
-          <a:xfrm>
-            <a:off x="80386" y="3606543"/>
-            <a:ext cx="817200" cy="372900"/>
-          </a:xfrm>
-          <a:prstGeom prst="ellipse">
-            <a:avLst/>
-          </a:prstGeom>
-          <a:solidFill>
-            <a:schemeClr val="lt2"/>
-          </a:solidFill>
-          <a:ln cap="flat" cmpd="sng" w="9525">
-            <a:solidFill>
-              <a:schemeClr val="dk2"/>
-            </a:solidFill>
-            <a:prstDash val="solid"/>
-            <a:round/>
-            <a:headEnd len="sm" w="sm" type="none"/>
-            <a:tailEnd len="sm" w="sm" type="none"/>
-          </a:ln>
-        </p:spPr>
-        <p:txBody>
-          <a:bodyPr anchorCtr="0" anchor="ctr" bIns="91425" lIns="91425" spcFirstLastPara="1" rIns="91425" wrap="square" tIns="91425">
-            <a:noAutofit/>
-          </a:bodyPr>
-          <a:lstStyle/>
-          <a:p>
-            <a:pPr indent="0" lvl="0" marL="0" rtl="0" algn="l">
-              <a:spcBef>
-                <a:spcPts val="0"/>
-              </a:spcBef>
-              <a:spcAft>
-                <a:spcPts val="0"/>
-              </a:spcAft>
-              <a:buNone/>
-            </a:pPr>
-            <a:r>
-              <a:rPr lang="en" sz="700"/>
-              <a:t>champList</a:t>
-            </a:r>
-            <a:endParaRPr sz="700"/>
-          </a:p>
-        </p:txBody>
-      </p:sp>
-      <p:cxnSp>
-        <p:nvCxnSpPr>
-          <p:cNvPr id="170" name="Google Shape;170;p16"/>
-          <p:cNvCxnSpPr>
-            <a:stCxn id="123" idx="4"/>
-            <a:endCxn id="126" idx="0"/>
-          </p:cNvCxnSpPr>
-          <p:nvPr/>
-        </p:nvCxnSpPr>
-        <p:spPr>
-          <a:xfrm>
-            <a:off x="488986" y="2418143"/>
-            <a:ext cx="320400" cy="342000"/>
-          </a:xfrm>
-          <a:prstGeom prst="straightConnector1">
-            <a:avLst/>
-          </a:prstGeom>
-          <a:noFill/>
-          <a:ln cap="flat" cmpd="sng" w="9525">
-            <a:solidFill>
-              <a:schemeClr val="dk2"/>
-            </a:solidFill>
-            <a:prstDash val="solid"/>
-            <a:round/>
-            <a:headEnd len="med" w="med" type="none"/>
-            <a:tailEnd len="med" w="med" type="none"/>
-          </a:ln>
-        </p:spPr>
-      </p:cxnSp>
-      <p:cxnSp>
-        <p:nvCxnSpPr>
-          <p:cNvPr id="171" name="Google Shape;171;p16"/>
-          <p:cNvCxnSpPr>
-            <a:stCxn id="169" idx="0"/>
-            <a:endCxn id="126" idx="2"/>
-          </p:cNvCxnSpPr>
-          <p:nvPr/>
-        </p:nvCxnSpPr>
-        <p:spPr>
-          <a:xfrm flipH="1" rot="10800000">
-            <a:off x="488986" y="3176643"/>
-            <a:ext cx="320400" cy="429900"/>
-          </a:xfrm>
-          <a:prstGeom prst="straightConnector1">
-            <a:avLst/>
-          </a:prstGeom>
-          <a:noFill/>
-          <a:ln cap="flat" cmpd="sng" w="9525">
-            <a:solidFill>
-              <a:schemeClr val="dk2"/>
-            </a:solidFill>
-            <a:prstDash val="solid"/>
-            <a:round/>
-            <a:headEnd len="med" w="med" type="none"/>
-            <a:tailEnd len="med" w="med" type="none"/>
-          </a:ln>
-        </p:spPr>
-      </p:cxnSp>
-      <p:sp>
-        <p:nvSpPr>
-          <p:cNvPr id="172" name="Google Shape;172;p16"/>
-          <p:cNvSpPr/>
-          <p:nvPr/>
-        </p:nvSpPr>
-        <p:spPr>
-          <a:xfrm>
-            <a:off x="6068738" y="2102100"/>
-            <a:ext cx="1007850" cy="294600"/>
-          </a:xfrm>
-          <a:prstGeom prst="flowChartDecision">
-            <a:avLst/>
-          </a:prstGeom>
-          <a:solidFill>
-            <a:schemeClr val="lt2"/>
-          </a:solidFill>
-          <a:ln cap="flat" cmpd="sng" w="9525">
-            <a:solidFill>
-              <a:schemeClr val="dk2"/>
-            </a:solidFill>
-            <a:prstDash val="solid"/>
-            <a:round/>
-            <a:headEnd len="sm" w="sm" type="none"/>
-            <a:tailEnd len="sm" w="sm" type="none"/>
-          </a:ln>
-        </p:spPr>
-        <p:txBody>
-          <a:bodyPr anchorCtr="0" anchor="ctr" bIns="91425" lIns="91425" spcFirstLastPara="1" rIns="91425" wrap="square" tIns="91425">
-            <a:noAutofit/>
-          </a:bodyPr>
-          <a:lstStyle/>
-          <a:p>
-            <a:pPr indent="0" lvl="0" marL="0" rtl="0" algn="l">
-              <a:spcBef>
-                <a:spcPts val="0"/>
-              </a:spcBef>
-              <a:spcAft>
-                <a:spcPts val="0"/>
-              </a:spcAft>
-              <a:buNone/>
-            </a:pPr>
-            <a:r>
-              <a:rPr lang="en" sz="700"/>
-              <a:t>has</a:t>
+              <a:t/>
             </a:r>
             <a:endParaRPr/>
           </a:p>
@@ -11062,729 +9092,14 @@
       </p:sp>
       <p:sp>
         <p:nvSpPr>
-          <p:cNvPr id="173" name="Google Shape;173;p16"/>
+          <p:cNvPr id="114" name="Google Shape;114;p16"/>
           <p:cNvSpPr/>
           <p:nvPr/>
         </p:nvSpPr>
         <p:spPr>
           <a:xfrm>
-            <a:off x="6068763" y="2885500"/>
-            <a:ext cx="1007850" cy="294600"/>
-          </a:xfrm>
-          <a:prstGeom prst="flowChartDecision">
-            <a:avLst/>
-          </a:prstGeom>
-          <a:solidFill>
-            <a:schemeClr val="lt2"/>
-          </a:solidFill>
-          <a:ln cap="flat" cmpd="sng" w="9525">
-            <a:solidFill>
-              <a:schemeClr val="dk2"/>
-            </a:solidFill>
-            <a:prstDash val="solid"/>
-            <a:round/>
-            <a:headEnd len="sm" w="sm" type="none"/>
-            <a:tailEnd len="sm" w="sm" type="none"/>
-          </a:ln>
-        </p:spPr>
-        <p:txBody>
-          <a:bodyPr anchorCtr="0" anchor="ctr" bIns="91425" lIns="91425" spcFirstLastPara="1" rIns="91425" wrap="square" tIns="91425">
-            <a:noAutofit/>
-          </a:bodyPr>
-          <a:lstStyle/>
-          <a:p>
-            <a:pPr indent="0" lvl="0" marL="0" rtl="0" algn="l">
-              <a:spcBef>
-                <a:spcPts val="0"/>
-              </a:spcBef>
-              <a:spcAft>
-                <a:spcPts val="0"/>
-              </a:spcAft>
-              <a:buNone/>
-            </a:pPr>
-            <a:r>
-              <a:rPr lang="en" sz="700"/>
-              <a:t>pay</a:t>
-            </a:r>
-            <a:endParaRPr/>
-          </a:p>
-        </p:txBody>
-      </p:sp>
-      <p:cxnSp>
-        <p:nvCxnSpPr>
-          <p:cNvPr id="174" name="Google Shape;174;p16"/>
-          <p:cNvCxnSpPr>
-            <a:stCxn id="128" idx="3"/>
-            <a:endCxn id="173" idx="1"/>
-          </p:cNvCxnSpPr>
-          <p:nvPr/>
-        </p:nvCxnSpPr>
-        <p:spPr>
-          <a:xfrm>
-            <a:off x="4173159" y="2881694"/>
-            <a:ext cx="1895700" cy="151200"/>
-          </a:xfrm>
-          <a:prstGeom prst="straightConnector1">
-            <a:avLst/>
-          </a:prstGeom>
-          <a:noFill/>
-          <a:ln cap="flat" cmpd="sng" w="9525">
-            <a:solidFill>
-              <a:schemeClr val="dk2"/>
-            </a:solidFill>
-            <a:prstDash val="solid"/>
-            <a:round/>
-            <a:headEnd len="med" w="med" type="none"/>
-            <a:tailEnd len="med" w="med" type="none"/>
-          </a:ln>
-        </p:spPr>
-      </p:cxnSp>
-      <p:cxnSp>
-        <p:nvCxnSpPr>
-          <p:cNvPr id="175" name="Google Shape;175;p16"/>
-          <p:cNvCxnSpPr>
-            <a:stCxn id="173" idx="3"/>
-            <a:endCxn id="130" idx="0"/>
-          </p:cNvCxnSpPr>
-          <p:nvPr/>
-        </p:nvCxnSpPr>
-        <p:spPr>
-          <a:xfrm>
-            <a:off x="7076613" y="3032800"/>
-            <a:ext cx="721800" cy="1002900"/>
-          </a:xfrm>
-          <a:prstGeom prst="straightConnector1">
-            <a:avLst/>
-          </a:prstGeom>
-          <a:noFill/>
-          <a:ln cap="flat" cmpd="sng" w="9525">
-            <a:solidFill>
-              <a:schemeClr val="dk2"/>
-            </a:solidFill>
-            <a:prstDash val="solid"/>
-            <a:round/>
-            <a:headEnd len="med" w="med" type="none"/>
-            <a:tailEnd len="med" w="med" type="none"/>
-          </a:ln>
-        </p:spPr>
-      </p:cxnSp>
-      <p:cxnSp>
-        <p:nvCxnSpPr>
-          <p:cNvPr id="176" name="Google Shape;176;p16"/>
-          <p:cNvCxnSpPr>
-            <a:stCxn id="130" idx="3"/>
-            <a:endCxn id="136" idx="2"/>
-          </p:cNvCxnSpPr>
-          <p:nvPr/>
-        </p:nvCxnSpPr>
-        <p:spPr>
-          <a:xfrm flipH="1" rot="10800000">
-            <a:off x="8029879" y="3629261"/>
-            <a:ext cx="166200" cy="504600"/>
-          </a:xfrm>
-          <a:prstGeom prst="straightConnector1">
-            <a:avLst/>
-          </a:prstGeom>
-          <a:noFill/>
-          <a:ln cap="flat" cmpd="sng" w="9525">
-            <a:solidFill>
-              <a:schemeClr val="dk2"/>
-            </a:solidFill>
-            <a:prstDash val="solid"/>
-            <a:round/>
-            <a:headEnd len="med" w="med" type="none"/>
-            <a:tailEnd len="med" w="med" type="none"/>
-          </a:ln>
-        </p:spPr>
-      </p:cxnSp>
-      <p:cxnSp>
-        <p:nvCxnSpPr>
-          <p:cNvPr id="177" name="Google Shape;177;p16"/>
-          <p:cNvCxnSpPr>
-            <a:stCxn id="131" idx="3"/>
-            <a:endCxn id="139" idx="3"/>
-          </p:cNvCxnSpPr>
-          <p:nvPr/>
-        </p:nvCxnSpPr>
-        <p:spPr>
-          <a:xfrm flipH="1" rot="10800000">
-            <a:off x="8067979" y="2275407"/>
-            <a:ext cx="247500" cy="398100"/>
-          </a:xfrm>
-          <a:prstGeom prst="straightConnector1">
-            <a:avLst/>
-          </a:prstGeom>
-          <a:noFill/>
-          <a:ln cap="flat" cmpd="sng" w="9525">
-            <a:solidFill>
-              <a:schemeClr val="dk2"/>
-            </a:solidFill>
-            <a:prstDash val="solid"/>
-            <a:round/>
-            <a:headEnd len="med" w="med" type="none"/>
-            <a:tailEnd len="med" w="med" type="none"/>
-          </a:ln>
-        </p:spPr>
-      </p:cxnSp>
-      <p:cxnSp>
-        <p:nvCxnSpPr>
-          <p:cNvPr id="178" name="Google Shape;178;p16"/>
-          <p:cNvCxnSpPr>
-            <a:stCxn id="131" idx="3"/>
-            <a:endCxn id="138" idx="3"/>
-          </p:cNvCxnSpPr>
-          <p:nvPr/>
-        </p:nvCxnSpPr>
-        <p:spPr>
-          <a:xfrm>
-            <a:off x="8067979" y="2673507"/>
-            <a:ext cx="378600" cy="63000"/>
-          </a:xfrm>
-          <a:prstGeom prst="straightConnector1">
-            <a:avLst/>
-          </a:prstGeom>
-          <a:noFill/>
-          <a:ln cap="flat" cmpd="sng" w="9525">
-            <a:solidFill>
-              <a:schemeClr val="dk2"/>
-            </a:solidFill>
-            <a:prstDash val="solid"/>
-            <a:round/>
-            <a:headEnd len="med" w="med" type="none"/>
-            <a:tailEnd len="med" w="med" type="none"/>
-          </a:ln>
-        </p:spPr>
-      </p:cxnSp>
-      <p:cxnSp>
-        <p:nvCxnSpPr>
-          <p:cNvPr id="179" name="Google Shape;179;p16"/>
-          <p:cNvCxnSpPr>
-            <a:stCxn id="131" idx="2"/>
-            <a:endCxn id="137" idx="2"/>
-          </p:cNvCxnSpPr>
-          <p:nvPr/>
-        </p:nvCxnSpPr>
-        <p:spPr>
-          <a:xfrm>
-            <a:off x="7798279" y="2791257"/>
-            <a:ext cx="397800" cy="241500"/>
-          </a:xfrm>
-          <a:prstGeom prst="straightConnector1">
-            <a:avLst/>
-          </a:prstGeom>
-          <a:noFill/>
-          <a:ln cap="flat" cmpd="sng" w="9525">
-            <a:solidFill>
-              <a:schemeClr val="dk2"/>
-            </a:solidFill>
-            <a:prstDash val="solid"/>
-            <a:round/>
-            <a:headEnd len="med" w="med" type="none"/>
-            <a:tailEnd len="med" w="med" type="none"/>
-          </a:ln>
-        </p:spPr>
-      </p:cxnSp>
-      <p:cxnSp>
-        <p:nvCxnSpPr>
-          <p:cNvPr id="180" name="Google Shape;180;p16"/>
-          <p:cNvCxnSpPr>
-            <a:stCxn id="132" idx="3"/>
-            <a:endCxn id="122" idx="2"/>
-          </p:cNvCxnSpPr>
-          <p:nvPr/>
-        </p:nvCxnSpPr>
-        <p:spPr>
-          <a:xfrm>
-            <a:off x="7766442" y="1328512"/>
-            <a:ext cx="429600" cy="416700"/>
-          </a:xfrm>
-          <a:prstGeom prst="straightConnector1">
-            <a:avLst/>
-          </a:prstGeom>
-          <a:noFill/>
-          <a:ln cap="flat" cmpd="sng" w="9525">
-            <a:solidFill>
-              <a:schemeClr val="dk2"/>
-            </a:solidFill>
-            <a:prstDash val="solid"/>
-            <a:round/>
-            <a:headEnd len="med" w="med" type="none"/>
-            <a:tailEnd len="med" w="med" type="none"/>
-          </a:ln>
-        </p:spPr>
-      </p:cxnSp>
-      <p:cxnSp>
-        <p:nvCxnSpPr>
-          <p:cNvPr id="181" name="Google Shape;181;p16"/>
-          <p:cNvCxnSpPr>
-            <a:stCxn id="172" idx="3"/>
-            <a:endCxn id="132" idx="1"/>
-          </p:cNvCxnSpPr>
-          <p:nvPr/>
-        </p:nvCxnSpPr>
-        <p:spPr>
-          <a:xfrm flipH="1" rot="10800000">
-            <a:off x="7076588" y="1328400"/>
-            <a:ext cx="317700" cy="921000"/>
-          </a:xfrm>
-          <a:prstGeom prst="straightConnector1">
-            <a:avLst/>
-          </a:prstGeom>
-          <a:noFill/>
-          <a:ln cap="flat" cmpd="sng" w="9525">
-            <a:solidFill>
-              <a:schemeClr val="dk2"/>
-            </a:solidFill>
-            <a:prstDash val="solid"/>
-            <a:round/>
-            <a:headEnd len="med" w="med" type="none"/>
-            <a:tailEnd len="med" w="med" type="none"/>
-          </a:ln>
-        </p:spPr>
-      </p:cxnSp>
-      <p:cxnSp>
-        <p:nvCxnSpPr>
-          <p:cNvPr id="182" name="Google Shape;182;p16"/>
-          <p:cNvCxnSpPr>
-            <a:stCxn id="166" idx="4"/>
-            <a:endCxn id="128" idx="0"/>
-          </p:cNvCxnSpPr>
-          <p:nvPr/>
-        </p:nvCxnSpPr>
-        <p:spPr>
-          <a:xfrm>
-            <a:off x="3497488" y="1219901"/>
-            <a:ext cx="267000" cy="1453500"/>
-          </a:xfrm>
-          <a:prstGeom prst="straightConnector1">
-            <a:avLst/>
-          </a:prstGeom>
-          <a:noFill/>
-          <a:ln cap="flat" cmpd="sng" w="9525">
-            <a:solidFill>
-              <a:schemeClr val="dk2"/>
-            </a:solidFill>
-            <a:prstDash val="solid"/>
-            <a:round/>
-            <a:headEnd len="med" w="med" type="none"/>
-            <a:tailEnd len="med" w="med" type="none"/>
-          </a:ln>
-        </p:spPr>
-      </p:cxnSp>
-      <p:cxnSp>
-        <p:nvCxnSpPr>
-          <p:cNvPr id="183" name="Google Shape;183;p16"/>
-          <p:cNvCxnSpPr>
-            <a:stCxn id="129" idx="2"/>
-            <a:endCxn id="128" idx="3"/>
-          </p:cNvCxnSpPr>
-          <p:nvPr/>
-        </p:nvCxnSpPr>
-        <p:spPr>
-          <a:xfrm flipH="1">
-            <a:off x="4173199" y="1550736"/>
-            <a:ext cx="1943100" cy="1331100"/>
-          </a:xfrm>
-          <a:prstGeom prst="straightConnector1">
-            <a:avLst/>
-          </a:prstGeom>
-          <a:noFill/>
-          <a:ln cap="flat" cmpd="sng" w="9525">
-            <a:solidFill>
-              <a:schemeClr val="dk2"/>
-            </a:solidFill>
-            <a:prstDash val="solid"/>
-            <a:round/>
-            <a:headEnd len="med" w="med" type="none"/>
-            <a:tailEnd len="med" w="med" type="none"/>
-          </a:ln>
-        </p:spPr>
-      </p:cxnSp>
-      <p:cxnSp>
-        <p:nvCxnSpPr>
-          <p:cNvPr id="184" name="Google Shape;184;p16"/>
-          <p:cNvCxnSpPr>
-            <a:stCxn id="128" idx="0"/>
-            <a:endCxn id="142" idx="4"/>
-          </p:cNvCxnSpPr>
-          <p:nvPr/>
-        </p:nvCxnSpPr>
-        <p:spPr>
-          <a:xfrm flipH="1" rot="10800000">
-            <a:off x="3764559" y="1803494"/>
-            <a:ext cx="532800" cy="870000"/>
-          </a:xfrm>
-          <a:prstGeom prst="straightConnector1">
-            <a:avLst/>
-          </a:prstGeom>
-          <a:noFill/>
-          <a:ln cap="flat" cmpd="sng" w="9525">
-            <a:solidFill>
-              <a:schemeClr val="dk2"/>
-            </a:solidFill>
-            <a:prstDash val="solid"/>
-            <a:round/>
-            <a:headEnd len="med" w="med" type="none"/>
-            <a:tailEnd len="med" w="med" type="none"/>
-          </a:ln>
-        </p:spPr>
-      </p:cxnSp>
-      <p:cxnSp>
-        <p:nvCxnSpPr>
-          <p:cNvPr id="185" name="Google Shape;185;p16"/>
-          <p:cNvCxnSpPr>
-            <a:stCxn id="128" idx="2"/>
-            <a:endCxn id="143" idx="0"/>
-          </p:cNvCxnSpPr>
-          <p:nvPr/>
-        </p:nvCxnSpPr>
-        <p:spPr>
-          <a:xfrm>
-            <a:off x="3764559" y="3089894"/>
-            <a:ext cx="342900" cy="1069800"/>
-          </a:xfrm>
-          <a:prstGeom prst="straightConnector1">
-            <a:avLst/>
-          </a:prstGeom>
-          <a:noFill/>
-          <a:ln cap="flat" cmpd="sng" w="9525">
-            <a:solidFill>
-              <a:schemeClr val="dk2"/>
-            </a:solidFill>
-            <a:prstDash val="solid"/>
-            <a:round/>
-            <a:headEnd len="med" w="med" type="none"/>
-            <a:tailEnd len="med" w="med" type="none"/>
-          </a:ln>
-        </p:spPr>
-      </p:cxnSp>
-      <p:cxnSp>
-        <p:nvCxnSpPr>
-          <p:cNvPr id="186" name="Google Shape;186;p16"/>
-          <p:cNvCxnSpPr>
-            <a:stCxn id="128" idx="2"/>
-            <a:endCxn id="167" idx="0"/>
-          </p:cNvCxnSpPr>
-          <p:nvPr/>
-        </p:nvCxnSpPr>
-        <p:spPr>
-          <a:xfrm>
-            <a:off x="3764559" y="3089894"/>
-            <a:ext cx="1185000" cy="554100"/>
-          </a:xfrm>
-          <a:prstGeom prst="straightConnector1">
-            <a:avLst/>
-          </a:prstGeom>
-          <a:noFill/>
-          <a:ln cap="flat" cmpd="sng" w="9525">
-            <a:solidFill>
-              <a:schemeClr val="dk2"/>
-            </a:solidFill>
-            <a:prstDash val="solid"/>
-            <a:round/>
-            <a:headEnd len="med" w="med" type="none"/>
-            <a:tailEnd len="med" w="med" type="none"/>
-          </a:ln>
-        </p:spPr>
-      </p:cxnSp>
-      <p:cxnSp>
-        <p:nvCxnSpPr>
-          <p:cNvPr id="187" name="Google Shape;187;p16"/>
-          <p:cNvCxnSpPr>
-            <a:endCxn id="128" idx="3"/>
-          </p:cNvCxnSpPr>
-          <p:nvPr/>
-        </p:nvCxnSpPr>
-        <p:spPr>
-          <a:xfrm flipH="1">
-            <a:off x="4173159" y="2254394"/>
-            <a:ext cx="1904700" cy="627300"/>
-          </a:xfrm>
-          <a:prstGeom prst="straightConnector1">
-            <a:avLst/>
-          </a:prstGeom>
-          <a:noFill/>
-          <a:ln cap="flat" cmpd="sng" w="9525">
-            <a:solidFill>
-              <a:schemeClr val="dk2"/>
-            </a:solidFill>
-            <a:prstDash val="solid"/>
-            <a:round/>
-            <a:headEnd len="med" w="med" type="none"/>
-            <a:tailEnd len="med" w="med" type="none"/>
-          </a:ln>
-        </p:spPr>
-      </p:cxnSp>
-      <p:cxnSp>
-        <p:nvCxnSpPr>
-          <p:cNvPr id="188" name="Google Shape;188;p16"/>
-          <p:cNvCxnSpPr>
-            <a:stCxn id="128" idx="2"/>
-            <a:endCxn id="168" idx="7"/>
-          </p:cNvCxnSpPr>
-          <p:nvPr/>
-        </p:nvCxnSpPr>
-        <p:spPr>
-          <a:xfrm flipH="1">
-            <a:off x="2510259" y="3089894"/>
-            <a:ext cx="1254300" cy="1116900"/>
-          </a:xfrm>
-          <a:prstGeom prst="straightConnector1">
-            <a:avLst/>
-          </a:prstGeom>
-          <a:noFill/>
-          <a:ln cap="flat" cmpd="sng" w="9525">
-            <a:solidFill>
-              <a:schemeClr val="dk2"/>
-            </a:solidFill>
-            <a:prstDash val="solid"/>
-            <a:round/>
-            <a:headEnd len="med" w="med" type="none"/>
-            <a:tailEnd len="med" w="med" type="none"/>
-          </a:ln>
-        </p:spPr>
-      </p:cxnSp>
-      <p:sp>
-        <p:nvSpPr>
-          <p:cNvPr id="189" name="Google Shape;189;p16"/>
-          <p:cNvSpPr/>
-          <p:nvPr/>
-        </p:nvSpPr>
-        <p:spPr>
-          <a:xfrm>
-            <a:off x="2261513" y="1089360"/>
-            <a:ext cx="817200" cy="294600"/>
-          </a:xfrm>
-          <a:prstGeom prst="ellipse">
-            <a:avLst/>
-          </a:prstGeom>
-          <a:solidFill>
-            <a:schemeClr val="lt2"/>
-          </a:solidFill>
-          <a:ln cap="flat" cmpd="sng" w="9525">
-            <a:solidFill>
-              <a:schemeClr val="dk2"/>
-            </a:solidFill>
-            <a:prstDash val="solid"/>
-            <a:round/>
-            <a:headEnd len="sm" w="sm" type="none"/>
-            <a:tailEnd len="sm" w="sm" type="none"/>
-          </a:ln>
-        </p:spPr>
-        <p:txBody>
-          <a:bodyPr anchorCtr="0" anchor="ctr" bIns="91425" lIns="91425" spcFirstLastPara="1" rIns="91425" wrap="square" tIns="91425">
-            <a:noAutofit/>
-          </a:bodyPr>
-          <a:lstStyle/>
-          <a:p>
-            <a:pPr indent="0" lvl="0" marL="0" rtl="0" algn="l">
-              <a:spcBef>
-                <a:spcPts val="0"/>
-              </a:spcBef>
-              <a:spcAft>
-                <a:spcPts val="0"/>
-              </a:spcAft>
-              <a:buNone/>
-            </a:pPr>
-            <a:r>
-              <a:rPr lang="en" sz="700"/>
-              <a:t>price</a:t>
-            </a:r>
-            <a:endParaRPr sz="700"/>
-          </a:p>
-        </p:txBody>
-      </p:sp>
-      <p:cxnSp>
-        <p:nvCxnSpPr>
-          <p:cNvPr id="190" name="Google Shape;190;p16"/>
-          <p:cNvCxnSpPr>
-            <a:stCxn id="140" idx="6"/>
-            <a:endCxn id="128" idx="0"/>
-          </p:cNvCxnSpPr>
-          <p:nvPr/>
-        </p:nvCxnSpPr>
-        <p:spPr>
-          <a:xfrm>
-            <a:off x="2421150" y="1638338"/>
-            <a:ext cx="1343400" cy="1035300"/>
-          </a:xfrm>
-          <a:prstGeom prst="straightConnector1">
-            <a:avLst/>
-          </a:prstGeom>
-          <a:noFill/>
-          <a:ln cap="flat" cmpd="sng" w="9525">
-            <a:solidFill>
-              <a:schemeClr val="dk2"/>
-            </a:solidFill>
-            <a:prstDash val="solid"/>
-            <a:round/>
-            <a:headEnd len="med" w="med" type="none"/>
-            <a:tailEnd len="med" w="med" type="none"/>
-          </a:ln>
-        </p:spPr>
-      </p:cxnSp>
-      <p:cxnSp>
-        <p:nvCxnSpPr>
-          <p:cNvPr id="191" name="Google Shape;191;p16"/>
-          <p:cNvCxnSpPr>
-            <a:stCxn id="189" idx="5"/>
-            <a:endCxn id="128" idx="0"/>
-          </p:cNvCxnSpPr>
-          <p:nvPr/>
-        </p:nvCxnSpPr>
-        <p:spPr>
-          <a:xfrm>
-            <a:off x="2959036" y="1340817"/>
-            <a:ext cx="805500" cy="1332600"/>
-          </a:xfrm>
-          <a:prstGeom prst="straightConnector1">
-            <a:avLst/>
-          </a:prstGeom>
-          <a:noFill/>
-          <a:ln cap="flat" cmpd="sng" w="9525">
-            <a:solidFill>
-              <a:schemeClr val="dk2"/>
-            </a:solidFill>
-            <a:prstDash val="solid"/>
-            <a:round/>
-            <a:headEnd len="med" w="med" type="none"/>
-            <a:tailEnd len="med" w="med" type="none"/>
-          </a:ln>
-        </p:spPr>
-      </p:cxnSp>
-      <p:cxnSp>
-        <p:nvCxnSpPr>
-          <p:cNvPr id="192" name="Google Shape;192;p16"/>
-          <p:cNvCxnSpPr>
-            <a:stCxn id="128" idx="3"/>
-            <a:endCxn id="127" idx="0"/>
-          </p:cNvCxnSpPr>
-          <p:nvPr/>
-        </p:nvCxnSpPr>
-        <p:spPr>
-          <a:xfrm>
-            <a:off x="4173159" y="2881694"/>
-            <a:ext cx="1963200" cy="1154100"/>
-          </a:xfrm>
-          <a:prstGeom prst="straightConnector1">
-            <a:avLst/>
-          </a:prstGeom>
-          <a:noFill/>
-          <a:ln cap="flat" cmpd="sng" w="9525">
-            <a:solidFill>
-              <a:schemeClr val="dk2"/>
-            </a:solidFill>
-            <a:prstDash val="solid"/>
-            <a:round/>
-            <a:headEnd len="med" w="med" type="none"/>
-            <a:tailEnd len="med" w="med" type="none"/>
-          </a:ln>
-        </p:spPr>
-      </p:cxnSp>
-      <p:cxnSp>
-        <p:nvCxnSpPr>
-          <p:cNvPr id="193" name="Google Shape;193;p16"/>
-          <p:cNvCxnSpPr>
-            <a:stCxn id="131" idx="1"/>
-            <a:endCxn id="128" idx="3"/>
-          </p:cNvCxnSpPr>
-          <p:nvPr/>
-        </p:nvCxnSpPr>
-        <p:spPr>
-          <a:xfrm flipH="1">
-            <a:off x="4173079" y="2673507"/>
-            <a:ext cx="3355500" cy="208200"/>
-          </a:xfrm>
-          <a:prstGeom prst="straightConnector1">
-            <a:avLst/>
-          </a:prstGeom>
-          <a:noFill/>
-          <a:ln cap="flat" cmpd="sng" w="9525">
-            <a:solidFill>
-              <a:schemeClr val="dk2"/>
-            </a:solidFill>
-            <a:prstDash val="solid"/>
-            <a:round/>
-            <a:headEnd len="med" w="med" type="none"/>
-            <a:tailEnd len="med" w="med" type="none"/>
-          </a:ln>
-        </p:spPr>
-      </p:cxnSp>
-    </p:spTree>
-  </p:cSld>
-  <p:clrMapOvr>
-    <a:masterClrMapping/>
-  </p:clrMapOvr>
-</p:sld>
-</file>
-
-<file path=ppt/slides/slide5.xml><?xml version="1.0" encoding="utf-8"?>
-<p:sld xmlns:a="http://schemas.openxmlformats.org/drawingml/2006/main" xmlns:r="http://schemas.openxmlformats.org/officeDocument/2006/relationships" xmlns:mc="http://schemas.openxmlformats.org/markup-compatibility/2006" xmlns:mv="urn:schemas-microsoft-com:mac:vml" xmlns:p="http://schemas.openxmlformats.org/presentationml/2006/main" xmlns:c="http://schemas.openxmlformats.org/drawingml/2006/chart" xmlns:dgm="http://schemas.openxmlformats.org/drawingml/2006/diagram" xmlns:o="urn:schemas-microsoft-com:office:office" xmlns:v="urn:schemas-microsoft-com:vml" xmlns:pvml="urn:schemas-microsoft-com:office:powerpoint" xmlns:com="http://schemas.openxmlformats.org/drawingml/2006/compatibility" xmlns:p14="http://schemas.microsoft.com/office/powerpoint/2010/main" xmlns:p15="http://schemas.microsoft.com/office/powerpoint/2012/main" xmlns:ahyp="http://schemas.microsoft.com/office/drawing/2018/hyperlinkcolor">
-  <p:cSld>
-    <p:spTree>
-      <p:nvGrpSpPr>
-        <p:cNvPr id="197" name="Shape 197"/>
-        <p:cNvGrpSpPr/>
-        <p:nvPr/>
-      </p:nvGrpSpPr>
-      <p:grpSpPr>
-        <a:xfrm>
-          <a:off x="0" y="0"/>
-          <a:ext cx="0" cy="0"/>
-          <a:chOff x="0" y="0"/>
-          <a:chExt cx="0" cy="0"/>
-        </a:xfrm>
-      </p:grpSpPr>
-      <p:sp>
-        <p:nvSpPr>
-          <p:cNvPr id="198" name="Google Shape;198;p17"/>
-          <p:cNvSpPr txBox="1"/>
-          <p:nvPr>
-            <p:ph type="title"/>
-          </p:nvPr>
-        </p:nvSpPr>
-        <p:spPr>
-          <a:xfrm>
-            <a:off x="729450" y="1318650"/>
-            <a:ext cx="3477600" cy="535200"/>
-          </a:xfrm>
-          <a:prstGeom prst="rect">
-            <a:avLst/>
-          </a:prstGeom>
-        </p:spPr>
-        <p:txBody>
-          <a:bodyPr anchorCtr="0" anchor="t" bIns="91425" lIns="91425" spcFirstLastPara="1" rIns="91425" wrap="square" tIns="91425">
-            <a:normAutofit fontScale="90000"/>
-          </a:bodyPr>
-          <a:lstStyle/>
-          <a:p>
-            <a:pPr indent="0" lvl="0" marL="0" rtl="0" algn="l">
-              <a:spcBef>
-                <a:spcPts val="0"/>
-              </a:spcBef>
-              <a:spcAft>
-                <a:spcPts val="0"/>
-              </a:spcAft>
-              <a:buNone/>
-            </a:pPr>
-            <a:r>
-              <a:rPr lang="en"/>
-              <a:t>Relation Specification</a:t>
-            </a:r>
-            <a:endParaRPr/>
-          </a:p>
-        </p:txBody>
-      </p:sp>
-      <p:sp>
-        <p:nvSpPr>
-          <p:cNvPr id="199" name="Google Shape;199;p17"/>
-          <p:cNvSpPr/>
-          <p:nvPr/>
-        </p:nvSpPr>
-        <p:spPr>
-          <a:xfrm>
-            <a:off x="3235575" y="2188700"/>
-            <a:ext cx="1706700" cy="2393100"/>
+            <a:off x="2942588" y="2915263"/>
+            <a:ext cx="1430700" cy="1027200"/>
           </a:xfrm>
           <a:prstGeom prst="rect">
             <a:avLst/>
@@ -11819,9 +9134,9 @@
             </a:pPr>
             <a:r>
               <a:rPr lang="en" u="sng"/>
-              <a:t>Champions </a:t>
+              <a:t>Equipment</a:t>
             </a:r>
-            <a:endParaRPr sz="1100"/>
+            <a:endParaRPr u="sng"/>
           </a:p>
           <a:p>
             <a:pPr indent="0" lvl="0" marL="0" rtl="0" algn="l">
@@ -11837,10 +9152,26 @@
               <a:buNone/>
             </a:pPr>
             <a:r>
-              <a:rPr lang="en" sz="1100"/>
-              <a:t>C_champID | int </a:t>
+              <a:rPr lang="en" sz="1100">
+                <a:solidFill>
+                  <a:schemeClr val="dk2"/>
+                </a:solidFill>
+              </a:rPr>
+              <a:t>E_equipment</a:t>
             </a:r>
-            <a:endParaRPr sz="1100"/>
+            <a:r>
+              <a:rPr lang="en" sz="1100">
+                <a:solidFill>
+                  <a:schemeClr val="dk2"/>
+                </a:solidFill>
+              </a:rPr>
+              <a:t>ID | int </a:t>
+            </a:r>
+            <a:endParaRPr sz="1100">
+              <a:solidFill>
+                <a:schemeClr val="dk2"/>
+              </a:solidFill>
+            </a:endParaRPr>
           </a:p>
           <a:p>
             <a:pPr indent="0" lvl="0" marL="0" rtl="0" algn="l">
@@ -11856,88 +9187,12 @@
               <a:buNone/>
             </a:pPr>
             <a:r>
-              <a:rPr lang="en" sz="1100"/>
-              <a:t>C_names | string</a:t>
-            </a:r>
-            <a:endParaRPr sz="1100"/>
-          </a:p>
-          <a:p>
-            <a:pPr indent="0" lvl="0" marL="0" rtl="0" algn="l">
-              <a:lnSpc>
-                <a:spcPct val="115000"/>
-              </a:lnSpc>
-              <a:spcBef>
-                <a:spcPts val="0"/>
-              </a:spcBef>
-              <a:spcAft>
-                <a:spcPts val="0"/>
-              </a:spcAft>
-              <a:buNone/>
-            </a:pPr>
-            <a:r>
-              <a:rPr lang="en" sz="1100"/>
-              <a:t>C_ability | (q,w,e,r)</a:t>
-            </a:r>
-            <a:endParaRPr sz="1100"/>
-          </a:p>
-          <a:p>
-            <a:pPr indent="0" lvl="0" marL="0" rtl="0" algn="l">
-              <a:lnSpc>
-                <a:spcPct val="115000"/>
-              </a:lnSpc>
-              <a:spcBef>
-                <a:spcPts val="0"/>
-              </a:spcBef>
-              <a:spcAft>
-                <a:spcPts val="0"/>
-              </a:spcAft>
-              <a:buNone/>
-            </a:pPr>
-            <a:r>
-              <a:rPr lang="en" sz="1100"/>
-              <a:t>C_skin | string</a:t>
-            </a:r>
-            <a:endParaRPr sz="1100"/>
-          </a:p>
-          <a:p>
-            <a:pPr indent="0" lvl="0" marL="0" rtl="0" algn="l">
-              <a:lnSpc>
-                <a:spcPct val="115000"/>
-              </a:lnSpc>
-              <a:spcBef>
-                <a:spcPts val="0"/>
-              </a:spcBef>
-              <a:spcAft>
-                <a:spcPts val="0"/>
-              </a:spcAft>
-              <a:buNone/>
-            </a:pPr>
-            <a:r>
-              <a:rPr lang="en" sz="1100"/>
-              <a:t>C_range | int</a:t>
-            </a:r>
-            <a:endParaRPr sz="1100"/>
-          </a:p>
-          <a:p>
-            <a:pPr indent="0" lvl="0" marL="0" rtl="0" algn="l">
-              <a:lnSpc>
-                <a:spcPct val="115000"/>
-              </a:lnSpc>
-              <a:spcBef>
-                <a:spcPts val="0"/>
-              </a:spcBef>
-              <a:spcAft>
-                <a:spcPts val="0"/>
-              </a:spcAft>
-              <a:buNone/>
-            </a:pPr>
-            <a:r>
               <a:rPr lang="en" sz="1100">
                 <a:solidFill>
                   <a:srgbClr val="FF0000"/>
                 </a:solidFill>
               </a:rPr>
-              <a:t>C_traitsID | int </a:t>
+              <a:t>E_itemID | int</a:t>
             </a:r>
             <a:endParaRPr sz="1100">
               <a:solidFill>
@@ -11964,88 +9219,7 @@
                   <a:srgbClr val="FF0000"/>
                 </a:solidFill>
               </a:rPr>
-              <a:t>C_regionID | int </a:t>
-            </a:r>
-            <a:endParaRPr sz="1100">
-              <a:solidFill>
-                <a:srgbClr val="FF0000"/>
-              </a:solidFill>
-            </a:endParaRPr>
-          </a:p>
-          <a:p>
-            <a:pPr indent="0" lvl="0" marL="0" rtl="0" algn="l">
-              <a:lnSpc>
-                <a:spcPct val="115000"/>
-              </a:lnSpc>
-              <a:spcBef>
-                <a:spcPts val="0"/>
-              </a:spcBef>
-              <a:spcAft>
-                <a:spcPts val="0"/>
-              </a:spcAft>
-              <a:buNone/>
-            </a:pPr>
-            <a:r>
-              <a:rPr lang="en" sz="1100">
-                <a:solidFill>
-                  <a:srgbClr val="FF0000"/>
-                </a:solidFill>
-              </a:rPr>
-              <a:t>C_positionID | int </a:t>
-            </a:r>
-            <a:endParaRPr sz="1100">
-              <a:solidFill>
-                <a:srgbClr val="FF0000"/>
-              </a:solidFill>
-            </a:endParaRPr>
-          </a:p>
-          <a:p>
-            <a:pPr indent="0" lvl="0" marL="0" rtl="0" algn="l">
-              <a:lnSpc>
-                <a:spcPct val="115000"/>
-              </a:lnSpc>
-              <a:spcBef>
-                <a:spcPts val="0"/>
-              </a:spcBef>
-              <a:spcAft>
-                <a:spcPts val="0"/>
-              </a:spcAft>
-              <a:buNone/>
-            </a:pPr>
-            <a:r>
-              <a:rPr lang="en" sz="1100">
-                <a:solidFill>
-                  <a:srgbClr val="FF0000"/>
-                </a:solidFill>
-              </a:rPr>
-              <a:t>C_itemID | int </a:t>
-            </a:r>
-            <a:endParaRPr sz="1100">
-              <a:solidFill>
-                <a:srgbClr val="FF0000"/>
-              </a:solidFill>
-            </a:endParaRPr>
-          </a:p>
-          <a:p>
-            <a:pPr indent="0" lvl="0" marL="0" rtl="0" algn="l">
-              <a:lnSpc>
-                <a:spcPct val="115000"/>
-              </a:lnSpc>
-              <a:spcBef>
-                <a:spcPts val="0"/>
-              </a:spcBef>
-              <a:spcAft>
-                <a:spcPts val="0"/>
-              </a:spcAft>
-              <a:buNone/>
-            </a:pPr>
-            <a:r>
-              <a:rPr lang="en" sz="1100">
-                <a:solidFill>
-                  <a:srgbClr val="FF0000"/>
-                </a:solidFill>
-              </a:rPr>
-              <a:t>C_Price | int </a:t>
+              <a:t>E_champID | int</a:t>
             </a:r>
             <a:endParaRPr sz="1100">
               <a:solidFill>
@@ -12057,14 +9231,14 @@
       </p:sp>
       <p:sp>
         <p:nvSpPr>
-          <p:cNvPr id="200" name="Google Shape;200;p17"/>
+          <p:cNvPr id="115" name="Google Shape;115;p16"/>
           <p:cNvSpPr/>
           <p:nvPr/>
         </p:nvSpPr>
         <p:spPr>
           <a:xfrm>
-            <a:off x="7640152" y="2188700"/>
-            <a:ext cx="1311000" cy="1088700"/>
+            <a:off x="7049825" y="2884525"/>
+            <a:ext cx="1534200" cy="1088700"/>
           </a:xfrm>
           <a:prstGeom prst="rect">
             <a:avLst/>
@@ -12099,7 +9273,7 @@
             </a:pPr>
             <a:r>
               <a:rPr lang="en" u="sng"/>
-              <a:t>Traits</a:t>
+              <a:t>Class</a:t>
             </a:r>
             <a:endParaRPr u="sng"/>
           </a:p>
@@ -12122,7 +9296,15 @@
                   <a:srgbClr val="FF0000"/>
                 </a:solidFill>
               </a:rPr>
-              <a:t>T_traitsID</a:t>
+              <a:t>CL_class</a:t>
+            </a:r>
+            <a:r>
+              <a:rPr lang="en" sz="1100">
+                <a:solidFill>
+                  <a:srgbClr val="FF0000"/>
+                </a:solidFill>
+              </a:rPr>
+              <a:t>ID</a:t>
             </a:r>
             <a:r>
               <a:rPr lang="en" sz="1100"/>
@@ -12145,7 +9327,7 @@
             </a:pPr>
             <a:r>
               <a:rPr lang="en" sz="1100"/>
-              <a:t>T_champID | int </a:t>
+              <a:t>CL_name | string </a:t>
             </a:r>
             <a:endParaRPr sz="1100"/>
           </a:p>
@@ -12164,22 +9346,254 @@
             </a:pPr>
             <a:r>
               <a:rPr lang="en" sz="1100"/>
-              <a:t>T_name | string</a:t>
+              <a:t>CL_comment | string</a:t>
             </a:r>
             <a:endParaRPr u="sng"/>
           </a:p>
         </p:txBody>
       </p:sp>
+      <p:cxnSp>
+        <p:nvCxnSpPr>
+          <p:cNvPr id="116" name="Google Shape;116;p16"/>
+          <p:cNvCxnSpPr>
+            <a:stCxn id="105" idx="3"/>
+            <a:endCxn id="115" idx="1"/>
+          </p:cNvCxnSpPr>
+          <p:nvPr/>
+        </p:nvCxnSpPr>
+        <p:spPr>
+          <a:xfrm>
+            <a:off x="6318150" y="3428875"/>
+            <a:ext cx="731700" cy="0"/>
+          </a:xfrm>
+          <a:prstGeom prst="straightConnector1">
+            <a:avLst/>
+          </a:prstGeom>
+          <a:noFill/>
+          <a:ln cap="flat" cmpd="sng" w="9525">
+            <a:solidFill>
+              <a:schemeClr val="dk2"/>
+            </a:solidFill>
+            <a:prstDash val="solid"/>
+            <a:round/>
+            <a:headEnd len="med" w="med" type="none"/>
+            <a:tailEnd len="med" w="med" type="none"/>
+          </a:ln>
+        </p:spPr>
+      </p:cxnSp>
+      <p:cxnSp>
+        <p:nvCxnSpPr>
+          <p:cNvPr id="117" name="Google Shape;117;p16"/>
+          <p:cNvCxnSpPr>
+            <a:stCxn id="105" idx="3"/>
+            <a:endCxn id="106" idx="1"/>
+          </p:cNvCxnSpPr>
+          <p:nvPr/>
+        </p:nvCxnSpPr>
+        <p:spPr>
+          <a:xfrm flipH="1" rot="10800000">
+            <a:off x="6318150" y="2207275"/>
+            <a:ext cx="679800" cy="1221600"/>
+          </a:xfrm>
+          <a:prstGeom prst="straightConnector1">
+            <a:avLst/>
+          </a:prstGeom>
+          <a:noFill/>
+          <a:ln cap="flat" cmpd="sng" w="9525">
+            <a:solidFill>
+              <a:schemeClr val="dk2"/>
+            </a:solidFill>
+            <a:prstDash val="solid"/>
+            <a:round/>
+            <a:headEnd len="med" w="med" type="none"/>
+            <a:tailEnd len="med" w="med" type="none"/>
+          </a:ln>
+        </p:spPr>
+      </p:cxnSp>
+      <p:cxnSp>
+        <p:nvCxnSpPr>
+          <p:cNvPr id="118" name="Google Shape;118;p16"/>
+          <p:cNvCxnSpPr>
+            <a:stCxn id="105" idx="3"/>
+            <a:endCxn id="109" idx="1"/>
+          </p:cNvCxnSpPr>
+          <p:nvPr/>
+        </p:nvCxnSpPr>
+        <p:spPr>
+          <a:xfrm>
+            <a:off x="6318150" y="3428875"/>
+            <a:ext cx="783300" cy="1044900"/>
+          </a:xfrm>
+          <a:prstGeom prst="straightConnector1">
+            <a:avLst/>
+          </a:prstGeom>
+          <a:noFill/>
+          <a:ln cap="flat" cmpd="sng" w="9525">
+            <a:solidFill>
+              <a:schemeClr val="dk2"/>
+            </a:solidFill>
+            <a:prstDash val="solid"/>
+            <a:round/>
+            <a:headEnd len="med" w="med" type="none"/>
+            <a:tailEnd len="med" w="med" type="none"/>
+          </a:ln>
+        </p:spPr>
+      </p:cxnSp>
+      <p:cxnSp>
+        <p:nvCxnSpPr>
+          <p:cNvPr id="119" name="Google Shape;119;p16"/>
+          <p:cNvCxnSpPr>
+            <a:stCxn id="105" idx="0"/>
+            <a:endCxn id="110" idx="2"/>
+          </p:cNvCxnSpPr>
+          <p:nvPr/>
+        </p:nvCxnSpPr>
+        <p:spPr>
+          <a:xfrm rot="10800000">
+            <a:off x="5662650" y="1612225"/>
+            <a:ext cx="0" cy="547500"/>
+          </a:xfrm>
+          <a:prstGeom prst="straightConnector1">
+            <a:avLst/>
+          </a:prstGeom>
+          <a:noFill/>
+          <a:ln cap="flat" cmpd="sng" w="9525">
+            <a:solidFill>
+              <a:schemeClr val="dk2"/>
+            </a:solidFill>
+            <a:prstDash val="solid"/>
+            <a:round/>
+            <a:headEnd len="med" w="med" type="none"/>
+            <a:tailEnd len="med" w="med" type="none"/>
+          </a:ln>
+        </p:spPr>
+      </p:cxnSp>
+      <p:cxnSp>
+        <p:nvCxnSpPr>
+          <p:cNvPr id="120" name="Google Shape;120;p16"/>
+          <p:cNvCxnSpPr>
+            <a:stCxn id="105" idx="1"/>
+            <a:endCxn id="107" idx="3"/>
+          </p:cNvCxnSpPr>
+          <p:nvPr/>
+        </p:nvCxnSpPr>
+        <p:spPr>
+          <a:xfrm rot="10800000">
+            <a:off x="4327350" y="2271775"/>
+            <a:ext cx="679800" cy="1157100"/>
+          </a:xfrm>
+          <a:prstGeom prst="straightConnector1">
+            <a:avLst/>
+          </a:prstGeom>
+          <a:noFill/>
+          <a:ln cap="flat" cmpd="sng" w="9525">
+            <a:solidFill>
+              <a:schemeClr val="dk2"/>
+            </a:solidFill>
+            <a:prstDash val="solid"/>
+            <a:round/>
+            <a:headEnd len="med" w="med" type="none"/>
+            <a:tailEnd len="med" w="med" type="none"/>
+          </a:ln>
+        </p:spPr>
+      </p:cxnSp>
+      <p:cxnSp>
+        <p:nvCxnSpPr>
+          <p:cNvPr id="121" name="Google Shape;121;p16"/>
+          <p:cNvCxnSpPr>
+            <a:stCxn id="105" idx="1"/>
+            <a:endCxn id="114" idx="3"/>
+          </p:cNvCxnSpPr>
+          <p:nvPr/>
+        </p:nvCxnSpPr>
+        <p:spPr>
+          <a:xfrm rot="10800000">
+            <a:off x="4373250" y="3428875"/>
+            <a:ext cx="633900" cy="0"/>
+          </a:xfrm>
+          <a:prstGeom prst="straightConnector1">
+            <a:avLst/>
+          </a:prstGeom>
+          <a:noFill/>
+          <a:ln cap="flat" cmpd="sng" w="9525">
+            <a:solidFill>
+              <a:schemeClr val="dk2"/>
+            </a:solidFill>
+            <a:prstDash val="solid"/>
+            <a:round/>
+            <a:headEnd len="med" w="med" type="none"/>
+            <a:tailEnd len="med" w="med" type="none"/>
+          </a:ln>
+        </p:spPr>
+      </p:cxnSp>
+      <p:cxnSp>
+        <p:nvCxnSpPr>
+          <p:cNvPr id="122" name="Google Shape;122;p16"/>
+          <p:cNvCxnSpPr>
+            <a:stCxn id="105" idx="1"/>
+            <a:endCxn id="111" idx="3"/>
+          </p:cNvCxnSpPr>
+          <p:nvPr/>
+        </p:nvCxnSpPr>
+        <p:spPr>
+          <a:xfrm flipH="1">
+            <a:off x="4400550" y="3428875"/>
+            <a:ext cx="606600" cy="1123200"/>
+          </a:xfrm>
+          <a:prstGeom prst="straightConnector1">
+            <a:avLst/>
+          </a:prstGeom>
+          <a:noFill/>
+          <a:ln cap="flat" cmpd="sng" w="9525">
+            <a:solidFill>
+              <a:schemeClr val="dk2"/>
+            </a:solidFill>
+            <a:prstDash val="solid"/>
+            <a:round/>
+            <a:headEnd len="med" w="med" type="none"/>
+            <a:tailEnd len="med" w="med" type="none"/>
+          </a:ln>
+        </p:spPr>
+      </p:cxnSp>
+      <p:cxnSp>
+        <p:nvCxnSpPr>
+          <p:cNvPr id="123" name="Google Shape;123;p16"/>
+          <p:cNvCxnSpPr>
+            <a:stCxn id="114" idx="1"/>
+            <a:endCxn id="108" idx="3"/>
+          </p:cNvCxnSpPr>
+          <p:nvPr/>
+        </p:nvCxnSpPr>
+        <p:spPr>
+          <a:xfrm rot="10800000">
+            <a:off x="2308688" y="3428863"/>
+            <a:ext cx="633900" cy="0"/>
+          </a:xfrm>
+          <a:prstGeom prst="straightConnector1">
+            <a:avLst/>
+          </a:prstGeom>
+          <a:noFill/>
+          <a:ln cap="flat" cmpd="sng" w="9525">
+            <a:solidFill>
+              <a:schemeClr val="dk2"/>
+            </a:solidFill>
+            <a:prstDash val="solid"/>
+            <a:round/>
+            <a:headEnd len="med" w="med" type="none"/>
+            <a:tailEnd len="med" w="med" type="none"/>
+          </a:ln>
+        </p:spPr>
+      </p:cxnSp>
       <p:sp>
         <p:nvSpPr>
-          <p:cNvPr id="201" name="Google Shape;201;p17"/>
+          <p:cNvPr id="124" name="Google Shape;124;p16"/>
           <p:cNvSpPr/>
           <p:nvPr/>
         </p:nvSpPr>
         <p:spPr>
           <a:xfrm>
-            <a:off x="7402250" y="609825"/>
-            <a:ext cx="1706700" cy="1186200"/>
+            <a:off x="937900" y="4158475"/>
+            <a:ext cx="1430700" cy="786900"/>
           </a:xfrm>
           <a:prstGeom prst="rect">
             <a:avLst/>
@@ -12213,376 +9627,16 @@
               <a:buNone/>
             </a:pPr>
             <a:r>
-              <a:rPr lang="en" u="sng"/>
-              <a:t>Position</a:t>
+              <a:rPr lang="en" u="sng">
+                <a:solidFill>
+                  <a:schemeClr val="dk2"/>
+                </a:solidFill>
+              </a:rPr>
+              <a:t>Team_D</a:t>
             </a:r>
-            <a:endParaRPr u="sng"/>
-          </a:p>
-          <a:p>
-            <a:pPr indent="0" lvl="0" marL="0" rtl="0" algn="l">
-              <a:lnSpc>
-                <a:spcPct val="115000"/>
-              </a:lnSpc>
-              <a:spcBef>
-                <a:spcPts val="0"/>
-              </a:spcBef>
-              <a:spcAft>
-                <a:spcPts val="0"/>
-              </a:spcAft>
-              <a:buNone/>
-            </a:pPr>
-            <a:r>
-              <a:rPr lang="en" sz="1100"/>
-              <a:t>P_name | string</a:t>
-            </a:r>
-            <a:endParaRPr sz="1100"/>
-          </a:p>
-          <a:p>
-            <a:pPr indent="0" lvl="0" marL="0" rtl="0" algn="l">
-              <a:lnSpc>
-                <a:spcPct val="115000"/>
-              </a:lnSpc>
-              <a:spcBef>
-                <a:spcPts val="0"/>
-              </a:spcBef>
-              <a:spcAft>
-                <a:spcPts val="0"/>
-              </a:spcAft>
-              <a:buNone/>
-            </a:pPr>
-            <a:r>
-              <a:rPr lang="en" sz="1100"/>
-              <a:t>P_champID | int </a:t>
-            </a:r>
-            <a:endParaRPr sz="1100"/>
-          </a:p>
-          <a:p>
-            <a:pPr indent="0" lvl="0" marL="0" rtl="0" algn="l">
-              <a:lnSpc>
-                <a:spcPct val="115000"/>
-              </a:lnSpc>
-              <a:spcBef>
-                <a:spcPts val="0"/>
-              </a:spcBef>
-              <a:spcAft>
-                <a:spcPts val="0"/>
-              </a:spcAft>
-              <a:buNone/>
-            </a:pPr>
-            <a:r>
-              <a:rPr lang="en" sz="1100">
-                <a:solidFill>
-                  <a:srgbClr val="FF0000"/>
-                </a:solidFill>
-              </a:rPr>
-              <a:t>p_positionID | int</a:t>
-            </a:r>
-            <a:endParaRPr u="sng"/>
-          </a:p>
-        </p:txBody>
-      </p:sp>
-      <p:sp>
-        <p:nvSpPr>
-          <p:cNvPr id="202" name="Google Shape;202;p17"/>
-          <p:cNvSpPr/>
-          <p:nvPr/>
-        </p:nvSpPr>
-        <p:spPr>
-          <a:xfrm>
-            <a:off x="7640150" y="3464775"/>
-            <a:ext cx="1311000" cy="1027200"/>
-          </a:xfrm>
-          <a:prstGeom prst="rect">
-            <a:avLst/>
-          </a:prstGeom>
-          <a:solidFill>
-            <a:schemeClr val="lt2"/>
-          </a:solidFill>
-          <a:ln cap="flat" cmpd="sng" w="9525">
-            <a:solidFill>
-              <a:schemeClr val="dk2"/>
-            </a:solidFill>
-            <a:prstDash val="solid"/>
-            <a:round/>
-            <a:headEnd len="sm" w="sm" type="none"/>
-            <a:tailEnd len="sm" w="sm" type="none"/>
-          </a:ln>
-        </p:spPr>
-        <p:txBody>
-          <a:bodyPr anchorCtr="0" anchor="ctr" bIns="91425" lIns="91425" spcFirstLastPara="1" rIns="91425" wrap="square" tIns="91425">
-            <a:noAutofit/>
-          </a:bodyPr>
-          <a:lstStyle/>
-          <a:p>
-            <a:pPr indent="0" lvl="0" marL="0" rtl="0" algn="l">
-              <a:spcBef>
-                <a:spcPts val="0"/>
-              </a:spcBef>
-              <a:spcAft>
-                <a:spcPts val="0"/>
-              </a:spcAft>
-              <a:buNone/>
-            </a:pPr>
-            <a:r>
-              <a:rPr lang="en" u="sng"/>
-              <a:t>Item</a:t>
-            </a:r>
-            <a:endParaRPr u="sng"/>
-          </a:p>
-          <a:p>
-            <a:pPr indent="0" lvl="0" marL="0" rtl="0" algn="l">
-              <a:lnSpc>
-                <a:spcPct val="115000"/>
-              </a:lnSpc>
-              <a:spcBef>
-                <a:spcPts val="0"/>
-              </a:spcBef>
-              <a:spcAft>
-                <a:spcPts val="0"/>
-              </a:spcAft>
-              <a:buNone/>
-            </a:pPr>
-            <a:r>
-              <a:rPr lang="en" sz="1100"/>
-              <a:t>I_name | string</a:t>
-            </a:r>
-            <a:endParaRPr sz="1100"/>
-          </a:p>
-          <a:p>
-            <a:pPr indent="0" lvl="0" marL="0" rtl="0" algn="l">
-              <a:lnSpc>
-                <a:spcPct val="115000"/>
-              </a:lnSpc>
-              <a:spcBef>
-                <a:spcPts val="0"/>
-              </a:spcBef>
-              <a:spcAft>
-                <a:spcPts val="0"/>
-              </a:spcAft>
-              <a:buNone/>
-            </a:pPr>
-            <a:r>
-              <a:rPr lang="en" sz="1100">
-                <a:solidFill>
-                  <a:srgbClr val="FF0000"/>
-                </a:solidFill>
-              </a:rPr>
-              <a:t>I_itemID</a:t>
-            </a:r>
-            <a:r>
-              <a:rPr lang="en" sz="1100"/>
-              <a:t> | int </a:t>
-            </a:r>
-            <a:endParaRPr sz="1100"/>
-          </a:p>
-          <a:p>
-            <a:pPr indent="0" lvl="0" marL="0" rtl="0" algn="l">
-              <a:lnSpc>
-                <a:spcPct val="115000"/>
-              </a:lnSpc>
-              <a:spcBef>
-                <a:spcPts val="0"/>
-              </a:spcBef>
-              <a:spcAft>
-                <a:spcPts val="0"/>
-              </a:spcAft>
-              <a:buNone/>
-            </a:pPr>
-            <a:r>
-              <a:rPr lang="en" sz="1100"/>
-              <a:t>I_comb | string </a:t>
-            </a:r>
-            <a:endParaRPr sz="1100"/>
-          </a:p>
-        </p:txBody>
-      </p:sp>
-      <p:sp>
-        <p:nvSpPr>
-          <p:cNvPr id="203" name="Google Shape;203;p17"/>
-          <p:cNvSpPr/>
-          <p:nvPr/>
-        </p:nvSpPr>
-        <p:spPr>
-          <a:xfrm>
-            <a:off x="5608500" y="4135725"/>
-            <a:ext cx="1430700" cy="871500"/>
-          </a:xfrm>
-          <a:prstGeom prst="rect">
-            <a:avLst/>
-          </a:prstGeom>
-          <a:solidFill>
-            <a:schemeClr val="lt2"/>
-          </a:solidFill>
-          <a:ln cap="flat" cmpd="sng" w="9525">
-            <a:solidFill>
-              <a:schemeClr val="dk2"/>
-            </a:solidFill>
-            <a:prstDash val="solid"/>
-            <a:round/>
-            <a:headEnd len="sm" w="sm" type="none"/>
-            <a:tailEnd len="sm" w="sm" type="none"/>
-          </a:ln>
-        </p:spPr>
-        <p:txBody>
-          <a:bodyPr anchorCtr="0" anchor="ctr" bIns="91425" lIns="91425" spcFirstLastPara="1" rIns="91425" wrap="square" tIns="91425">
-            <a:noAutofit/>
-          </a:bodyPr>
-          <a:lstStyle/>
-          <a:p>
-            <a:pPr indent="0" lvl="0" marL="0" rtl="0" algn="l">
-              <a:spcBef>
-                <a:spcPts val="0"/>
-              </a:spcBef>
-              <a:spcAft>
-                <a:spcPts val="0"/>
-              </a:spcAft>
-              <a:buNone/>
-            </a:pPr>
-            <a:r>
-              <a:rPr lang="en" u="sng"/>
-              <a:t>Region</a:t>
-            </a:r>
-            <a:endParaRPr u="sng"/>
-          </a:p>
-          <a:p>
-            <a:pPr indent="0" lvl="0" marL="0" rtl="0" algn="l">
-              <a:lnSpc>
-                <a:spcPct val="115000"/>
-              </a:lnSpc>
-              <a:spcBef>
-                <a:spcPts val="0"/>
-              </a:spcBef>
-              <a:spcAft>
-                <a:spcPts val="0"/>
-              </a:spcAft>
-              <a:buNone/>
-            </a:pPr>
-            <a:r>
-              <a:rPr lang="en" sz="1100"/>
-              <a:t>R_champID | int </a:t>
-            </a:r>
-            <a:endParaRPr sz="1100"/>
-          </a:p>
-          <a:p>
-            <a:pPr indent="0" lvl="0" marL="0" rtl="0" algn="l">
-              <a:lnSpc>
-                <a:spcPct val="115000"/>
-              </a:lnSpc>
-              <a:spcBef>
-                <a:spcPts val="0"/>
-              </a:spcBef>
-              <a:spcAft>
-                <a:spcPts val="0"/>
-              </a:spcAft>
-              <a:buNone/>
-            </a:pPr>
-            <a:r>
-              <a:rPr lang="en" sz="1100">
-                <a:solidFill>
-                  <a:srgbClr val="FF0000"/>
-                </a:solidFill>
-              </a:rPr>
-              <a:t>R_regionID</a:t>
-            </a:r>
-            <a:r>
-              <a:rPr lang="en" sz="1100"/>
-              <a:t> | int </a:t>
-            </a:r>
-            <a:endParaRPr sz="1100"/>
-          </a:p>
-          <a:p>
-            <a:pPr indent="0" lvl="0" marL="0" rtl="0" algn="l">
-              <a:lnSpc>
-                <a:spcPct val="115000"/>
-              </a:lnSpc>
-              <a:spcBef>
-                <a:spcPts val="0"/>
-              </a:spcBef>
-              <a:spcAft>
-                <a:spcPts val="0"/>
-              </a:spcAft>
-              <a:buNone/>
-            </a:pPr>
-            <a:r>
-              <a:rPr lang="en" sz="1100"/>
-              <a:t>R_name | string</a:t>
-            </a:r>
-            <a:endParaRPr u="sng"/>
-          </a:p>
-        </p:txBody>
-      </p:sp>
-      <p:sp>
-        <p:nvSpPr>
-          <p:cNvPr id="204" name="Google Shape;204;p17"/>
-          <p:cNvSpPr/>
-          <p:nvPr/>
-        </p:nvSpPr>
-        <p:spPr>
-          <a:xfrm>
-            <a:off x="5160200" y="669525"/>
-            <a:ext cx="1430700" cy="959400"/>
-          </a:xfrm>
-          <a:prstGeom prst="rect">
-            <a:avLst/>
-          </a:prstGeom>
-          <a:solidFill>
-            <a:schemeClr val="lt2"/>
-          </a:solidFill>
-          <a:ln cap="flat" cmpd="sng" w="9525">
-            <a:solidFill>
-              <a:schemeClr val="dk2"/>
-            </a:solidFill>
-            <a:prstDash val="solid"/>
-            <a:round/>
-            <a:headEnd len="sm" w="sm" type="none"/>
-            <a:tailEnd len="sm" w="sm" type="none"/>
-          </a:ln>
-        </p:spPr>
-        <p:txBody>
-          <a:bodyPr anchorCtr="0" anchor="ctr" bIns="91425" lIns="91425" spcFirstLastPara="1" rIns="91425" wrap="square" tIns="91425">
-            <a:noAutofit/>
-          </a:bodyPr>
-          <a:lstStyle/>
-          <a:p>
-            <a:pPr indent="0" lvl="0" marL="0" rtl="0" algn="l">
-              <a:spcBef>
-                <a:spcPts val="0"/>
-              </a:spcBef>
-              <a:spcAft>
-                <a:spcPts val="0"/>
-              </a:spcAft>
-              <a:buNone/>
-            </a:pPr>
-            <a:r>
-              <a:rPr lang="en" u="sng"/>
-              <a:t>Price</a:t>
-            </a:r>
-            <a:endParaRPr u="sng"/>
-          </a:p>
-          <a:p>
-            <a:pPr indent="0" lvl="0" marL="0" rtl="0" algn="l">
-              <a:lnSpc>
-                <a:spcPct val="115000"/>
-              </a:lnSpc>
-              <a:spcBef>
-                <a:spcPts val="0"/>
-              </a:spcBef>
-              <a:spcAft>
-                <a:spcPts val="0"/>
-              </a:spcAft>
-              <a:buNone/>
-            </a:pPr>
-            <a:r>
-              <a:rPr lang="en" sz="1100">
-                <a:solidFill>
-                  <a:srgbClr val="FF0000"/>
-                </a:solidFill>
-              </a:rPr>
-              <a:t>pr_Price | int </a:t>
-            </a:r>
-            <a:endParaRPr sz="1100">
+            <a:endParaRPr u="sng">
               <a:solidFill>
-                <a:srgbClr val="FF0000"/>
+                <a:schemeClr val="dk2"/>
               </a:solidFill>
             </a:endParaRPr>
           </a:p>
@@ -12600,10 +9654,18 @@
               <a:buNone/>
             </a:pPr>
             <a:r>
-              <a:rPr lang="en" sz="1100"/>
-              <a:t>Pr_sellPrice | int </a:t>
+              <a:rPr lang="en" sz="1100">
+                <a:solidFill>
+                  <a:schemeClr val="dk2"/>
+                </a:solidFill>
+              </a:rPr>
+              <a:t>T_teamID | int</a:t>
             </a:r>
-            <a:endParaRPr sz="1100"/>
+            <a:endParaRPr sz="1100">
+              <a:solidFill>
+                <a:schemeClr val="dk2"/>
+              </a:solidFill>
+            </a:endParaRPr>
           </a:p>
           <a:p>
             <a:pPr indent="0" lvl="0" marL="0" rtl="0" algn="l">
@@ -12619,25 +9681,61 @@
               <a:buNone/>
             </a:pPr>
             <a:r>
-              <a:rPr lang="en" sz="1100"/>
-              <a:t>PR_champID | int </a:t>
+              <a:rPr lang="en" sz="1100">
+                <a:solidFill>
+                  <a:schemeClr val="dk2"/>
+                </a:solidFill>
+              </a:rPr>
+              <a:t>T_name | String</a:t>
             </a:r>
-            <a:endParaRPr u="sng"/>
+            <a:endParaRPr sz="1100">
+              <a:solidFill>
+                <a:schemeClr val="dk2"/>
+              </a:solidFill>
+            </a:endParaRPr>
+          </a:p>
+          <a:p>
+            <a:pPr indent="0" lvl="0" marL="0" rtl="0" algn="l">
+              <a:lnSpc>
+                <a:spcPct val="115000"/>
+              </a:lnSpc>
+              <a:spcBef>
+                <a:spcPts val="0"/>
+              </a:spcBef>
+              <a:spcAft>
+                <a:spcPts val="0"/>
+              </a:spcAft>
+              <a:buNone/>
+            </a:pPr>
+            <a:r>
+              <a:rPr lang="en" sz="1100">
+                <a:solidFill>
+                  <a:schemeClr val="dk2"/>
+                </a:solidFill>
+              </a:rPr>
+              <a:t>T_comment | String</a:t>
+            </a:r>
+            <a:endParaRPr sz="1100">
+              <a:solidFill>
+                <a:schemeClr val="dk2"/>
+              </a:solidFill>
+            </a:endParaRPr>
           </a:p>
         </p:txBody>
       </p:sp>
       <p:cxnSp>
         <p:nvCxnSpPr>
-          <p:cNvPr id="205" name="Google Shape;205;p17"/>
+          <p:cNvPr id="125" name="Google Shape;125;p16"/>
           <p:cNvCxnSpPr>
-            <a:stCxn id="203" idx="1"/>
+            <a:stCxn id="124" idx="3"/>
+            <a:endCxn id="111" idx="1"/>
           </p:cNvCxnSpPr>
           <p:nvPr/>
         </p:nvCxnSpPr>
         <p:spPr>
-          <a:xfrm rot="10800000">
-            <a:off x="4950900" y="3891375"/>
-            <a:ext cx="657600" cy="680100"/>
+          <a:xfrm>
+            <a:off x="2368600" y="4551925"/>
+            <a:ext cx="546600" cy="0"/>
           </a:xfrm>
           <a:prstGeom prst="straightConnector1">
             <a:avLst/>
@@ -12654,1034 +9752,138 @@
           </a:ln>
         </p:spPr>
       </p:cxnSp>
-      <p:cxnSp>
-        <p:nvCxnSpPr>
-          <p:cNvPr id="206" name="Google Shape;206;p17"/>
-          <p:cNvCxnSpPr>
-            <a:stCxn id="200" idx="1"/>
-          </p:cNvCxnSpPr>
-          <p:nvPr/>
-        </p:nvCxnSpPr>
-        <p:spPr>
-          <a:xfrm flipH="1">
-            <a:off x="4931452" y="2733050"/>
-            <a:ext cx="2708700" cy="426300"/>
-          </a:xfrm>
-          <a:prstGeom prst="straightConnector1">
-            <a:avLst/>
-          </a:prstGeom>
-          <a:noFill/>
-          <a:ln cap="flat" cmpd="sng" w="9525">
-            <a:solidFill>
-              <a:schemeClr val="dk2"/>
-            </a:solidFill>
-            <a:prstDash val="solid"/>
-            <a:round/>
-            <a:headEnd len="med" w="med" type="none"/>
-            <a:tailEnd len="med" w="med" type="none"/>
-          </a:ln>
-        </p:spPr>
-      </p:cxnSp>
-      <p:cxnSp>
-        <p:nvCxnSpPr>
-          <p:cNvPr id="207" name="Google Shape;207;p17"/>
-          <p:cNvCxnSpPr>
-            <a:stCxn id="201" idx="1"/>
-          </p:cNvCxnSpPr>
-          <p:nvPr/>
-        </p:nvCxnSpPr>
-        <p:spPr>
-          <a:xfrm flipH="1">
-            <a:off x="4941350" y="1202925"/>
-            <a:ext cx="2460900" cy="1590300"/>
-          </a:xfrm>
-          <a:prstGeom prst="straightConnector1">
-            <a:avLst/>
-          </a:prstGeom>
-          <a:noFill/>
-          <a:ln cap="flat" cmpd="sng" w="9525">
-            <a:solidFill>
-              <a:schemeClr val="dk2"/>
-            </a:solidFill>
-            <a:prstDash val="solid"/>
-            <a:round/>
-            <a:headEnd len="med" w="med" type="none"/>
-            <a:tailEnd len="med" w="med" type="none"/>
-          </a:ln>
-        </p:spPr>
-      </p:cxnSp>
-      <p:sp>
-        <p:nvSpPr>
-          <p:cNvPr id="208" name="Google Shape;208;p17"/>
-          <p:cNvSpPr/>
-          <p:nvPr/>
-        </p:nvSpPr>
-        <p:spPr>
-          <a:xfrm>
-            <a:off x="37300" y="2296850"/>
-            <a:ext cx="1311000" cy="2176800"/>
-          </a:xfrm>
-          <a:prstGeom prst="rect">
-            <a:avLst/>
-          </a:prstGeom>
-          <a:solidFill>
-            <a:schemeClr val="lt2"/>
-          </a:solidFill>
-          <a:ln cap="flat" cmpd="sng" w="9525">
-            <a:solidFill>
-              <a:schemeClr val="dk2"/>
-            </a:solidFill>
-            <a:prstDash val="solid"/>
-            <a:round/>
-            <a:headEnd len="sm" w="sm" type="none"/>
-            <a:tailEnd len="sm" w="sm" type="none"/>
-          </a:ln>
-        </p:spPr>
-        <p:txBody>
-          <a:bodyPr anchorCtr="0" anchor="ctr" bIns="91425" lIns="91425" spcFirstLastPara="1" rIns="91425" wrap="square" tIns="91425">
-            <a:noAutofit/>
-          </a:bodyPr>
-          <a:lstStyle/>
-          <a:p>
-            <a:pPr indent="0" lvl="0" marL="0" rtl="0" algn="l">
-              <a:spcBef>
-                <a:spcPts val="0"/>
-              </a:spcBef>
-              <a:spcAft>
-                <a:spcPts val="0"/>
-              </a:spcAft>
-              <a:buNone/>
-            </a:pPr>
-            <a:r>
-              <a:rPr lang="en" u="sng"/>
-              <a:t>Team</a:t>
-            </a:r>
-            <a:endParaRPr u="sng"/>
-          </a:p>
-          <a:p>
-            <a:pPr indent="0" lvl="0" marL="0" rtl="0" algn="l">
-              <a:lnSpc>
-                <a:spcPct val="115000"/>
-              </a:lnSpc>
-              <a:spcBef>
-                <a:spcPts val="0"/>
-              </a:spcBef>
-              <a:spcAft>
-                <a:spcPts val="0"/>
-              </a:spcAft>
-              <a:buNone/>
-            </a:pPr>
-            <a:r>
-              <a:rPr lang="en" sz="1100">
-                <a:solidFill>
-                  <a:srgbClr val="FF0000"/>
-                </a:solidFill>
-              </a:rPr>
-              <a:t>T_champList | string </a:t>
-            </a:r>
-            <a:endParaRPr sz="1100">
-              <a:solidFill>
-                <a:srgbClr val="FF0000"/>
-              </a:solidFill>
-            </a:endParaRPr>
-          </a:p>
-          <a:p>
-            <a:pPr indent="0" lvl="0" marL="0" rtl="0" algn="l">
-              <a:lnSpc>
-                <a:spcPct val="115000"/>
-              </a:lnSpc>
-              <a:spcBef>
-                <a:spcPts val="0"/>
-              </a:spcBef>
-              <a:spcAft>
-                <a:spcPts val="0"/>
-              </a:spcAft>
-              <a:buNone/>
-            </a:pPr>
-            <a:r>
-              <a:rPr lang="en" sz="1100">
-                <a:solidFill>
-                  <a:srgbClr val="FF0000"/>
-                </a:solidFill>
-              </a:rPr>
-              <a:t>T_teamID | int</a:t>
-            </a:r>
-            <a:endParaRPr sz="1100">
-              <a:solidFill>
-                <a:srgbClr val="FF0000"/>
-              </a:solidFill>
-            </a:endParaRPr>
-          </a:p>
-          <a:p>
-            <a:pPr indent="0" lvl="0" marL="0" rtl="0" algn="l">
-              <a:lnSpc>
-                <a:spcPct val="115000"/>
-              </a:lnSpc>
-              <a:spcBef>
-                <a:spcPts val="0"/>
-              </a:spcBef>
-              <a:spcAft>
-                <a:spcPts val="0"/>
-              </a:spcAft>
-              <a:buNone/>
-            </a:pPr>
-            <a:r>
-              <a:t/>
-            </a:r>
-            <a:endParaRPr sz="1100">
-              <a:solidFill>
-                <a:srgbClr val="FF0000"/>
-              </a:solidFill>
-            </a:endParaRPr>
-          </a:p>
-        </p:txBody>
-      </p:sp>
-      <p:sp>
-        <p:nvSpPr>
-          <p:cNvPr id="209" name="Google Shape;209;p17"/>
-          <p:cNvSpPr/>
-          <p:nvPr/>
-        </p:nvSpPr>
-        <p:spPr>
-          <a:xfrm>
-            <a:off x="1656375" y="3178163"/>
-            <a:ext cx="1430700" cy="414175"/>
-          </a:xfrm>
-          <a:prstGeom prst="flowChartDecision">
-            <a:avLst/>
-          </a:prstGeom>
-          <a:solidFill>
-            <a:schemeClr val="lt2"/>
-          </a:solidFill>
-          <a:ln cap="flat" cmpd="sng" w="9525">
-            <a:solidFill>
-              <a:schemeClr val="dk2"/>
-            </a:solidFill>
-            <a:prstDash val="solid"/>
-            <a:round/>
-            <a:headEnd len="sm" w="sm" type="none"/>
-            <a:tailEnd len="sm" w="sm" type="none"/>
-          </a:ln>
-        </p:spPr>
-        <p:txBody>
-          <a:bodyPr anchorCtr="0" anchor="ctr" bIns="91425" lIns="91425" spcFirstLastPara="1" rIns="91425" wrap="square" tIns="91425">
-            <a:noAutofit/>
-          </a:bodyPr>
-          <a:lstStyle/>
-          <a:p>
-            <a:pPr indent="0" lvl="0" marL="0" rtl="0" algn="l">
-              <a:spcBef>
-                <a:spcPts val="0"/>
-              </a:spcBef>
-              <a:spcAft>
-                <a:spcPts val="0"/>
-              </a:spcAft>
-              <a:buNone/>
-            </a:pPr>
-            <a:r>
-              <a:rPr lang="en" sz="1200"/>
-              <a:t>include</a:t>
-            </a:r>
-            <a:endParaRPr sz="1200"/>
-          </a:p>
-        </p:txBody>
-      </p:sp>
-      <p:cxnSp>
-        <p:nvCxnSpPr>
-          <p:cNvPr id="210" name="Google Shape;210;p17"/>
-          <p:cNvCxnSpPr>
-            <a:stCxn id="209" idx="3"/>
-            <a:endCxn id="199" idx="1"/>
-          </p:cNvCxnSpPr>
-          <p:nvPr/>
-        </p:nvCxnSpPr>
-        <p:spPr>
-          <a:xfrm>
-            <a:off x="3087075" y="3385250"/>
-            <a:ext cx="148500" cy="0"/>
-          </a:xfrm>
-          <a:prstGeom prst="straightConnector1">
-            <a:avLst/>
-          </a:prstGeom>
-          <a:noFill/>
-          <a:ln cap="flat" cmpd="sng" w="9525">
-            <a:solidFill>
-              <a:schemeClr val="dk2"/>
-            </a:solidFill>
-            <a:prstDash val="solid"/>
-            <a:round/>
-            <a:headEnd len="med" w="med" type="none"/>
-            <a:tailEnd len="med" w="med" type="none"/>
-          </a:ln>
-        </p:spPr>
-      </p:cxnSp>
-      <p:sp>
-        <p:nvSpPr>
-          <p:cNvPr id="211" name="Google Shape;211;p17"/>
-          <p:cNvSpPr/>
-          <p:nvPr/>
-        </p:nvSpPr>
-        <p:spPr>
-          <a:xfrm>
-            <a:off x="3650275" y="1009025"/>
-            <a:ext cx="877300" cy="280400"/>
-          </a:xfrm>
-          <a:prstGeom prst="flowChartDecision">
-            <a:avLst/>
-          </a:prstGeom>
-          <a:solidFill>
-            <a:schemeClr val="lt2"/>
-          </a:solidFill>
-          <a:ln cap="flat" cmpd="sng" w="9525">
-            <a:solidFill>
-              <a:schemeClr val="dk2"/>
-            </a:solidFill>
-            <a:prstDash val="solid"/>
-            <a:round/>
-            <a:headEnd len="sm" w="sm" type="none"/>
-            <a:tailEnd len="sm" w="sm" type="none"/>
-          </a:ln>
-        </p:spPr>
-        <p:txBody>
-          <a:bodyPr anchorCtr="0" anchor="ctr" bIns="91425" lIns="91425" spcFirstLastPara="1" rIns="91425" wrap="square" tIns="91425">
-            <a:noAutofit/>
-          </a:bodyPr>
-          <a:lstStyle/>
-          <a:p>
-            <a:pPr indent="0" lvl="0" marL="0" rtl="0" algn="l">
-              <a:spcBef>
-                <a:spcPts val="0"/>
-              </a:spcBef>
-              <a:spcAft>
-                <a:spcPts val="0"/>
-              </a:spcAft>
-              <a:buNone/>
-            </a:pPr>
-            <a:r>
-              <a:rPr lang="en" sz="1200"/>
-              <a:t>pay</a:t>
-            </a:r>
-            <a:endParaRPr sz="1200"/>
-          </a:p>
-        </p:txBody>
-      </p:sp>
-      <p:cxnSp>
-        <p:nvCxnSpPr>
-          <p:cNvPr id="212" name="Google Shape;212;p17"/>
-          <p:cNvCxnSpPr>
-            <a:stCxn id="204" idx="1"/>
-            <a:endCxn id="211" idx="3"/>
-          </p:cNvCxnSpPr>
-          <p:nvPr/>
-        </p:nvCxnSpPr>
-        <p:spPr>
-          <a:xfrm rot="10800000">
-            <a:off x="4527500" y="1149225"/>
-            <a:ext cx="632700" cy="0"/>
-          </a:xfrm>
-          <a:prstGeom prst="straightConnector1">
-            <a:avLst/>
-          </a:prstGeom>
-          <a:noFill/>
-          <a:ln cap="flat" cmpd="sng" w="9525">
-            <a:solidFill>
-              <a:schemeClr val="dk2"/>
-            </a:solidFill>
-            <a:prstDash val="solid"/>
-            <a:round/>
-            <a:headEnd len="med" w="med" type="none"/>
-            <a:tailEnd len="med" w="med" type="none"/>
-          </a:ln>
-        </p:spPr>
-      </p:cxnSp>
-      <p:cxnSp>
-        <p:nvCxnSpPr>
-          <p:cNvPr id="213" name="Google Shape;213;p17"/>
-          <p:cNvCxnSpPr/>
-          <p:nvPr/>
-        </p:nvCxnSpPr>
-        <p:spPr>
-          <a:xfrm rot="10800000">
-            <a:off x="4096625" y="2022975"/>
-            <a:ext cx="110400" cy="221100"/>
-          </a:xfrm>
-          <a:prstGeom prst="straightConnector1">
-            <a:avLst/>
-          </a:prstGeom>
-          <a:noFill/>
-          <a:ln cap="flat" cmpd="sng" w="9525">
-            <a:solidFill>
-              <a:schemeClr val="dk2"/>
-            </a:solidFill>
-            <a:prstDash val="solid"/>
-            <a:round/>
-            <a:headEnd len="med" w="med" type="none"/>
-            <a:tailEnd len="med" w="med" type="none"/>
-          </a:ln>
-        </p:spPr>
-      </p:cxnSp>
-      <p:cxnSp>
-        <p:nvCxnSpPr>
-          <p:cNvPr id="214" name="Google Shape;214;p17"/>
-          <p:cNvCxnSpPr/>
-          <p:nvPr/>
-        </p:nvCxnSpPr>
-        <p:spPr>
-          <a:xfrm rot="10800000">
-            <a:off x="4086325" y="2013075"/>
-            <a:ext cx="10200" cy="231000"/>
-          </a:xfrm>
-          <a:prstGeom prst="straightConnector1">
-            <a:avLst/>
-          </a:prstGeom>
-          <a:noFill/>
-          <a:ln cap="flat" cmpd="sng" w="9525">
-            <a:solidFill>
-              <a:schemeClr val="dk2"/>
-            </a:solidFill>
-            <a:prstDash val="solid"/>
-            <a:round/>
-            <a:headEnd len="med" w="med" type="none"/>
-            <a:tailEnd len="med" w="med" type="none"/>
-          </a:ln>
-        </p:spPr>
-      </p:cxnSp>
-      <p:cxnSp>
-        <p:nvCxnSpPr>
-          <p:cNvPr id="215" name="Google Shape;215;p17"/>
-          <p:cNvCxnSpPr/>
-          <p:nvPr/>
-        </p:nvCxnSpPr>
-        <p:spPr>
-          <a:xfrm flipH="1">
-            <a:off x="3975625" y="2013025"/>
-            <a:ext cx="100800" cy="228900"/>
-          </a:xfrm>
-          <a:prstGeom prst="straightConnector1">
-            <a:avLst/>
-          </a:prstGeom>
-          <a:noFill/>
-          <a:ln cap="flat" cmpd="sng" w="9525">
-            <a:solidFill>
-              <a:schemeClr val="dk2"/>
-            </a:solidFill>
-            <a:prstDash val="solid"/>
-            <a:round/>
-            <a:headEnd len="med" w="med" type="none"/>
-            <a:tailEnd len="med" w="med" type="none"/>
-          </a:ln>
-        </p:spPr>
-      </p:cxnSp>
-      <p:cxnSp>
-        <p:nvCxnSpPr>
-          <p:cNvPr id="216" name="Google Shape;216;p17"/>
-          <p:cNvCxnSpPr>
-            <a:stCxn id="211" idx="2"/>
-          </p:cNvCxnSpPr>
-          <p:nvPr/>
-        </p:nvCxnSpPr>
-        <p:spPr>
-          <a:xfrm>
-            <a:off x="4088925" y="1289425"/>
-            <a:ext cx="4800" cy="723600"/>
-          </a:xfrm>
-          <a:prstGeom prst="straightConnector1">
-            <a:avLst/>
-          </a:prstGeom>
-          <a:noFill/>
-          <a:ln cap="flat" cmpd="sng" w="9525">
-            <a:solidFill>
-              <a:schemeClr val="dk2"/>
-            </a:solidFill>
-            <a:prstDash val="solid"/>
-            <a:round/>
-            <a:headEnd len="med" w="med" type="none"/>
-            <a:tailEnd len="med" w="med" type="none"/>
-          </a:ln>
-        </p:spPr>
-      </p:cxnSp>
-      <p:cxnSp>
-        <p:nvCxnSpPr>
-          <p:cNvPr id="217" name="Google Shape;217;p17"/>
-          <p:cNvCxnSpPr/>
-          <p:nvPr/>
-        </p:nvCxnSpPr>
-        <p:spPr>
-          <a:xfrm rot="-5400000">
-            <a:off x="1447150" y="3349900"/>
-            <a:ext cx="110400" cy="191700"/>
-          </a:xfrm>
-          <a:prstGeom prst="straightConnector1">
-            <a:avLst/>
-          </a:prstGeom>
-          <a:noFill/>
-          <a:ln cap="flat" cmpd="sng" w="9525">
-            <a:solidFill>
-              <a:schemeClr val="dk2"/>
-            </a:solidFill>
-            <a:prstDash val="solid"/>
-            <a:round/>
-            <a:headEnd len="med" w="med" type="none"/>
-            <a:tailEnd len="med" w="med" type="none"/>
-          </a:ln>
-        </p:spPr>
-      </p:cxnSp>
-      <p:cxnSp>
-        <p:nvCxnSpPr>
-          <p:cNvPr id="218" name="Google Shape;218;p17"/>
-          <p:cNvCxnSpPr/>
-          <p:nvPr/>
-        </p:nvCxnSpPr>
-        <p:spPr>
-          <a:xfrm rot="-5400000">
-            <a:off x="1501600" y="3285150"/>
-            <a:ext cx="10200" cy="200400"/>
-          </a:xfrm>
-          <a:prstGeom prst="straightConnector1">
-            <a:avLst/>
-          </a:prstGeom>
-          <a:noFill/>
-          <a:ln cap="flat" cmpd="sng" w="9525">
-            <a:solidFill>
-              <a:schemeClr val="dk2"/>
-            </a:solidFill>
-            <a:prstDash val="solid"/>
-            <a:round/>
-            <a:headEnd len="med" w="med" type="none"/>
-            <a:tailEnd len="med" w="med" type="none"/>
-          </a:ln>
-        </p:spPr>
-      </p:cxnSp>
-      <p:cxnSp>
-        <p:nvCxnSpPr>
-          <p:cNvPr id="219" name="Google Shape;219;p17"/>
-          <p:cNvCxnSpPr/>
-          <p:nvPr/>
-        </p:nvCxnSpPr>
-        <p:spPr>
-          <a:xfrm flipH="1" rot="5400000">
-            <a:off x="1457228" y="3220650"/>
-            <a:ext cx="100800" cy="198600"/>
-          </a:xfrm>
-          <a:prstGeom prst="straightConnector1">
-            <a:avLst/>
-          </a:prstGeom>
-          <a:noFill/>
-          <a:ln cap="flat" cmpd="sng" w="9525">
-            <a:solidFill>
-              <a:schemeClr val="dk2"/>
-            </a:solidFill>
-            <a:prstDash val="solid"/>
-            <a:round/>
-            <a:headEnd len="med" w="med" type="none"/>
-            <a:tailEnd len="med" w="med" type="none"/>
-          </a:ln>
-        </p:spPr>
-      </p:cxnSp>
-      <p:cxnSp>
-        <p:nvCxnSpPr>
-          <p:cNvPr id="220" name="Google Shape;220;p17"/>
-          <p:cNvCxnSpPr>
-            <a:stCxn id="209" idx="1"/>
-          </p:cNvCxnSpPr>
-          <p:nvPr/>
-        </p:nvCxnSpPr>
-        <p:spPr>
-          <a:xfrm flipH="1">
-            <a:off x="1606575" y="3385250"/>
-            <a:ext cx="49800" cy="2400"/>
-          </a:xfrm>
-          <a:prstGeom prst="straightConnector1">
-            <a:avLst/>
-          </a:prstGeom>
-          <a:noFill/>
-          <a:ln cap="flat" cmpd="sng" w="9525">
-            <a:solidFill>
-              <a:schemeClr val="dk2"/>
-            </a:solidFill>
-            <a:prstDash val="solid"/>
-            <a:round/>
-            <a:headEnd len="med" w="med" type="none"/>
-            <a:tailEnd len="med" w="med" type="none"/>
-          </a:ln>
-        </p:spPr>
-      </p:cxnSp>
-      <p:cxnSp>
-        <p:nvCxnSpPr>
-          <p:cNvPr id="221" name="Google Shape;221;p17"/>
-          <p:cNvCxnSpPr/>
-          <p:nvPr/>
-        </p:nvCxnSpPr>
-        <p:spPr>
-          <a:xfrm rot="-5400000">
-            <a:off x="4972350" y="3593363"/>
-            <a:ext cx="110400" cy="191700"/>
-          </a:xfrm>
-          <a:prstGeom prst="straightConnector1">
-            <a:avLst/>
-          </a:prstGeom>
-          <a:noFill/>
-          <a:ln cap="flat" cmpd="sng" w="9525">
-            <a:solidFill>
-              <a:schemeClr val="dk2"/>
-            </a:solidFill>
-            <a:prstDash val="solid"/>
-            <a:round/>
-            <a:headEnd len="med" w="med" type="none"/>
-            <a:tailEnd len="med" w="med" type="none"/>
-          </a:ln>
-        </p:spPr>
-      </p:cxnSp>
-      <p:cxnSp>
-        <p:nvCxnSpPr>
-          <p:cNvPr id="222" name="Google Shape;222;p17"/>
-          <p:cNvCxnSpPr/>
-          <p:nvPr/>
-        </p:nvCxnSpPr>
-        <p:spPr>
-          <a:xfrm rot="-5400000">
-            <a:off x="5026800" y="3528613"/>
-            <a:ext cx="10200" cy="200400"/>
-          </a:xfrm>
-          <a:prstGeom prst="straightConnector1">
-            <a:avLst/>
-          </a:prstGeom>
-          <a:noFill/>
-          <a:ln cap="flat" cmpd="sng" w="9525">
-            <a:solidFill>
-              <a:schemeClr val="dk2"/>
-            </a:solidFill>
-            <a:prstDash val="solid"/>
-            <a:round/>
-            <a:headEnd len="med" w="med" type="none"/>
-            <a:tailEnd len="med" w="med" type="none"/>
-          </a:ln>
-        </p:spPr>
-      </p:cxnSp>
-      <p:cxnSp>
-        <p:nvCxnSpPr>
-          <p:cNvPr id="223" name="Google Shape;223;p17"/>
-          <p:cNvCxnSpPr/>
-          <p:nvPr/>
-        </p:nvCxnSpPr>
-        <p:spPr>
-          <a:xfrm flipH="1" rot="5400000">
-            <a:off x="4982428" y="3464113"/>
-            <a:ext cx="100800" cy="198600"/>
-          </a:xfrm>
-          <a:prstGeom prst="straightConnector1">
-            <a:avLst/>
-          </a:prstGeom>
-          <a:noFill/>
-          <a:ln cap="flat" cmpd="sng" w="9525">
-            <a:solidFill>
-              <a:schemeClr val="dk2"/>
-            </a:solidFill>
-            <a:prstDash val="solid"/>
-            <a:round/>
-            <a:headEnd len="med" w="med" type="none"/>
-            <a:tailEnd len="med" w="med" type="none"/>
-          </a:ln>
-        </p:spPr>
-      </p:cxnSp>
-      <p:cxnSp>
-        <p:nvCxnSpPr>
-          <p:cNvPr id="224" name="Google Shape;224;p17"/>
-          <p:cNvCxnSpPr/>
-          <p:nvPr/>
-        </p:nvCxnSpPr>
-        <p:spPr>
-          <a:xfrm flipH="1">
-            <a:off x="5131775" y="3628713"/>
-            <a:ext cx="49800" cy="2400"/>
-          </a:xfrm>
-          <a:prstGeom prst="straightConnector1">
-            <a:avLst/>
-          </a:prstGeom>
-          <a:noFill/>
-          <a:ln cap="flat" cmpd="sng" w="9525">
-            <a:solidFill>
-              <a:schemeClr val="dk2"/>
-            </a:solidFill>
-            <a:prstDash val="solid"/>
-            <a:round/>
-            <a:headEnd len="med" w="med" type="none"/>
-            <a:tailEnd len="med" w="med" type="none"/>
-          </a:ln>
-        </p:spPr>
-      </p:cxnSp>
-      <p:sp>
-        <p:nvSpPr>
-          <p:cNvPr id="225" name="Google Shape;225;p17"/>
-          <p:cNvSpPr/>
-          <p:nvPr/>
-        </p:nvSpPr>
-        <p:spPr>
-          <a:xfrm>
-            <a:off x="5852563" y="3620288"/>
-            <a:ext cx="877300" cy="280400"/>
-          </a:xfrm>
-          <a:prstGeom prst="flowChartDecision">
-            <a:avLst/>
-          </a:prstGeom>
-          <a:solidFill>
-            <a:schemeClr val="lt2"/>
-          </a:solidFill>
-          <a:ln cap="flat" cmpd="sng" w="9525">
-            <a:solidFill>
-              <a:schemeClr val="dk2"/>
-            </a:solidFill>
-            <a:prstDash val="solid"/>
-            <a:round/>
-            <a:headEnd len="sm" w="sm" type="none"/>
-            <a:tailEnd len="sm" w="sm" type="none"/>
-          </a:ln>
-        </p:spPr>
-        <p:txBody>
-          <a:bodyPr anchorCtr="0" anchor="ctr" bIns="91425" lIns="91425" spcFirstLastPara="1" rIns="91425" wrap="square" tIns="91425">
-            <a:noAutofit/>
-          </a:bodyPr>
-          <a:lstStyle/>
-          <a:p>
-            <a:pPr indent="0" lvl="0" marL="0" rtl="0" algn="l">
-              <a:spcBef>
-                <a:spcPts val="0"/>
-              </a:spcBef>
-              <a:spcAft>
-                <a:spcPts val="0"/>
-              </a:spcAft>
-              <a:buNone/>
-            </a:pPr>
-            <a:r>
-              <a:rPr lang="en" sz="1200"/>
-              <a:t>has</a:t>
-            </a:r>
-            <a:endParaRPr sz="1200"/>
-          </a:p>
-        </p:txBody>
-      </p:sp>
-      <p:cxnSp>
-        <p:nvCxnSpPr>
-          <p:cNvPr id="226" name="Google Shape;226;p17"/>
-          <p:cNvCxnSpPr>
-            <a:endCxn id="225" idx="1"/>
-          </p:cNvCxnSpPr>
-          <p:nvPr/>
-        </p:nvCxnSpPr>
-        <p:spPr>
-          <a:xfrm>
-            <a:off x="5123263" y="3636588"/>
-            <a:ext cx="729300" cy="123900"/>
-          </a:xfrm>
-          <a:prstGeom prst="straightConnector1">
-            <a:avLst/>
-          </a:prstGeom>
-          <a:noFill/>
-          <a:ln cap="flat" cmpd="sng" w="9525">
-            <a:solidFill>
-              <a:schemeClr val="dk2"/>
-            </a:solidFill>
-            <a:prstDash val="solid"/>
-            <a:round/>
-            <a:headEnd len="med" w="med" type="none"/>
-            <a:tailEnd len="med" w="med" type="none"/>
-          </a:ln>
-        </p:spPr>
-      </p:cxnSp>
-      <p:cxnSp>
-        <p:nvCxnSpPr>
-          <p:cNvPr id="227" name="Google Shape;227;p17"/>
-          <p:cNvCxnSpPr>
-            <a:stCxn id="225" idx="3"/>
-            <a:endCxn id="202" idx="1"/>
-          </p:cNvCxnSpPr>
-          <p:nvPr/>
-        </p:nvCxnSpPr>
-        <p:spPr>
-          <a:xfrm>
-            <a:off x="6729863" y="3760488"/>
-            <a:ext cx="910200" cy="217800"/>
-          </a:xfrm>
-          <a:prstGeom prst="straightConnector1">
-            <a:avLst/>
-          </a:prstGeom>
-          <a:noFill/>
-          <a:ln cap="flat" cmpd="sng" w="9525">
-            <a:solidFill>
-              <a:schemeClr val="dk2"/>
-            </a:solidFill>
-            <a:prstDash val="solid"/>
-            <a:round/>
-            <a:headEnd len="med" w="med" type="none"/>
-            <a:tailEnd len="med" w="med" type="none"/>
-          </a:ln>
-        </p:spPr>
-      </p:cxnSp>
-      <p:cxnSp>
-        <p:nvCxnSpPr>
-          <p:cNvPr id="228" name="Google Shape;228;p17"/>
-          <p:cNvCxnSpPr>
-            <a:stCxn id="203" idx="1"/>
-          </p:cNvCxnSpPr>
-          <p:nvPr/>
-        </p:nvCxnSpPr>
-        <p:spPr>
-          <a:xfrm>
-            <a:off x="5608500" y="4571475"/>
-            <a:ext cx="0" cy="0"/>
-          </a:xfrm>
-          <a:prstGeom prst="straightConnector1">
-            <a:avLst/>
-          </a:prstGeom>
-          <a:noFill/>
-          <a:ln cap="flat" cmpd="sng" w="9525">
-            <a:solidFill>
-              <a:schemeClr val="dk2"/>
-            </a:solidFill>
-            <a:prstDash val="solid"/>
-            <a:round/>
-            <a:headEnd len="med" w="med" type="none"/>
-            <a:tailEnd len="med" w="med" type="none"/>
-          </a:ln>
-        </p:spPr>
-      </p:cxnSp>
-      <p:cxnSp>
-        <p:nvCxnSpPr>
-          <p:cNvPr id="229" name="Google Shape;229;p17"/>
-          <p:cNvCxnSpPr/>
-          <p:nvPr/>
-        </p:nvCxnSpPr>
-        <p:spPr>
-          <a:xfrm>
-            <a:off x="7253150" y="1105050"/>
-            <a:ext cx="9900" cy="401700"/>
-          </a:xfrm>
-          <a:prstGeom prst="straightConnector1">
-            <a:avLst/>
-          </a:prstGeom>
-          <a:noFill/>
-          <a:ln cap="flat" cmpd="sng" w="9525">
-            <a:solidFill>
-              <a:schemeClr val="dk2"/>
-            </a:solidFill>
-            <a:prstDash val="solid"/>
-            <a:round/>
-            <a:headEnd len="med" w="med" type="none"/>
-            <a:tailEnd len="med" w="med" type="none"/>
-          </a:ln>
-        </p:spPr>
-      </p:cxnSp>
-      <p:cxnSp>
-        <p:nvCxnSpPr>
-          <p:cNvPr id="230" name="Google Shape;230;p17"/>
-          <p:cNvCxnSpPr/>
-          <p:nvPr/>
-        </p:nvCxnSpPr>
-        <p:spPr>
-          <a:xfrm>
-            <a:off x="5274750" y="2370900"/>
-            <a:ext cx="9900" cy="401700"/>
-          </a:xfrm>
-          <a:prstGeom prst="straightConnector1">
-            <a:avLst/>
-          </a:prstGeom>
-          <a:noFill/>
-          <a:ln cap="flat" cmpd="sng" w="9525">
-            <a:solidFill>
-              <a:schemeClr val="dk2"/>
-            </a:solidFill>
-            <a:prstDash val="solid"/>
-            <a:round/>
-            <a:headEnd len="med" w="med" type="none"/>
-            <a:tailEnd len="med" w="med" type="none"/>
-          </a:ln>
-        </p:spPr>
-      </p:cxnSp>
-      <p:cxnSp>
-        <p:nvCxnSpPr>
-          <p:cNvPr id="231" name="Google Shape;231;p17"/>
-          <p:cNvCxnSpPr/>
-          <p:nvPr/>
-        </p:nvCxnSpPr>
-        <p:spPr>
-          <a:xfrm>
-            <a:off x="5181575" y="2875700"/>
-            <a:ext cx="9900" cy="401700"/>
-          </a:xfrm>
-          <a:prstGeom prst="straightConnector1">
-            <a:avLst/>
-          </a:prstGeom>
-          <a:noFill/>
-          <a:ln cap="flat" cmpd="sng" w="9525">
-            <a:solidFill>
-              <a:schemeClr val="dk2"/>
-            </a:solidFill>
-            <a:prstDash val="solid"/>
-            <a:round/>
-            <a:headEnd len="med" w="med" type="none"/>
-            <a:tailEnd len="med" w="med" type="none"/>
-          </a:ln>
-        </p:spPr>
-      </p:cxnSp>
-      <p:cxnSp>
-        <p:nvCxnSpPr>
-          <p:cNvPr id="232" name="Google Shape;232;p17"/>
-          <p:cNvCxnSpPr/>
-          <p:nvPr/>
-        </p:nvCxnSpPr>
-        <p:spPr>
-          <a:xfrm>
-            <a:off x="7516250" y="2577413"/>
-            <a:ext cx="9900" cy="401700"/>
-          </a:xfrm>
-          <a:prstGeom prst="straightConnector1">
-            <a:avLst/>
-          </a:prstGeom>
-          <a:noFill/>
-          <a:ln cap="flat" cmpd="sng" w="9525">
-            <a:solidFill>
-              <a:schemeClr val="dk2"/>
-            </a:solidFill>
-            <a:prstDash val="solid"/>
-            <a:round/>
-            <a:headEnd len="med" w="med" type="none"/>
-            <a:tailEnd len="med" w="med" type="none"/>
-          </a:ln>
-        </p:spPr>
-      </p:cxnSp>
-      <p:cxnSp>
-        <p:nvCxnSpPr>
-          <p:cNvPr id="233" name="Google Shape;233;p17"/>
-          <p:cNvCxnSpPr/>
-          <p:nvPr/>
-        </p:nvCxnSpPr>
-        <p:spPr>
-          <a:xfrm>
-            <a:off x="5482975" y="4309950"/>
-            <a:ext cx="9900" cy="401700"/>
-          </a:xfrm>
-          <a:prstGeom prst="straightConnector1">
-            <a:avLst/>
-          </a:prstGeom>
-          <a:noFill/>
-          <a:ln cap="flat" cmpd="sng" w="9525">
-            <a:solidFill>
-              <a:schemeClr val="dk2"/>
-            </a:solidFill>
-            <a:prstDash val="solid"/>
-            <a:round/>
-            <a:headEnd len="med" w="med" type="none"/>
-            <a:tailEnd len="med" w="med" type="none"/>
-          </a:ln>
-        </p:spPr>
-      </p:cxnSp>
-      <p:cxnSp>
-        <p:nvCxnSpPr>
-          <p:cNvPr id="234" name="Google Shape;234;p17"/>
-          <p:cNvCxnSpPr/>
-          <p:nvPr/>
-        </p:nvCxnSpPr>
-        <p:spPr>
-          <a:xfrm>
-            <a:off x="5056300" y="3764625"/>
-            <a:ext cx="9900" cy="401700"/>
-          </a:xfrm>
-          <a:prstGeom prst="straightConnector1">
-            <a:avLst/>
-          </a:prstGeom>
-          <a:noFill/>
-          <a:ln cap="flat" cmpd="sng" w="9525">
-            <a:solidFill>
-              <a:schemeClr val="dk2"/>
-            </a:solidFill>
-            <a:prstDash val="solid"/>
-            <a:round/>
-            <a:headEnd len="med" w="med" type="none"/>
-            <a:tailEnd len="med" w="med" type="none"/>
-          </a:ln>
-        </p:spPr>
-      </p:cxnSp>
-      <p:cxnSp>
-        <p:nvCxnSpPr>
-          <p:cNvPr id="235" name="Google Shape;235;p17"/>
-          <p:cNvCxnSpPr/>
-          <p:nvPr/>
-        </p:nvCxnSpPr>
-        <p:spPr>
-          <a:xfrm>
-            <a:off x="7710350" y="1562250"/>
-            <a:ext cx="9900" cy="401700"/>
-          </a:xfrm>
-          <a:prstGeom prst="straightConnector1">
-            <a:avLst/>
-          </a:prstGeom>
-          <a:noFill/>
-          <a:ln cap="flat" cmpd="sng" w="9525">
-            <a:solidFill>
-              <a:schemeClr val="dk2"/>
-            </a:solidFill>
-            <a:prstDash val="solid"/>
-            <a:round/>
-            <a:headEnd len="med" w="med" type="none"/>
-            <a:tailEnd len="med" w="med" type="none"/>
-          </a:ln>
-        </p:spPr>
-      </p:cxnSp>
-      <p:sp>
-        <p:nvSpPr>
-          <p:cNvPr id="236" name="Google Shape;236;p17"/>
-          <p:cNvSpPr txBox="1"/>
-          <p:nvPr/>
-        </p:nvSpPr>
-        <p:spPr>
-          <a:xfrm>
-            <a:off x="0" y="0"/>
-            <a:ext cx="3000000" cy="400200"/>
-          </a:xfrm>
-          <a:prstGeom prst="rect">
-            <a:avLst/>
-          </a:prstGeom>
-          <a:noFill/>
-          <a:ln>
-            <a:noFill/>
-          </a:ln>
-        </p:spPr>
-        <p:txBody>
-          <a:bodyPr anchorCtr="0" anchor="t" bIns="91425" lIns="91425" spcFirstLastPara="1" rIns="91425" wrap="square" tIns="91425">
-            <a:spAutoFit/>
-          </a:bodyPr>
-          <a:lstStyle/>
-          <a:p>
-            <a:pPr indent="0" lvl="0" marL="0" rtl="0" algn="l">
-              <a:spcBef>
-                <a:spcPts val="0"/>
-              </a:spcBef>
-              <a:spcAft>
-                <a:spcPts val="0"/>
-              </a:spcAft>
-              <a:buNone/>
-            </a:pPr>
-            <a:r>
-              <a:t/>
-            </a:r>
-            <a:endParaRPr/>
-          </a:p>
-        </p:txBody>
-      </p:sp>
     </p:spTree>
   </p:cSld>
   <p:clrMapOvr>
     <a:masterClrMapping/>
   </p:clrMapOvr>
+  <p:timing>
+    <p:tnLst>
+      <p:par>
+        <p:cTn dur="indefinite" nodeType="tmRoot" restart="never">
+          <p:childTnLst>
+            <p:seq concurrent="1" nextAc="seek">
+              <p:cTn dur="indefinite" id="2" nodeType="mainSeq">
+                <p:childTnLst>
+                  <p:par>
+                    <p:cTn fill="hold">
+                      <p:stCondLst>
+                        <p:cond delay="indefinite"/>
+                      </p:stCondLst>
+                      <p:childTnLst>
+                        <p:par>
+                          <p:cTn fill="hold">
+                            <p:stCondLst>
+                              <p:cond delay="0"/>
+                            </p:stCondLst>
+                            <p:childTnLst>
+                              <p:par>
+                                <p:cTn fill="hold" nodeType="clickEffect" presetClass="entr" presetID="10" presetSubtype="0">
+                                  <p:stCondLst>
+                                    <p:cond delay="0"/>
+                                  </p:stCondLst>
+                                  <p:childTnLst>
+                                    <p:set>
+                                      <p:cBhvr>
+                                        <p:cTn dur="1" fill="hold">
+                                          <p:stCondLst>
+                                            <p:cond delay="0"/>
+                                          </p:stCondLst>
+                                        </p:cTn>
+                                        <p:tgtEl>
+                                          <p:spTgt spid="124"/>
+                                        </p:tgtEl>
+                                        <p:attrNameLst>
+                                          <p:attrName>style.visibility</p:attrName>
+                                        </p:attrNameLst>
+                                      </p:cBhvr>
+                                      <p:to>
+                                        <p:strVal val="visible"/>
+                                      </p:to>
+                                    </p:set>
+                                    <p:animEffect filter="fade" transition="in">
+                                      <p:cBhvr>
+                                        <p:cTn dur="1000"/>
+                                        <p:tgtEl>
+                                          <p:spTgt spid="124"/>
+                                        </p:tgtEl>
+                                      </p:cBhvr>
+                                    </p:animEffect>
+                                  </p:childTnLst>
+                                </p:cTn>
+                              </p:par>
+                              <p:par>
+                                <p:cTn fill="hold" nodeType="withEffect" presetClass="entr" presetID="10" presetSubtype="0">
+                                  <p:stCondLst>
+                                    <p:cond delay="0"/>
+                                  </p:stCondLst>
+                                  <p:childTnLst>
+                                    <p:set>
+                                      <p:cBhvr>
+                                        <p:cTn dur="1" fill="hold">
+                                          <p:stCondLst>
+                                            <p:cond delay="0"/>
+                                          </p:stCondLst>
+                                        </p:cTn>
+                                        <p:tgtEl>
+                                          <p:spTgt spid="125"/>
+                                        </p:tgtEl>
+                                        <p:attrNameLst>
+                                          <p:attrName>style.visibility</p:attrName>
+                                        </p:attrNameLst>
+                                      </p:cBhvr>
+                                      <p:to>
+                                        <p:strVal val="visible"/>
+                                      </p:to>
+                                    </p:set>
+                                    <p:animEffect filter="fade" transition="in">
+                                      <p:cBhvr>
+                                        <p:cTn dur="1000"/>
+                                        <p:tgtEl>
+                                          <p:spTgt spid="125"/>
+                                        </p:tgtEl>
+                                      </p:cBhvr>
+                                    </p:animEffect>
+                                  </p:childTnLst>
+                                </p:cTn>
+                              </p:par>
+                            </p:childTnLst>
+                          </p:cTn>
+                        </p:par>
+                      </p:childTnLst>
+                    </p:cTn>
+                  </p:par>
+                </p:childTnLst>
+              </p:cTn>
+              <p:prevCondLst>
+                <p:cond evt="onPrev">
+                  <p:tgtEl>
+                    <p:sldTgt/>
+                  </p:tgtEl>
+                </p:cond>
+              </p:prevCondLst>
+              <p:nextCondLst>
+                <p:cond evt="onNext">
+                  <p:tgtEl>
+                    <p:sldTgt/>
+                  </p:tgtEl>
+                </p:cond>
+              </p:nextCondLst>
+            </p:seq>
+          </p:childTnLst>
+        </p:cTn>
+      </p:par>
+    </p:tnLst>
+  </p:timing>
 </p:sld>
 </file>
 
-<file path=ppt/slides/slide6.xml><?xml version="1.0" encoding="utf-8"?>
+<file path=ppt/slides/slide5.xml><?xml version="1.0" encoding="utf-8"?>
 <p:sld xmlns:a="http://schemas.openxmlformats.org/drawingml/2006/main" xmlns:r="http://schemas.openxmlformats.org/officeDocument/2006/relationships" xmlns:mc="http://schemas.openxmlformats.org/markup-compatibility/2006" xmlns:mv="urn:schemas-microsoft-com:mac:vml" xmlns:p="http://schemas.openxmlformats.org/presentationml/2006/main" xmlns:c="http://schemas.openxmlformats.org/drawingml/2006/chart" xmlns:dgm="http://schemas.openxmlformats.org/drawingml/2006/diagram" xmlns:o="urn:schemas-microsoft-com:office:office" xmlns:v="urn:schemas-microsoft-com:vml" xmlns:pvml="urn:schemas-microsoft-com:office:powerpoint" xmlns:com="http://schemas.openxmlformats.org/drawingml/2006/compatibility" xmlns:p14="http://schemas.microsoft.com/office/powerpoint/2010/main" xmlns:p15="http://schemas.microsoft.com/office/powerpoint/2012/main" xmlns:ahyp="http://schemas.microsoft.com/office/drawing/2018/hyperlinkcolor">
   <p:cSld>
     <p:spTree>
       <p:nvGrpSpPr>
-        <p:cNvPr id="240" name="Shape 240"/>
+        <p:cNvPr id="129" name="Shape 129"/>
         <p:cNvGrpSpPr/>
         <p:nvPr/>
       </p:nvGrpSpPr>
@@ -13695,7 +9897,7 @@
       </p:grpSpPr>
       <p:sp>
         <p:nvSpPr>
-          <p:cNvPr id="241" name="Google Shape;241;p18"/>
+          <p:cNvPr id="130" name="Google Shape;130;p17"/>
           <p:cNvSpPr txBox="1"/>
           <p:nvPr>
             <p:ph type="title"/>
@@ -13735,7 +9937,7 @@
       </p:sp>
       <p:sp>
         <p:nvSpPr>
-          <p:cNvPr id="242" name="Google Shape;242;p18"/>
+          <p:cNvPr id="131" name="Google Shape;131;p17"/>
           <p:cNvSpPr txBox="1"/>
           <p:nvPr>
             <p:ph idx="1" type="body"/>
@@ -13768,6 +9970,110 @@
             <a:r>
               <a:rPr lang="en"/>
               <a:t>https://github.com/I8HER/CSE111-Project</a:t>
+            </a:r>
+            <a:endParaRPr/>
+          </a:p>
+        </p:txBody>
+      </p:sp>
+    </p:spTree>
+  </p:cSld>
+  <p:clrMapOvr>
+    <a:masterClrMapping/>
+  </p:clrMapOvr>
+</p:sld>
+</file>
+
+<file path=ppt/slides/slide6.xml><?xml version="1.0" encoding="utf-8"?>
+<p:sld xmlns:a="http://schemas.openxmlformats.org/drawingml/2006/main" xmlns:r="http://schemas.openxmlformats.org/officeDocument/2006/relationships" xmlns:mc="http://schemas.openxmlformats.org/markup-compatibility/2006" xmlns:mv="urn:schemas-microsoft-com:mac:vml" xmlns:p="http://schemas.openxmlformats.org/presentationml/2006/main" xmlns:c="http://schemas.openxmlformats.org/drawingml/2006/chart" xmlns:dgm="http://schemas.openxmlformats.org/drawingml/2006/diagram" xmlns:o="urn:schemas-microsoft-com:office:office" xmlns:v="urn:schemas-microsoft-com:vml" xmlns:pvml="urn:schemas-microsoft-com:office:powerpoint" xmlns:com="http://schemas.openxmlformats.org/drawingml/2006/compatibility" xmlns:p14="http://schemas.microsoft.com/office/powerpoint/2010/main" xmlns:p15="http://schemas.microsoft.com/office/powerpoint/2012/main" xmlns:ahyp="http://schemas.microsoft.com/office/drawing/2018/hyperlinkcolor">
+  <p:cSld>
+    <p:spTree>
+      <p:nvGrpSpPr>
+        <p:cNvPr id="135" name="Shape 135"/>
+        <p:cNvGrpSpPr/>
+        <p:nvPr/>
+      </p:nvGrpSpPr>
+      <p:grpSpPr>
+        <a:xfrm>
+          <a:off x="0" y="0"/>
+          <a:ext cx="0" cy="0"/>
+          <a:chOff x="0" y="0"/>
+          <a:chExt cx="0" cy="0"/>
+        </a:xfrm>
+      </p:grpSpPr>
+      <p:sp>
+        <p:nvSpPr>
+          <p:cNvPr id="136" name="Google Shape;136;p18"/>
+          <p:cNvSpPr txBox="1"/>
+          <p:nvPr>
+            <p:ph type="title"/>
+          </p:nvPr>
+        </p:nvSpPr>
+        <p:spPr>
+          <a:xfrm>
+            <a:off x="729450" y="1318650"/>
+            <a:ext cx="7688700" cy="535200"/>
+          </a:xfrm>
+          <a:prstGeom prst="rect">
+            <a:avLst/>
+          </a:prstGeom>
+        </p:spPr>
+        <p:txBody>
+          <a:bodyPr anchorCtr="0" anchor="t" bIns="91425" lIns="91425" spcFirstLastPara="1" rIns="91425" wrap="square" tIns="91425">
+            <a:normAutofit fontScale="90000"/>
+          </a:bodyPr>
+          <a:lstStyle/>
+          <a:p>
+            <a:pPr indent="0" lvl="0" marL="0" rtl="0" algn="l">
+              <a:spcBef>
+                <a:spcPts val="0"/>
+              </a:spcBef>
+              <a:spcAft>
+                <a:spcPts val="0"/>
+              </a:spcAft>
+              <a:buNone/>
+            </a:pPr>
+            <a:r>
+              <a:rPr lang="en"/>
+              <a:t>DEMO</a:t>
+            </a:r>
+            <a:endParaRPr/>
+          </a:p>
+        </p:txBody>
+      </p:sp>
+      <p:sp>
+        <p:nvSpPr>
+          <p:cNvPr id="137" name="Google Shape;137;p18"/>
+          <p:cNvSpPr txBox="1"/>
+          <p:nvPr>
+            <p:ph idx="1" type="body"/>
+          </p:nvPr>
+        </p:nvSpPr>
+        <p:spPr>
+          <a:xfrm>
+            <a:off x="729450" y="2078875"/>
+            <a:ext cx="7688700" cy="2261100"/>
+          </a:xfrm>
+          <a:prstGeom prst="rect">
+            <a:avLst/>
+          </a:prstGeom>
+        </p:spPr>
+        <p:txBody>
+          <a:bodyPr anchorCtr="0" anchor="t" bIns="91425" lIns="91425" spcFirstLastPara="1" rIns="91425" wrap="square" tIns="91425">
+            <a:normAutofit/>
+          </a:bodyPr>
+          <a:lstStyle/>
+          <a:p>
+            <a:pPr indent="0" lvl="0" marL="0" rtl="0" algn="l">
+              <a:spcBef>
+                <a:spcPts val="0"/>
+              </a:spcBef>
+              <a:spcAft>
+                <a:spcPts val="1200"/>
+              </a:spcAft>
+              <a:buNone/>
+            </a:pPr>
+            <a:r>
+              <a:t/>
             </a:r>
             <a:endParaRPr/>
           </a:p>
